--- a/python/python.pptx
+++ b/python/python.pptx
@@ -203,7 +203,7 @@
           <a:p>
             <a:fld id="{013D7D23-95FE-4191-B08D-3CBB1E1CEEFE}" type="datetimeFigureOut">
               <a:rPr lang="pt-PT" smtClean="0"/>
-              <a:t>25/01/2024</a:t>
+              <a:t>30/01/2024</a:t>
             </a:fld>
             <a:endParaRPr lang="pt-PT" dirty="0"/>
           </a:p>
@@ -602,7 +602,7 @@
           <a:p>
             <a:fld id="{5C0ED97C-8255-4BAC-9D42-1F6A6651E287}" type="datetime1">
               <a:rPr lang="pt-PT" smtClean="0"/>
-              <a:t>25/01/2024</a:t>
+              <a:t>30/01/2024</a:t>
             </a:fld>
             <a:endParaRPr lang="pt-PT" dirty="0"/>
           </a:p>
@@ -772,7 +772,7 @@
           <a:p>
             <a:fld id="{4FCC8996-E467-4FE1-B165-4002860D0AC7}" type="datetime1">
               <a:rPr lang="pt-PT" smtClean="0"/>
-              <a:t>25/01/2024</a:t>
+              <a:t>30/01/2024</a:t>
             </a:fld>
             <a:endParaRPr lang="pt-PT" dirty="0"/>
           </a:p>
@@ -952,7 +952,7 @@
           <a:p>
             <a:fld id="{C104532E-E792-4BF5-B399-9E5E16070233}" type="datetime1">
               <a:rPr lang="pt-PT" smtClean="0"/>
-              <a:t>25/01/2024</a:t>
+              <a:t>30/01/2024</a:t>
             </a:fld>
             <a:endParaRPr lang="pt-PT" dirty="0"/>
           </a:p>
@@ -1162,7 +1162,7 @@
           <a:p>
             <a:fld id="{FF4AF87E-A15D-4480-B791-15D75F8AF848}" type="datetimeFigureOut">
               <a:rPr lang="pt-PT" smtClean="0"/>
-              <a:t>25/01/2024</a:t>
+              <a:t>30/01/2024</a:t>
             </a:fld>
             <a:endParaRPr lang="pt-PT"/>
           </a:p>
@@ -1362,7 +1362,7 @@
           <a:p>
             <a:fld id="{FF4AF87E-A15D-4480-B791-15D75F8AF848}" type="datetimeFigureOut">
               <a:rPr lang="pt-PT" smtClean="0"/>
-              <a:t>25/01/2024</a:t>
+              <a:t>30/01/2024</a:t>
             </a:fld>
             <a:endParaRPr lang="pt-PT"/>
           </a:p>
@@ -1638,7 +1638,7 @@
           <a:p>
             <a:fld id="{FF4AF87E-A15D-4480-B791-15D75F8AF848}" type="datetimeFigureOut">
               <a:rPr lang="pt-PT" smtClean="0"/>
-              <a:t>25/01/2024</a:t>
+              <a:t>30/01/2024</a:t>
             </a:fld>
             <a:endParaRPr lang="pt-PT"/>
           </a:p>
@@ -1906,7 +1906,7 @@
           <a:p>
             <a:fld id="{FF4AF87E-A15D-4480-B791-15D75F8AF848}" type="datetimeFigureOut">
               <a:rPr lang="pt-PT" smtClean="0"/>
-              <a:t>25/01/2024</a:t>
+              <a:t>30/01/2024</a:t>
             </a:fld>
             <a:endParaRPr lang="pt-PT"/>
           </a:p>
@@ -2321,7 +2321,7 @@
           <a:p>
             <a:fld id="{FF4AF87E-A15D-4480-B791-15D75F8AF848}" type="datetimeFigureOut">
               <a:rPr lang="pt-PT" smtClean="0"/>
-              <a:t>25/01/2024</a:t>
+              <a:t>30/01/2024</a:t>
             </a:fld>
             <a:endParaRPr lang="pt-PT"/>
           </a:p>
@@ -2463,7 +2463,7 @@
           <a:p>
             <a:fld id="{FF4AF87E-A15D-4480-B791-15D75F8AF848}" type="datetimeFigureOut">
               <a:rPr lang="pt-PT" smtClean="0"/>
-              <a:t>25/01/2024</a:t>
+              <a:t>30/01/2024</a:t>
             </a:fld>
             <a:endParaRPr lang="pt-PT"/>
           </a:p>
@@ -2576,7 +2576,7 @@
           <a:p>
             <a:fld id="{FF4AF87E-A15D-4480-B791-15D75F8AF848}" type="datetimeFigureOut">
               <a:rPr lang="pt-PT" smtClean="0"/>
-              <a:t>25/01/2024</a:t>
+              <a:t>30/01/2024</a:t>
             </a:fld>
             <a:endParaRPr lang="pt-PT"/>
           </a:p>
@@ -2889,7 +2889,7 @@
           <a:p>
             <a:fld id="{FF4AF87E-A15D-4480-B791-15D75F8AF848}" type="datetimeFigureOut">
               <a:rPr lang="pt-PT" smtClean="0"/>
-              <a:t>25/01/2024</a:t>
+              <a:t>30/01/2024</a:t>
             </a:fld>
             <a:endParaRPr lang="pt-PT"/>
           </a:p>
@@ -3071,7 +3071,7 @@
           <a:p>
             <a:fld id="{5FC36660-F7C2-4C37-BD61-E2E985519A54}" type="datetime1">
               <a:rPr lang="pt-PT" smtClean="0"/>
-              <a:t>25/01/2024</a:t>
+              <a:t>30/01/2024</a:t>
             </a:fld>
             <a:endParaRPr lang="pt-PT" dirty="0"/>
           </a:p>
@@ -3348,7 +3348,7 @@
           <a:p>
             <a:fld id="{FF4AF87E-A15D-4480-B791-15D75F8AF848}" type="datetimeFigureOut">
               <a:rPr lang="pt-PT" smtClean="0"/>
-              <a:t>25/01/2024</a:t>
+              <a:t>30/01/2024</a:t>
             </a:fld>
             <a:endParaRPr lang="pt-PT"/>
           </a:p>
@@ -3548,7 +3548,7 @@
           <a:p>
             <a:fld id="{FF4AF87E-A15D-4480-B791-15D75F8AF848}" type="datetimeFigureOut">
               <a:rPr lang="pt-PT" smtClean="0"/>
-              <a:t>25/01/2024</a:t>
+              <a:t>30/01/2024</a:t>
             </a:fld>
             <a:endParaRPr lang="pt-PT"/>
           </a:p>
@@ -3758,7 +3758,7 @@
           <a:p>
             <a:fld id="{FF4AF87E-A15D-4480-B791-15D75F8AF848}" type="datetimeFigureOut">
               <a:rPr lang="pt-PT" smtClean="0"/>
-              <a:t>25/01/2024</a:t>
+              <a:t>30/01/2024</a:t>
             </a:fld>
             <a:endParaRPr lang="pt-PT"/>
           </a:p>
@@ -4016,7 +4016,7 @@
           <a:p>
             <a:fld id="{EC1C553A-1723-4842-A3DB-E76BD21F5C6D}" type="datetime1">
               <a:rPr lang="pt-PT" smtClean="0"/>
-              <a:t>25/01/2024</a:t>
+              <a:t>30/01/2024</a:t>
             </a:fld>
             <a:endParaRPr lang="pt-PT" dirty="0"/>
           </a:p>
@@ -4248,7 +4248,7 @@
           <a:p>
             <a:fld id="{CE9B351E-3840-4886-B007-BC84D7C14686}" type="datetime1">
               <a:rPr lang="pt-PT" smtClean="0"/>
-              <a:t>25/01/2024</a:t>
+              <a:t>30/01/2024</a:t>
             </a:fld>
             <a:endParaRPr lang="pt-PT" dirty="0"/>
           </a:p>
@@ -4615,7 +4615,7 @@
           <a:p>
             <a:fld id="{C8686839-F4ED-436E-9AC9-AC7A0A0CD179}" type="datetime1">
               <a:rPr lang="pt-PT" smtClean="0"/>
-              <a:t>25/01/2024</a:t>
+              <a:t>30/01/2024</a:t>
             </a:fld>
             <a:endParaRPr lang="pt-PT" dirty="0"/>
           </a:p>
@@ -4733,7 +4733,7 @@
           <a:p>
             <a:fld id="{2AB82247-1A7C-4F98-8F33-5E4D07EFBF12}" type="datetime1">
               <a:rPr lang="pt-PT" smtClean="0"/>
-              <a:t>25/01/2024</a:t>
+              <a:t>30/01/2024</a:t>
             </a:fld>
             <a:endParaRPr lang="pt-PT" dirty="0"/>
           </a:p>
@@ -4828,7 +4828,7 @@
           <a:p>
             <a:fld id="{AFE320DE-3391-4A27-9653-F2BD505B9A08}" type="datetime1">
               <a:rPr lang="pt-PT" smtClean="0"/>
-              <a:t>25/01/2024</a:t>
+              <a:t>30/01/2024</a:t>
             </a:fld>
             <a:endParaRPr lang="pt-PT" dirty="0"/>
           </a:p>
@@ -5105,7 +5105,7 @@
           <a:p>
             <a:fld id="{E69250C8-88B2-4209-BD56-05813AC521DC}" type="datetime1">
               <a:rPr lang="pt-PT" smtClean="0"/>
-              <a:t>25/01/2024</a:t>
+              <a:t>30/01/2024</a:t>
             </a:fld>
             <a:endParaRPr lang="pt-PT" dirty="0"/>
           </a:p>
@@ -5358,7 +5358,7 @@
           <a:p>
             <a:fld id="{0B847055-2F12-42A4-9432-334276564B1D}" type="datetime1">
               <a:rPr lang="pt-PT" smtClean="0"/>
-              <a:t>25/01/2024</a:t>
+              <a:t>30/01/2024</a:t>
             </a:fld>
             <a:endParaRPr lang="pt-PT" dirty="0"/>
           </a:p>
@@ -5571,7 +5571,7 @@
           <a:p>
             <a:fld id="{B0883CD8-EC5B-4369-8F97-BE1E84F10887}" type="datetime1">
               <a:rPr lang="pt-PT" smtClean="0"/>
-              <a:t>25/01/2024</a:t>
+              <a:t>30/01/2024</a:t>
             </a:fld>
             <a:endParaRPr lang="pt-PT" dirty="0"/>
           </a:p>
@@ -6130,7 +6130,7 @@
           <a:p>
             <a:fld id="{FF4AF87E-A15D-4480-B791-15D75F8AF848}" type="datetimeFigureOut">
               <a:rPr lang="pt-PT" smtClean="0"/>
-              <a:t>25/01/2024</a:t>
+              <a:t>30/01/2024</a:t>
             </a:fld>
             <a:endParaRPr lang="pt-PT"/>
           </a:p>
@@ -6858,6 +6858,110 @@
           </p:txBody>
         </p:sp>
       </p:grpSp>
+      <p:sp>
+        <p:nvSpPr>
+          <p:cNvPr id="9" name="Explosion: 14 Points 8">
+            <a:extLst>
+              <a:ext uri="{FF2B5EF4-FFF2-40B4-BE49-F238E27FC236}">
+                <a16:creationId xmlns:a16="http://schemas.microsoft.com/office/drawing/2014/main" id="{409B9FA8-E4F5-41C4-926D-4EA07FAD81DE}"/>
+              </a:ext>
+            </a:extLst>
+          </p:cNvPr>
+          <p:cNvSpPr/>
+          <p:nvPr/>
+        </p:nvSpPr>
+        <p:spPr>
+          <a:xfrm>
+            <a:off x="3207723" y="1151099"/>
+            <a:ext cx="1618171" cy="1245156"/>
+          </a:xfrm>
+          <a:prstGeom prst="irregularSeal2">
+            <a:avLst/>
+          </a:prstGeom>
+          <a:solidFill>
+            <a:sysClr val="windowText" lastClr="000000"/>
+          </a:solidFill>
+          <a:ln w="12700" cap="flat" cmpd="sng" algn="ctr">
+            <a:solidFill>
+              <a:srgbClr val="FF0000"/>
+            </a:solidFill>
+            <a:prstDash val="solid"/>
+            <a:miter lim="800000"/>
+          </a:ln>
+          <a:effectLst>
+            <a:outerShdw blurRad="50800" dist="63500" dir="2700000" algn="tl" rotWithShape="0">
+              <a:sysClr val="window" lastClr="FFFFFF">
+                <a:alpha val="40000"/>
+              </a:sysClr>
+            </a:outerShdw>
+          </a:effectLst>
+        </p:spPr>
+        <p:txBody>
+          <a:bodyPr wrap="none" lIns="0" tIns="0" rIns="0" bIns="0" rtlCol="0" anchor="ctr">
+            <a:spAutoFit/>
+          </a:bodyPr>
+          <a:lstStyle/>
+          <a:p>
+            <a:pPr lvl="0" algn="ctr" defTabSz="914369">
+              <a:defRPr/>
+            </a:pPr>
+            <a:r>
+              <a:rPr lang="en-US" sz="1200" kern="0" dirty="0">
+                <a:solidFill>
+                  <a:srgbClr val="FF0000"/>
+                </a:solidFill>
+              </a:rPr>
+              <a:t>wait </a:t>
+            </a:r>
+          </a:p>
+          <a:p>
+            <a:pPr lvl="0" algn="ctr" defTabSz="914369">
+              <a:defRPr/>
+            </a:pPr>
+            <a:r>
+              <a:rPr lang="en-US" sz="1200" kern="0">
+                <a:solidFill>
+                  <a:srgbClr val="FF0000"/>
+                </a:solidFill>
+              </a:rPr>
+              <a:t>for </a:t>
+            </a:r>
+          </a:p>
+          <a:p>
+            <a:pPr lvl="0" algn="ctr" defTabSz="914369">
+              <a:defRPr/>
+            </a:pPr>
+            <a:r>
+              <a:rPr lang="en-US" sz="1200" kern="0">
+                <a:solidFill>
+                  <a:srgbClr val="FF0000"/>
+                </a:solidFill>
+              </a:rPr>
+              <a:t>the </a:t>
+            </a:r>
+            <a:r>
+              <a:rPr lang="en-US" sz="1200" kern="0" dirty="0">
+                <a:solidFill>
+                  <a:srgbClr val="FF0000"/>
+                </a:solidFill>
+              </a:rPr>
+              <a:t>answer</a:t>
+            </a:r>
+            <a:endParaRPr kumimoji="0" lang="en-US" sz="1200" b="0" i="0" u="none" strike="noStrike" kern="0" cap="none" spc="0" normalizeH="0" baseline="0" noProof="0" dirty="0">
+              <a:ln>
+                <a:noFill/>
+              </a:ln>
+              <a:solidFill>
+                <a:srgbClr val="FF0000"/>
+              </a:solidFill>
+              <a:effectLst/>
+              <a:uLnTx/>
+              <a:uFillTx/>
+              <a:latin typeface="Calibri" panose="020F0502020204030204"/>
+            </a:endParaRPr>
+          </a:p>
+        </p:txBody>
+      </p:sp>
     </p:spTree>
     <p:extLst>
       <p:ext uri="{BB962C8B-B14F-4D97-AF65-F5344CB8AC3E}">

--- a/python/python.pptx
+++ b/python/python.pptx
@@ -6,12 +6,13 @@
     <p:sldMasterId id="2147483660" r:id="rId2"/>
   </p:sldMasterIdLst>
   <p:notesMasterIdLst>
-    <p:notesMasterId r:id="rId6"/>
+    <p:notesMasterId r:id="rId7"/>
   </p:notesMasterIdLst>
   <p:sldIdLst>
     <p:sldId id="259" r:id="rId3"/>
     <p:sldId id="399" r:id="rId4"/>
-    <p:sldId id="377" r:id="rId5"/>
+    <p:sldId id="400" r:id="rId5"/>
+    <p:sldId id="377" r:id="rId6"/>
   </p:sldIdLst>
   <p:sldSz cx="12192000" cy="6858000"/>
   <p:notesSz cx="6858000" cy="9144000"/>
@@ -203,7 +204,7 @@
           <a:p>
             <a:fld id="{013D7D23-95FE-4191-B08D-3CBB1E1CEEFE}" type="datetimeFigureOut">
               <a:rPr lang="pt-PT" smtClean="0"/>
-              <a:t>30/01/2024</a:t>
+              <a:t>21/05/2024</a:t>
             </a:fld>
             <a:endParaRPr lang="pt-PT" dirty="0"/>
           </a:p>
@@ -602,7 +603,7 @@
           <a:p>
             <a:fld id="{5C0ED97C-8255-4BAC-9D42-1F6A6651E287}" type="datetime1">
               <a:rPr lang="pt-PT" smtClean="0"/>
-              <a:t>30/01/2024</a:t>
+              <a:t>21/05/2024</a:t>
             </a:fld>
             <a:endParaRPr lang="pt-PT" dirty="0"/>
           </a:p>
@@ -772,7 +773,7 @@
           <a:p>
             <a:fld id="{4FCC8996-E467-4FE1-B165-4002860D0AC7}" type="datetime1">
               <a:rPr lang="pt-PT" smtClean="0"/>
-              <a:t>30/01/2024</a:t>
+              <a:t>21/05/2024</a:t>
             </a:fld>
             <a:endParaRPr lang="pt-PT" dirty="0"/>
           </a:p>
@@ -952,7 +953,7 @@
           <a:p>
             <a:fld id="{C104532E-E792-4BF5-B399-9E5E16070233}" type="datetime1">
               <a:rPr lang="pt-PT" smtClean="0"/>
-              <a:t>30/01/2024</a:t>
+              <a:t>21/05/2024</a:t>
             </a:fld>
             <a:endParaRPr lang="pt-PT" dirty="0"/>
           </a:p>
@@ -1162,7 +1163,7 @@
           <a:p>
             <a:fld id="{FF4AF87E-A15D-4480-B791-15D75F8AF848}" type="datetimeFigureOut">
               <a:rPr lang="pt-PT" smtClean="0"/>
-              <a:t>30/01/2024</a:t>
+              <a:t>21/05/2024</a:t>
             </a:fld>
             <a:endParaRPr lang="pt-PT"/>
           </a:p>
@@ -1362,7 +1363,7 @@
           <a:p>
             <a:fld id="{FF4AF87E-A15D-4480-B791-15D75F8AF848}" type="datetimeFigureOut">
               <a:rPr lang="pt-PT" smtClean="0"/>
-              <a:t>30/01/2024</a:t>
+              <a:t>21/05/2024</a:t>
             </a:fld>
             <a:endParaRPr lang="pt-PT"/>
           </a:p>
@@ -1638,7 +1639,7 @@
           <a:p>
             <a:fld id="{FF4AF87E-A15D-4480-B791-15D75F8AF848}" type="datetimeFigureOut">
               <a:rPr lang="pt-PT" smtClean="0"/>
-              <a:t>30/01/2024</a:t>
+              <a:t>21/05/2024</a:t>
             </a:fld>
             <a:endParaRPr lang="pt-PT"/>
           </a:p>
@@ -1906,7 +1907,7 @@
           <a:p>
             <a:fld id="{FF4AF87E-A15D-4480-B791-15D75F8AF848}" type="datetimeFigureOut">
               <a:rPr lang="pt-PT" smtClean="0"/>
-              <a:t>30/01/2024</a:t>
+              <a:t>21/05/2024</a:t>
             </a:fld>
             <a:endParaRPr lang="pt-PT"/>
           </a:p>
@@ -2321,7 +2322,7 @@
           <a:p>
             <a:fld id="{FF4AF87E-A15D-4480-B791-15D75F8AF848}" type="datetimeFigureOut">
               <a:rPr lang="pt-PT" smtClean="0"/>
-              <a:t>30/01/2024</a:t>
+              <a:t>21/05/2024</a:t>
             </a:fld>
             <a:endParaRPr lang="pt-PT"/>
           </a:p>
@@ -2463,7 +2464,7 @@
           <a:p>
             <a:fld id="{FF4AF87E-A15D-4480-B791-15D75F8AF848}" type="datetimeFigureOut">
               <a:rPr lang="pt-PT" smtClean="0"/>
-              <a:t>30/01/2024</a:t>
+              <a:t>21/05/2024</a:t>
             </a:fld>
             <a:endParaRPr lang="pt-PT"/>
           </a:p>
@@ -2576,7 +2577,7 @@
           <a:p>
             <a:fld id="{FF4AF87E-A15D-4480-B791-15D75F8AF848}" type="datetimeFigureOut">
               <a:rPr lang="pt-PT" smtClean="0"/>
-              <a:t>30/01/2024</a:t>
+              <a:t>21/05/2024</a:t>
             </a:fld>
             <a:endParaRPr lang="pt-PT"/>
           </a:p>
@@ -2889,7 +2890,7 @@
           <a:p>
             <a:fld id="{FF4AF87E-A15D-4480-B791-15D75F8AF848}" type="datetimeFigureOut">
               <a:rPr lang="pt-PT" smtClean="0"/>
-              <a:t>30/01/2024</a:t>
+              <a:t>21/05/2024</a:t>
             </a:fld>
             <a:endParaRPr lang="pt-PT"/>
           </a:p>
@@ -3071,7 +3072,7 @@
           <a:p>
             <a:fld id="{5FC36660-F7C2-4C37-BD61-E2E985519A54}" type="datetime1">
               <a:rPr lang="pt-PT" smtClean="0"/>
-              <a:t>30/01/2024</a:t>
+              <a:t>21/05/2024</a:t>
             </a:fld>
             <a:endParaRPr lang="pt-PT" dirty="0"/>
           </a:p>
@@ -3348,7 +3349,7 @@
           <a:p>
             <a:fld id="{FF4AF87E-A15D-4480-B791-15D75F8AF848}" type="datetimeFigureOut">
               <a:rPr lang="pt-PT" smtClean="0"/>
-              <a:t>30/01/2024</a:t>
+              <a:t>21/05/2024</a:t>
             </a:fld>
             <a:endParaRPr lang="pt-PT"/>
           </a:p>
@@ -3548,7 +3549,7 @@
           <a:p>
             <a:fld id="{FF4AF87E-A15D-4480-B791-15D75F8AF848}" type="datetimeFigureOut">
               <a:rPr lang="pt-PT" smtClean="0"/>
-              <a:t>30/01/2024</a:t>
+              <a:t>21/05/2024</a:t>
             </a:fld>
             <a:endParaRPr lang="pt-PT"/>
           </a:p>
@@ -3758,7 +3759,7 @@
           <a:p>
             <a:fld id="{FF4AF87E-A15D-4480-B791-15D75F8AF848}" type="datetimeFigureOut">
               <a:rPr lang="pt-PT" smtClean="0"/>
-              <a:t>30/01/2024</a:t>
+              <a:t>21/05/2024</a:t>
             </a:fld>
             <a:endParaRPr lang="pt-PT"/>
           </a:p>
@@ -4016,7 +4017,7 @@
           <a:p>
             <a:fld id="{EC1C553A-1723-4842-A3DB-E76BD21F5C6D}" type="datetime1">
               <a:rPr lang="pt-PT" smtClean="0"/>
-              <a:t>30/01/2024</a:t>
+              <a:t>21/05/2024</a:t>
             </a:fld>
             <a:endParaRPr lang="pt-PT" dirty="0"/>
           </a:p>
@@ -4248,7 +4249,7 @@
           <a:p>
             <a:fld id="{CE9B351E-3840-4886-B007-BC84D7C14686}" type="datetime1">
               <a:rPr lang="pt-PT" smtClean="0"/>
-              <a:t>30/01/2024</a:t>
+              <a:t>21/05/2024</a:t>
             </a:fld>
             <a:endParaRPr lang="pt-PT" dirty="0"/>
           </a:p>
@@ -4615,7 +4616,7 @@
           <a:p>
             <a:fld id="{C8686839-F4ED-436E-9AC9-AC7A0A0CD179}" type="datetime1">
               <a:rPr lang="pt-PT" smtClean="0"/>
-              <a:t>30/01/2024</a:t>
+              <a:t>21/05/2024</a:t>
             </a:fld>
             <a:endParaRPr lang="pt-PT" dirty="0"/>
           </a:p>
@@ -4733,7 +4734,7 @@
           <a:p>
             <a:fld id="{2AB82247-1A7C-4F98-8F33-5E4D07EFBF12}" type="datetime1">
               <a:rPr lang="pt-PT" smtClean="0"/>
-              <a:t>30/01/2024</a:t>
+              <a:t>21/05/2024</a:t>
             </a:fld>
             <a:endParaRPr lang="pt-PT" dirty="0"/>
           </a:p>
@@ -4828,7 +4829,7 @@
           <a:p>
             <a:fld id="{AFE320DE-3391-4A27-9653-F2BD505B9A08}" type="datetime1">
               <a:rPr lang="pt-PT" smtClean="0"/>
-              <a:t>30/01/2024</a:t>
+              <a:t>21/05/2024</a:t>
             </a:fld>
             <a:endParaRPr lang="pt-PT" dirty="0"/>
           </a:p>
@@ -5105,7 +5106,7 @@
           <a:p>
             <a:fld id="{E69250C8-88B2-4209-BD56-05813AC521DC}" type="datetime1">
               <a:rPr lang="pt-PT" smtClean="0"/>
-              <a:t>30/01/2024</a:t>
+              <a:t>21/05/2024</a:t>
             </a:fld>
             <a:endParaRPr lang="pt-PT" dirty="0"/>
           </a:p>
@@ -5358,7 +5359,7 @@
           <a:p>
             <a:fld id="{0B847055-2F12-42A4-9432-334276564B1D}" type="datetime1">
               <a:rPr lang="pt-PT" smtClean="0"/>
-              <a:t>30/01/2024</a:t>
+              <a:t>21/05/2024</a:t>
             </a:fld>
             <a:endParaRPr lang="pt-PT" dirty="0"/>
           </a:p>
@@ -5571,7 +5572,7 @@
           <a:p>
             <a:fld id="{B0883CD8-EC5B-4369-8F97-BE1E84F10887}" type="datetime1">
               <a:rPr lang="pt-PT" smtClean="0"/>
-              <a:t>30/01/2024</a:t>
+              <a:t>21/05/2024</a:t>
             </a:fld>
             <a:endParaRPr lang="pt-PT" dirty="0"/>
           </a:p>
@@ -6130,7 +6131,7 @@
           <a:p>
             <a:fld id="{FF4AF87E-A15D-4480-B791-15D75F8AF848}" type="datetimeFigureOut">
               <a:rPr lang="pt-PT" smtClean="0"/>
-              <a:t>30/01/2024</a:t>
+              <a:t>21/05/2024</a:t>
             </a:fld>
             <a:endParaRPr lang="pt-PT"/>
           </a:p>
@@ -6742,10 +6743,10 @@
         </p:nvGrpSpPr>
         <p:grpSpPr>
           <a:xfrm>
-            <a:off x="10086908" y="123804"/>
-            <a:ext cx="808680" cy="283293"/>
+            <a:off x="10086910" y="123804"/>
+            <a:ext cx="1042720" cy="283293"/>
             <a:chOff x="5611636" y="5954426"/>
-            <a:chExt cx="808681" cy="283293"/>
+            <a:chExt cx="1042721" cy="283293"/>
           </a:xfrm>
         </p:grpSpPr>
         <p:pic>
@@ -6799,7 +6800,7 @@
           <p:spPr>
             <a:xfrm>
               <a:off x="6107411" y="5954426"/>
-              <a:ext cx="312906" cy="276999"/>
+              <a:ext cx="546946" cy="276999"/>
             </a:xfrm>
             <a:prstGeom prst="rect">
               <a:avLst/>
@@ -6841,7 +6842,7 @@
                   <a:uFillTx/>
                   <a:hlinkClick r:id="rId3" action="ppaction://hlinkpres?slideindex=1&amp;slidetitle="/>
                 </a:rPr>
-                <a:t>AI</a:t>
+                <a:t>skunk</a:t>
               </a:r>
               <a:endParaRPr kumimoji="0" lang="en-US" sz="1200" b="0" i="0" u="none" strike="noStrike" kern="0" cap="none" spc="0" normalizeH="0" baseline="0" noProof="0" dirty="0">
                 <a:ln>
@@ -6858,110 +6859,136 @@
           </p:txBody>
         </p:sp>
       </p:grpSp>
-      <p:sp>
-        <p:nvSpPr>
-          <p:cNvPr id="9" name="Explosion: 14 Points 8">
+      <p:grpSp>
+        <p:nvGrpSpPr>
+          <p:cNvPr id="3" name="Group 2">
             <a:extLst>
               <a:ext uri="{FF2B5EF4-FFF2-40B4-BE49-F238E27FC236}">
-                <a16:creationId xmlns:a16="http://schemas.microsoft.com/office/drawing/2014/main" id="{409B9FA8-E4F5-41C4-926D-4EA07FAD81DE}"/>
+                <a16:creationId xmlns:a16="http://schemas.microsoft.com/office/drawing/2014/main" id="{32779D1D-5B54-129B-DF8D-8C5A35FC1585}"/>
               </a:ext>
             </a:extLst>
           </p:cNvPr>
-          <p:cNvSpPr/>
+          <p:cNvGrpSpPr/>
           <p:nvPr/>
-        </p:nvSpPr>
-        <p:spPr>
+        </p:nvGrpSpPr>
+        <p:grpSpPr>
           <a:xfrm>
-            <a:off x="3207723" y="1151099"/>
-            <a:ext cx="1618171" cy="1245156"/>
+            <a:off x="10086911" y="400803"/>
+            <a:ext cx="1227065" cy="283293"/>
+            <a:chOff x="5611636" y="5954426"/>
+            <a:chExt cx="1227066" cy="283293"/>
           </a:xfrm>
-          <a:prstGeom prst="irregularSeal2">
-            <a:avLst/>
-          </a:prstGeom>
-          <a:solidFill>
-            <a:sysClr val="windowText" lastClr="000000"/>
-          </a:solidFill>
-          <a:ln w="12700" cap="flat" cmpd="sng" algn="ctr">
-            <a:solidFill>
-              <a:srgbClr val="FF0000"/>
-            </a:solidFill>
-            <a:prstDash val="solid"/>
-            <a:miter lim="800000"/>
-          </a:ln>
-          <a:effectLst>
-            <a:outerShdw blurRad="50800" dist="63500" dir="2700000" algn="tl" rotWithShape="0">
-              <a:sysClr val="window" lastClr="FFFFFF">
-                <a:alpha val="40000"/>
-              </a:sysClr>
-            </a:outerShdw>
-          </a:effectLst>
-        </p:spPr>
-        <p:txBody>
-          <a:bodyPr wrap="none" lIns="0" tIns="0" rIns="0" bIns="0" rtlCol="0" anchor="ctr">
-            <a:spAutoFit/>
-          </a:bodyPr>
-          <a:lstStyle/>
-          <a:p>
-            <a:pPr lvl="0" algn="ctr" defTabSz="914369">
-              <a:defRPr/>
-            </a:pPr>
-            <a:r>
-              <a:rPr lang="en-US" sz="1200" kern="0" dirty="0">
+        </p:grpSpPr>
+        <p:pic>
+          <p:nvPicPr>
+            <p:cNvPr id="8" name="Picture 7" descr="Icon&#10;&#10;Description automatically generated">
+              <a:extLst>
+                <a:ext uri="{FF2B5EF4-FFF2-40B4-BE49-F238E27FC236}">
+                  <a16:creationId xmlns:a16="http://schemas.microsoft.com/office/drawing/2014/main" id="{9882BD5D-207D-1F31-CEF2-6182646511AF}"/>
+                </a:ext>
+              </a:extLst>
+            </p:cNvPr>
+            <p:cNvPicPr>
+              <a:picLocks noChangeAspect="1"/>
+            </p:cNvPicPr>
+            <p:nvPr/>
+          </p:nvPicPr>
+          <p:blipFill>
+            <a:blip r:embed="rId2" cstate="print">
+              <a:extLst>
+                <a:ext uri="{28A0092B-C50C-407E-A947-70E740481C1C}">
+                  <a14:useLocalDpi xmlns:a14="http://schemas.microsoft.com/office/drawing/2010/main" val="0"/>
+                </a:ext>
+              </a:extLst>
+            </a:blip>
+            <a:stretch>
+              <a:fillRect/>
+            </a:stretch>
+          </p:blipFill>
+          <p:spPr>
+            <a:xfrm flipH="1">
+              <a:off x="5611636" y="5973306"/>
+              <a:ext cx="495775" cy="264413"/>
+            </a:xfrm>
+            <a:prstGeom prst="rect">
+              <a:avLst/>
+            </a:prstGeom>
+          </p:spPr>
+        </p:pic>
+        <p:sp>
+          <p:nvSpPr>
+            <p:cNvPr id="9" name="Retângulo 5">
+              <a:extLst>
+                <a:ext uri="{FF2B5EF4-FFF2-40B4-BE49-F238E27FC236}">
+                  <a16:creationId xmlns:a16="http://schemas.microsoft.com/office/drawing/2014/main" id="{CF1D328A-69DA-9439-6463-DD88B9984AD8}"/>
+                </a:ext>
+              </a:extLst>
+            </p:cNvPr>
+            <p:cNvSpPr/>
+            <p:nvPr/>
+          </p:nvSpPr>
+          <p:spPr>
+            <a:xfrm>
+              <a:off x="6107411" y="5954426"/>
+              <a:ext cx="731291" cy="276999"/>
+            </a:xfrm>
+            <a:prstGeom prst="rect">
+              <a:avLst/>
+            </a:prstGeom>
+          </p:spPr>
+          <p:txBody>
+            <a:bodyPr wrap="none">
+              <a:spAutoFit/>
+            </a:bodyPr>
+            <a:lstStyle/>
+            <a:p>
+              <a:pPr marL="0" marR="0" lvl="0" indent="0" defTabSz="914369" eaLnBrk="1" fontAlgn="auto" latinLnBrk="0" hangingPunct="1">
+                <a:lnSpc>
+                  <a:spcPct val="100000"/>
+                </a:lnSpc>
+                <a:spcBef>
+                  <a:spcPts val="0"/>
+                </a:spcBef>
+                <a:spcAft>
+                  <a:spcPts val="0"/>
+                </a:spcAft>
+                <a:buClrTx/>
+                <a:buSzTx/>
+                <a:buFontTx/>
+                <a:buNone/>
+                <a:tabLst/>
+                <a:defRPr/>
+              </a:pPr>
+              <a:r>
+                <a:rPr kumimoji="0" lang="en-US" sz="1200" b="0" i="0" u="none" strike="noStrike" kern="0" cap="none" spc="0" normalizeH="0" baseline="0" noProof="0" dirty="0">
+                  <a:ln>
+                    <a:noFill/>
+                  </a:ln>
+                  <a:solidFill>
+                    <a:prstClr val="black"/>
+                  </a:solidFill>
+                  <a:effectLst/>
+                  <a:uLnTx/>
+                  <a:uFillTx/>
+                  <a:hlinkClick r:id="rId4" action="ppaction://hlinkpres?slideindex=1&amp;slidetitle="/>
+                </a:rPr>
+                <a:t>portfolio</a:t>
+              </a:r>
+              <a:endParaRPr kumimoji="0" lang="en-US" sz="1200" b="0" i="0" u="none" strike="noStrike" kern="0" cap="none" spc="0" normalizeH="0" baseline="0" noProof="0" dirty="0">
+                <a:ln>
+                  <a:noFill/>
+                </a:ln>
                 <a:solidFill>
-                  <a:srgbClr val="FF0000"/>
+                  <a:prstClr val="black"/>
                 </a:solidFill>
-              </a:rPr>
-              <a:t>wait </a:t>
-            </a:r>
-          </a:p>
-          <a:p>
-            <a:pPr lvl="0" algn="ctr" defTabSz="914369">
-              <a:defRPr/>
-            </a:pPr>
-            <a:r>
-              <a:rPr lang="en-US" sz="1200" kern="0">
-                <a:solidFill>
-                  <a:srgbClr val="FF0000"/>
-                </a:solidFill>
-              </a:rPr>
-              <a:t>for </a:t>
-            </a:r>
-          </a:p>
-          <a:p>
-            <a:pPr lvl="0" algn="ctr" defTabSz="914369">
-              <a:defRPr/>
-            </a:pPr>
-            <a:r>
-              <a:rPr lang="en-US" sz="1200" kern="0">
-                <a:solidFill>
-                  <a:srgbClr val="FF0000"/>
-                </a:solidFill>
-              </a:rPr>
-              <a:t>the </a:t>
-            </a:r>
-            <a:r>
-              <a:rPr lang="en-US" sz="1200" kern="0" dirty="0">
-                <a:solidFill>
-                  <a:srgbClr val="FF0000"/>
-                </a:solidFill>
-              </a:rPr>
-              <a:t>answer</a:t>
-            </a:r>
-            <a:endParaRPr kumimoji="0" lang="en-US" sz="1200" b="0" i="0" u="none" strike="noStrike" kern="0" cap="none" spc="0" normalizeH="0" baseline="0" noProof="0" dirty="0">
-              <a:ln>
-                <a:noFill/>
-              </a:ln>
-              <a:solidFill>
-                <a:srgbClr val="FF0000"/>
-              </a:solidFill>
-              <a:effectLst/>
-              <a:uLnTx/>
-              <a:uFillTx/>
-              <a:latin typeface="Calibri" panose="020F0502020204030204"/>
-            </a:endParaRPr>
-          </a:p>
-        </p:txBody>
-      </p:sp>
+                <a:effectLst/>
+                <a:uLnTx/>
+                <a:uFillTx/>
+              </a:endParaRPr>
+            </a:p>
+          </p:txBody>
+        </p:sp>
+      </p:grpSp>
     </p:spTree>
     <p:extLst>
       <p:ext uri="{BB962C8B-B14F-4D97-AF65-F5344CB8AC3E}">
@@ -7019,7 +7046,7 @@
         <p:spPr>
           <a:xfrm>
             <a:off x="145062" y="123804"/>
-            <a:ext cx="987193" cy="369332"/>
+            <a:ext cx="1117037" cy="369332"/>
           </a:xfrm>
           <a:gradFill>
             <a:gsLst>
@@ -7072,7 +7099,7 @@
                 </a:solidFill>
                 <a:sym typeface="Wingdings" panose="05000000000000000000" pitchFamily="2" charset="2"/>
               </a:rPr>
-              <a:t>2. index</a:t>
+              <a:t>1.1 index</a:t>
             </a:r>
             <a:endParaRPr lang="en-US" sz="2000" dirty="0">
               <a:solidFill>
@@ -7314,7 +7341,7 @@
         </p:nvGrpSpPr>
         <p:grpSpPr>
           <a:xfrm>
-            <a:off x="187509" y="1139294"/>
+            <a:off x="187509" y="1747101"/>
             <a:ext cx="1244698" cy="283293"/>
             <a:chOff x="5611636" y="5954426"/>
             <a:chExt cx="1244699" cy="283293"/>
@@ -7444,7 +7471,7 @@
         </p:nvGrpSpPr>
         <p:grpSpPr>
           <a:xfrm>
-            <a:off x="187509" y="1563911"/>
+            <a:off x="187509" y="2263313"/>
             <a:ext cx="789444" cy="283293"/>
             <a:chOff x="5611636" y="5954426"/>
             <a:chExt cx="789445" cy="283293"/>
@@ -7574,7 +7601,7 @@
         </p:nvGrpSpPr>
         <p:grpSpPr>
           <a:xfrm>
-            <a:off x="187509" y="1988527"/>
+            <a:off x="187509" y="2779525"/>
             <a:ext cx="876006" cy="283293"/>
             <a:chOff x="5611636" y="5954426"/>
             <a:chExt cx="876007" cy="283293"/>
@@ -7690,6 +7717,526 @@
           </p:txBody>
         </p:sp>
       </p:grpSp>
+      <p:grpSp>
+        <p:nvGrpSpPr>
+          <p:cNvPr id="34" name="Group 33">
+            <a:extLst>
+              <a:ext uri="{FF2B5EF4-FFF2-40B4-BE49-F238E27FC236}">
+                <a16:creationId xmlns:a16="http://schemas.microsoft.com/office/drawing/2014/main" id="{70CA0C0B-74DE-402F-8520-96B524B5D723}"/>
+              </a:ext>
+            </a:extLst>
+          </p:cNvPr>
+          <p:cNvGrpSpPr/>
+          <p:nvPr/>
+        </p:nvGrpSpPr>
+        <p:grpSpPr>
+          <a:xfrm>
+            <a:off x="187509" y="1230889"/>
+            <a:ext cx="1308818" cy="283293"/>
+            <a:chOff x="5611636" y="5954426"/>
+            <a:chExt cx="1308819" cy="283293"/>
+          </a:xfrm>
+        </p:grpSpPr>
+        <p:pic>
+          <p:nvPicPr>
+            <p:cNvPr id="35" name="Picture 34" descr="Icon&#10;&#10;Description automatically generated">
+              <a:extLst>
+                <a:ext uri="{FF2B5EF4-FFF2-40B4-BE49-F238E27FC236}">
+                  <a16:creationId xmlns:a16="http://schemas.microsoft.com/office/drawing/2014/main" id="{34C21E23-F5AF-4EA5-9271-913478ABD2FE}"/>
+                </a:ext>
+              </a:extLst>
+            </p:cNvPr>
+            <p:cNvPicPr>
+              <a:picLocks noChangeAspect="1"/>
+            </p:cNvPicPr>
+            <p:nvPr/>
+          </p:nvPicPr>
+          <p:blipFill>
+            <a:blip r:embed="rId2" cstate="print">
+              <a:extLst>
+                <a:ext uri="{28A0092B-C50C-407E-A947-70E740481C1C}">
+                  <a14:useLocalDpi xmlns:a14="http://schemas.microsoft.com/office/drawing/2010/main" val="0"/>
+                </a:ext>
+              </a:extLst>
+            </a:blip>
+            <a:stretch>
+              <a:fillRect/>
+            </a:stretch>
+          </p:blipFill>
+          <p:spPr>
+            <a:xfrm flipH="1">
+              <a:off x="5611636" y="5973306"/>
+              <a:ext cx="495775" cy="264413"/>
+            </a:xfrm>
+            <a:prstGeom prst="rect">
+              <a:avLst/>
+            </a:prstGeom>
+          </p:spPr>
+        </p:pic>
+        <p:sp>
+          <p:nvSpPr>
+            <p:cNvPr id="36" name="Retângulo 5">
+              <a:extLst>
+                <a:ext uri="{FF2B5EF4-FFF2-40B4-BE49-F238E27FC236}">
+                  <a16:creationId xmlns:a16="http://schemas.microsoft.com/office/drawing/2014/main" id="{357A55F0-AB15-4941-A5FA-E21706FD60EF}"/>
+                </a:ext>
+              </a:extLst>
+            </p:cNvPr>
+            <p:cNvSpPr/>
+            <p:nvPr/>
+          </p:nvSpPr>
+          <p:spPr>
+            <a:xfrm>
+              <a:off x="6107411" y="5954426"/>
+              <a:ext cx="813044" cy="276999"/>
+            </a:xfrm>
+            <a:prstGeom prst="rect">
+              <a:avLst/>
+            </a:prstGeom>
+          </p:spPr>
+          <p:txBody>
+            <a:bodyPr wrap="none">
+              <a:spAutoFit/>
+            </a:bodyPr>
+            <a:lstStyle/>
+            <a:p>
+              <a:pPr marL="0" marR="0" lvl="0" indent="0" defTabSz="914369" eaLnBrk="1" fontAlgn="auto" latinLnBrk="0" hangingPunct="1">
+                <a:lnSpc>
+                  <a:spcPct val="100000"/>
+                </a:lnSpc>
+                <a:spcBef>
+                  <a:spcPts val="0"/>
+                </a:spcBef>
+                <a:spcAft>
+                  <a:spcPts val="0"/>
+                </a:spcAft>
+                <a:buClrTx/>
+                <a:buSzTx/>
+                <a:buFontTx/>
+                <a:buNone/>
+                <a:tabLst/>
+                <a:defRPr/>
+              </a:pPr>
+              <a:r>
+                <a:rPr kumimoji="0" lang="en-US" sz="1200" b="0" i="0" u="none" strike="noStrike" kern="0" cap="none" spc="0" normalizeH="0" baseline="0" noProof="0" dirty="0">
+                  <a:ln>
+                    <a:noFill/>
+                  </a:ln>
+                  <a:solidFill>
+                    <a:prstClr val="black"/>
+                  </a:solidFill>
+                  <a:effectLst/>
+                  <a:uLnTx/>
+                  <a:uFillTx/>
+                  <a:hlinkClick r:id="rId7" action="ppaction://hlinkpres?slideindex=1&amp;slidetitle="/>
+                </a:rPr>
+                <a:t>command</a:t>
+              </a:r>
+              <a:endParaRPr kumimoji="0" lang="en-US" sz="1200" b="0" i="0" u="none" strike="noStrike" kern="0" cap="none" spc="0" normalizeH="0" baseline="0" noProof="0" dirty="0">
+                <a:ln>
+                  <a:noFill/>
+                </a:ln>
+                <a:solidFill>
+                  <a:prstClr val="black"/>
+                </a:solidFill>
+                <a:effectLst/>
+                <a:uLnTx/>
+                <a:uFillTx/>
+              </a:endParaRPr>
+            </a:p>
+          </p:txBody>
+        </p:sp>
+      </p:grpSp>
+      <p:grpSp>
+        <p:nvGrpSpPr>
+          <p:cNvPr id="3" name="Group 2">
+            <a:extLst>
+              <a:ext uri="{FF2B5EF4-FFF2-40B4-BE49-F238E27FC236}">
+                <a16:creationId xmlns:a16="http://schemas.microsoft.com/office/drawing/2014/main" id="{0CBAECFC-0495-A257-5E0D-4CD4CD0C5198}"/>
+              </a:ext>
+            </a:extLst>
+          </p:cNvPr>
+          <p:cNvGrpSpPr/>
+          <p:nvPr/>
+        </p:nvGrpSpPr>
+        <p:grpSpPr>
+          <a:xfrm>
+            <a:off x="187509" y="3295737"/>
+            <a:ext cx="1701553" cy="283293"/>
+            <a:chOff x="5611636" y="5954426"/>
+            <a:chExt cx="1701555" cy="283293"/>
+          </a:xfrm>
+        </p:grpSpPr>
+        <p:pic>
+          <p:nvPicPr>
+            <p:cNvPr id="4" name="Picture 3" descr="Icon&#10;&#10;Description automatically generated">
+              <a:extLst>
+                <a:ext uri="{FF2B5EF4-FFF2-40B4-BE49-F238E27FC236}">
+                  <a16:creationId xmlns:a16="http://schemas.microsoft.com/office/drawing/2014/main" id="{65BA6007-B467-672E-51B0-9513EDDE8F9F}"/>
+                </a:ext>
+              </a:extLst>
+            </p:cNvPr>
+            <p:cNvPicPr>
+              <a:picLocks noChangeAspect="1"/>
+            </p:cNvPicPr>
+            <p:nvPr/>
+          </p:nvPicPr>
+          <p:blipFill>
+            <a:blip r:embed="rId2" cstate="print">
+              <a:extLst>
+                <a:ext uri="{28A0092B-C50C-407E-A947-70E740481C1C}">
+                  <a14:useLocalDpi xmlns:a14="http://schemas.microsoft.com/office/drawing/2010/main" val="0"/>
+                </a:ext>
+              </a:extLst>
+            </a:blip>
+            <a:stretch>
+              <a:fillRect/>
+            </a:stretch>
+          </p:blipFill>
+          <p:spPr>
+            <a:xfrm flipH="1">
+              <a:off x="5611636" y="5973306"/>
+              <a:ext cx="495775" cy="264413"/>
+            </a:xfrm>
+            <a:prstGeom prst="rect">
+              <a:avLst/>
+            </a:prstGeom>
+          </p:spPr>
+        </p:pic>
+        <p:sp>
+          <p:nvSpPr>
+            <p:cNvPr id="6" name="Retângulo 5">
+              <a:extLst>
+                <a:ext uri="{FF2B5EF4-FFF2-40B4-BE49-F238E27FC236}">
+                  <a16:creationId xmlns:a16="http://schemas.microsoft.com/office/drawing/2014/main" id="{A1485348-018E-46E9-6A9F-5F9E7F6D63AB}"/>
+                </a:ext>
+              </a:extLst>
+            </p:cNvPr>
+            <p:cNvSpPr/>
+            <p:nvPr/>
+          </p:nvSpPr>
+          <p:spPr>
+            <a:xfrm>
+              <a:off x="6107411" y="5954426"/>
+              <a:ext cx="1205780" cy="276999"/>
+            </a:xfrm>
+            <a:prstGeom prst="rect">
+              <a:avLst/>
+            </a:prstGeom>
+          </p:spPr>
+          <p:txBody>
+            <a:bodyPr wrap="none">
+              <a:spAutoFit/>
+            </a:bodyPr>
+            <a:lstStyle/>
+            <a:p>
+              <a:pPr marL="0" marR="0" lvl="0" indent="0" defTabSz="914369" eaLnBrk="1" fontAlgn="auto" latinLnBrk="0" hangingPunct="1">
+                <a:lnSpc>
+                  <a:spcPct val="100000"/>
+                </a:lnSpc>
+                <a:spcBef>
+                  <a:spcPts val="0"/>
+                </a:spcBef>
+                <a:spcAft>
+                  <a:spcPts val="0"/>
+                </a:spcAft>
+                <a:buClrTx/>
+                <a:buSzTx/>
+                <a:buFontTx/>
+                <a:buNone/>
+                <a:tabLst/>
+                <a:defRPr/>
+              </a:pPr>
+              <a:r>
+                <a:rPr kumimoji="0" lang="en-US" sz="1200" b="0" i="0" u="none" strike="noStrike" kern="0" cap="none" spc="0" normalizeH="0" baseline="0" noProof="0" dirty="0">
+                  <a:ln>
+                    <a:noFill/>
+                  </a:ln>
+                  <a:solidFill>
+                    <a:prstClr val="black"/>
+                  </a:solidFill>
+                  <a:effectLst/>
+                  <a:uLnTx/>
+                  <a:uFillTx/>
+                  <a:hlinkClick r:id="rId8" action="ppaction://hlinkpres?slideindex=1&amp;slidetitle="/>
+                </a:rPr>
+                <a:t>code generation</a:t>
+              </a:r>
+              <a:endParaRPr kumimoji="0" lang="en-US" sz="1200" b="0" i="0" u="none" strike="noStrike" kern="0" cap="none" spc="0" normalizeH="0" baseline="0" noProof="0" dirty="0">
+                <a:ln>
+                  <a:noFill/>
+                </a:ln>
+                <a:solidFill>
+                  <a:prstClr val="black"/>
+                </a:solidFill>
+                <a:effectLst/>
+                <a:uLnTx/>
+                <a:uFillTx/>
+              </a:endParaRPr>
+            </a:p>
+          </p:txBody>
+        </p:sp>
+      </p:grpSp>
+      <p:grpSp>
+        <p:nvGrpSpPr>
+          <p:cNvPr id="7" name="Group 6">
+            <a:extLst>
+              <a:ext uri="{FF2B5EF4-FFF2-40B4-BE49-F238E27FC236}">
+                <a16:creationId xmlns:a16="http://schemas.microsoft.com/office/drawing/2014/main" id="{885FA155-162A-C065-9281-3990781FFE83}"/>
+              </a:ext>
+            </a:extLst>
+          </p:cNvPr>
+          <p:cNvGrpSpPr/>
+          <p:nvPr/>
+        </p:nvGrpSpPr>
+        <p:grpSpPr>
+          <a:xfrm>
+            <a:off x="187509" y="3811949"/>
+            <a:ext cx="1810559" cy="283293"/>
+            <a:chOff x="5611636" y="5954426"/>
+            <a:chExt cx="1810561" cy="283293"/>
+          </a:xfrm>
+        </p:grpSpPr>
+        <p:pic>
+          <p:nvPicPr>
+            <p:cNvPr id="20" name="Picture 19" descr="Icon&#10;&#10;Description automatically generated">
+              <a:extLst>
+                <a:ext uri="{FF2B5EF4-FFF2-40B4-BE49-F238E27FC236}">
+                  <a16:creationId xmlns:a16="http://schemas.microsoft.com/office/drawing/2014/main" id="{2BB961AC-5978-BC4F-B84B-01E09811A954}"/>
+                </a:ext>
+              </a:extLst>
+            </p:cNvPr>
+            <p:cNvPicPr>
+              <a:picLocks noChangeAspect="1"/>
+            </p:cNvPicPr>
+            <p:nvPr/>
+          </p:nvPicPr>
+          <p:blipFill>
+            <a:blip r:embed="rId2" cstate="print">
+              <a:extLst>
+                <a:ext uri="{28A0092B-C50C-407E-A947-70E740481C1C}">
+                  <a14:useLocalDpi xmlns:a14="http://schemas.microsoft.com/office/drawing/2010/main" val="0"/>
+                </a:ext>
+              </a:extLst>
+            </a:blip>
+            <a:stretch>
+              <a:fillRect/>
+            </a:stretch>
+          </p:blipFill>
+          <p:spPr>
+            <a:xfrm flipH="1">
+              <a:off x="5611636" y="5973306"/>
+              <a:ext cx="495775" cy="264413"/>
+            </a:xfrm>
+            <a:prstGeom prst="rect">
+              <a:avLst/>
+            </a:prstGeom>
+          </p:spPr>
+        </p:pic>
+        <p:sp>
+          <p:nvSpPr>
+            <p:cNvPr id="21" name="Retângulo 5">
+              <a:extLst>
+                <a:ext uri="{FF2B5EF4-FFF2-40B4-BE49-F238E27FC236}">
+                  <a16:creationId xmlns:a16="http://schemas.microsoft.com/office/drawing/2014/main" id="{A178EDA7-16B5-6C6A-10C1-8FA2427EC02A}"/>
+                </a:ext>
+              </a:extLst>
+            </p:cNvPr>
+            <p:cNvSpPr/>
+            <p:nvPr/>
+          </p:nvSpPr>
+          <p:spPr>
+            <a:xfrm>
+              <a:off x="6107411" y="5954426"/>
+              <a:ext cx="1314786" cy="276999"/>
+            </a:xfrm>
+            <a:prstGeom prst="rect">
+              <a:avLst/>
+            </a:prstGeom>
+          </p:spPr>
+          <p:txBody>
+            <a:bodyPr wrap="none">
+              <a:spAutoFit/>
+            </a:bodyPr>
+            <a:lstStyle/>
+            <a:p>
+              <a:pPr marL="0" marR="0" lvl="0" indent="0" defTabSz="914369" eaLnBrk="1" fontAlgn="auto" latinLnBrk="0" hangingPunct="1">
+                <a:lnSpc>
+                  <a:spcPct val="100000"/>
+                </a:lnSpc>
+                <a:spcBef>
+                  <a:spcPts val="0"/>
+                </a:spcBef>
+                <a:spcAft>
+                  <a:spcPts val="0"/>
+                </a:spcAft>
+                <a:buClrTx/>
+                <a:buSzTx/>
+                <a:buFontTx/>
+                <a:buNone/>
+                <a:tabLst/>
+                <a:defRPr/>
+              </a:pPr>
+              <a:r>
+                <a:rPr kumimoji="0" lang="en-US" sz="1200" b="0" i="0" u="none" strike="noStrike" kern="0" cap="none" spc="0" normalizeH="0" baseline="0" noProof="0" dirty="0">
+                  <a:ln>
+                    <a:noFill/>
+                  </a:ln>
+                  <a:solidFill>
+                    <a:prstClr val="black"/>
+                  </a:solidFill>
+                  <a:effectLst/>
+                  <a:uLnTx/>
+                  <a:uFillTx/>
+                  <a:hlinkClick r:id="rId9" action="ppaction://hlinkpres?slideindex=1&amp;slidetitle="/>
+                </a:rPr>
+                <a:t>clean architecture</a:t>
+              </a:r>
+              <a:endParaRPr kumimoji="0" lang="en-US" sz="1200" b="0" i="0" u="none" strike="noStrike" kern="0" cap="none" spc="0" normalizeH="0" baseline="0" noProof="0" dirty="0">
+                <a:ln>
+                  <a:noFill/>
+                </a:ln>
+                <a:solidFill>
+                  <a:prstClr val="black"/>
+                </a:solidFill>
+                <a:effectLst/>
+                <a:uLnTx/>
+                <a:uFillTx/>
+              </a:endParaRPr>
+            </a:p>
+          </p:txBody>
+        </p:sp>
+      </p:grpSp>
+      <p:grpSp>
+        <p:nvGrpSpPr>
+          <p:cNvPr id="22" name="Group 21">
+            <a:extLst>
+              <a:ext uri="{FF2B5EF4-FFF2-40B4-BE49-F238E27FC236}">
+                <a16:creationId xmlns:a16="http://schemas.microsoft.com/office/drawing/2014/main" id="{1E684911-0F6B-FE74-0108-C69CF8024BF4}"/>
+              </a:ext>
+            </a:extLst>
+          </p:cNvPr>
+          <p:cNvGrpSpPr/>
+          <p:nvPr/>
+        </p:nvGrpSpPr>
+        <p:grpSpPr>
+          <a:xfrm>
+            <a:off x="187509" y="4328158"/>
+            <a:ext cx="1201417" cy="283293"/>
+            <a:chOff x="5611636" y="5954426"/>
+            <a:chExt cx="1201418" cy="283293"/>
+          </a:xfrm>
+        </p:grpSpPr>
+        <p:pic>
+          <p:nvPicPr>
+            <p:cNvPr id="23" name="Picture 22" descr="Icon&#10;&#10;Description automatically generated">
+              <a:extLst>
+                <a:ext uri="{FF2B5EF4-FFF2-40B4-BE49-F238E27FC236}">
+                  <a16:creationId xmlns:a16="http://schemas.microsoft.com/office/drawing/2014/main" id="{8CB0A26C-968C-FBEC-BC24-CCF301D398A9}"/>
+                </a:ext>
+              </a:extLst>
+            </p:cNvPr>
+            <p:cNvPicPr>
+              <a:picLocks noChangeAspect="1"/>
+            </p:cNvPicPr>
+            <p:nvPr/>
+          </p:nvPicPr>
+          <p:blipFill>
+            <a:blip r:embed="rId2" cstate="print">
+              <a:extLst>
+                <a:ext uri="{28A0092B-C50C-407E-A947-70E740481C1C}">
+                  <a14:useLocalDpi xmlns:a14="http://schemas.microsoft.com/office/drawing/2010/main" val="0"/>
+                </a:ext>
+              </a:extLst>
+            </a:blip>
+            <a:stretch>
+              <a:fillRect/>
+            </a:stretch>
+          </p:blipFill>
+          <p:spPr>
+            <a:xfrm flipH="1">
+              <a:off x="5611636" y="5973306"/>
+              <a:ext cx="495775" cy="264413"/>
+            </a:xfrm>
+            <a:prstGeom prst="rect">
+              <a:avLst/>
+            </a:prstGeom>
+          </p:spPr>
+        </p:pic>
+        <p:sp>
+          <p:nvSpPr>
+            <p:cNvPr id="24" name="Retângulo 5">
+              <a:extLst>
+                <a:ext uri="{FF2B5EF4-FFF2-40B4-BE49-F238E27FC236}">
+                  <a16:creationId xmlns:a16="http://schemas.microsoft.com/office/drawing/2014/main" id="{51AF4221-8259-36D0-860B-AFA1F9F23D6C}"/>
+                </a:ext>
+              </a:extLst>
+            </p:cNvPr>
+            <p:cNvSpPr/>
+            <p:nvPr/>
+          </p:nvSpPr>
+          <p:spPr>
+            <a:xfrm>
+              <a:off x="6107411" y="5954426"/>
+              <a:ext cx="705643" cy="276999"/>
+            </a:xfrm>
+            <a:prstGeom prst="rect">
+              <a:avLst/>
+            </a:prstGeom>
+          </p:spPr>
+          <p:txBody>
+            <a:bodyPr wrap="none">
+              <a:spAutoFit/>
+            </a:bodyPr>
+            <a:lstStyle/>
+            <a:p>
+              <a:pPr marL="0" marR="0" lvl="0" indent="0" defTabSz="914369" eaLnBrk="1" fontAlgn="auto" latinLnBrk="0" hangingPunct="1">
+                <a:lnSpc>
+                  <a:spcPct val="100000"/>
+                </a:lnSpc>
+                <a:spcBef>
+                  <a:spcPts val="0"/>
+                </a:spcBef>
+                <a:spcAft>
+                  <a:spcPts val="0"/>
+                </a:spcAft>
+                <a:buClrTx/>
+                <a:buSzTx/>
+                <a:buFontTx/>
+                <a:buNone/>
+                <a:tabLst/>
+                <a:defRPr/>
+              </a:pPr>
+              <a:r>
+                <a:rPr kumimoji="0" lang="en-US" sz="1200" b="0" i="0" u="none" strike="noStrike" kern="0" cap="none" spc="0" normalizeH="0" baseline="0" noProof="0" dirty="0">
+                  <a:ln>
+                    <a:noFill/>
+                  </a:ln>
+                  <a:solidFill>
+                    <a:prstClr val="black"/>
+                  </a:solidFill>
+                  <a:effectLst/>
+                  <a:uLnTx/>
+                  <a:uFillTx/>
+                  <a:hlinkClick r:id="rId10" action="ppaction://hlinkpres?slideindex=1&amp;slidetitle="/>
+                </a:rPr>
+                <a:t>blocking</a:t>
+              </a:r>
+              <a:endParaRPr kumimoji="0" lang="en-US" sz="1200" b="0" i="0" u="none" strike="noStrike" kern="0" cap="none" spc="0" normalizeH="0" baseline="0" noProof="0" dirty="0">
+                <a:ln>
+                  <a:noFill/>
+                </a:ln>
+                <a:solidFill>
+                  <a:prstClr val="black"/>
+                </a:solidFill>
+                <a:effectLst/>
+                <a:uLnTx/>
+                <a:uFillTx/>
+              </a:endParaRPr>
+            </a:p>
+          </p:txBody>
+        </p:sp>
+      </p:grpSp>
     </p:spTree>
     <p:extLst>
       <p:ext uri="{BB962C8B-B14F-4D97-AF65-F5344CB8AC3E}">
@@ -7704,6 +8251,700 @@
 </file>
 
 <file path=ppt/slides/slide3.xml><?xml version="1.0" encoding="utf-8"?>
+<p:sld xmlns:a="http://schemas.openxmlformats.org/drawingml/2006/main" xmlns:r="http://schemas.openxmlformats.org/officeDocument/2006/relationships" xmlns:p="http://schemas.openxmlformats.org/presentationml/2006/main">
+  <p:cSld>
+    <p:bg>
+      <p:bgPr>
+        <a:solidFill>
+          <a:schemeClr val="tx1"/>
+        </a:solidFill>
+        <a:effectLst/>
+      </p:bgPr>
+    </p:bg>
+    <p:spTree>
+      <p:nvGrpSpPr>
+        <p:cNvPr id="1" name="">
+          <a:extLst>
+            <a:ext uri="{FF2B5EF4-FFF2-40B4-BE49-F238E27FC236}">
+              <a16:creationId xmlns:a16="http://schemas.microsoft.com/office/drawing/2014/main" id="{7F241D5C-8DF3-7100-E3FF-419D2C4A5807}"/>
+            </a:ext>
+          </a:extLst>
+        </p:cNvPr>
+        <p:cNvGrpSpPr/>
+        <p:nvPr/>
+      </p:nvGrpSpPr>
+      <p:grpSpPr>
+        <a:xfrm>
+          <a:off x="0" y="0"/>
+          <a:ext cx="0" cy="0"/>
+          <a:chOff x="0" y="0"/>
+          <a:chExt cx="0" cy="0"/>
+        </a:xfrm>
+      </p:grpSpPr>
+      <p:sp>
+        <p:nvSpPr>
+          <p:cNvPr id="2" name="Title 1">
+            <a:extLst>
+              <a:ext uri="{FF2B5EF4-FFF2-40B4-BE49-F238E27FC236}">
+                <a16:creationId xmlns:a16="http://schemas.microsoft.com/office/drawing/2014/main" id="{4BFB1966-CC23-AA42-0644-A42785B8D473}"/>
+              </a:ext>
+            </a:extLst>
+          </p:cNvPr>
+          <p:cNvSpPr>
+            <a:spLocks noGrp="1"/>
+          </p:cNvSpPr>
+          <p:nvPr>
+            <p:ph type="ctrTitle"/>
+          </p:nvPr>
+        </p:nvSpPr>
+        <p:spPr>
+          <a:xfrm>
+            <a:off x="145062" y="123804"/>
+            <a:ext cx="1560492" cy="369332"/>
+          </a:xfrm>
+          <a:gradFill>
+            <a:gsLst>
+              <a:gs pos="0">
+                <a:schemeClr val="accent1">
+                  <a:lumMod val="5000"/>
+                  <a:lumOff val="95000"/>
+                </a:schemeClr>
+              </a:gs>
+              <a:gs pos="74000">
+                <a:schemeClr val="accent1">
+                  <a:lumMod val="45000"/>
+                  <a:lumOff val="55000"/>
+                </a:schemeClr>
+              </a:gs>
+              <a:gs pos="83000">
+                <a:schemeClr val="accent1">
+                  <a:lumMod val="45000"/>
+                  <a:lumOff val="55000"/>
+                </a:schemeClr>
+              </a:gs>
+              <a:gs pos="100000">
+                <a:schemeClr val="accent1">
+                  <a:lumMod val="30000"/>
+                  <a:lumOff val="70000"/>
+                </a:schemeClr>
+              </a:gs>
+            </a:gsLst>
+            <a:lin ang="5400000" scaled="1"/>
+          </a:gradFill>
+          <a:ln w="25400">
+            <a:solidFill>
+              <a:schemeClr val="accent1"/>
+            </a:solidFill>
+          </a:ln>
+        </p:spPr>
+        <p:txBody>
+          <a:bodyPr vert="horz" wrap="none" lIns="91440" tIns="45720" rIns="91440" bIns="45720" rtlCol="0" anchor="t">
+            <a:spAutoFit/>
+          </a:bodyPr>
+          <a:lstStyle/>
+          <a:p>
+            <a:pPr algn="l"/>
+            <a:r>
+              <a:rPr lang="en-US" sz="2000" dirty="0">
+                <a:solidFill>
+                  <a:schemeClr val="bg2">
+                    <a:lumMod val="25000"/>
+                  </a:schemeClr>
+                </a:solidFill>
+                <a:sym typeface="Wingdings" panose="05000000000000000000" pitchFamily="2" charset="2"/>
+              </a:rPr>
+              <a:t>1.2 resources</a:t>
+            </a:r>
+            <a:endParaRPr lang="en-US" sz="2000" dirty="0">
+              <a:solidFill>
+                <a:schemeClr val="bg2">
+                  <a:lumMod val="25000"/>
+                </a:schemeClr>
+              </a:solidFill>
+            </a:endParaRPr>
+          </a:p>
+        </p:txBody>
+      </p:sp>
+      <p:sp>
+        <p:nvSpPr>
+          <p:cNvPr id="5" name="Rectangle 4">
+            <a:extLst>
+              <a:ext uri="{FF2B5EF4-FFF2-40B4-BE49-F238E27FC236}">
+                <a16:creationId xmlns:a16="http://schemas.microsoft.com/office/drawing/2014/main" id="{E13F2E45-2621-F807-C969-808E4CC8C4DB}"/>
+              </a:ext>
+            </a:extLst>
+          </p:cNvPr>
+          <p:cNvSpPr/>
+          <p:nvPr/>
+        </p:nvSpPr>
+        <p:spPr>
+          <a:xfrm>
+            <a:off x="145062" y="633528"/>
+            <a:ext cx="207692" cy="6048000"/>
+          </a:xfrm>
+          <a:prstGeom prst="rect">
+            <a:avLst/>
+          </a:prstGeom>
+          <a:solidFill>
+            <a:schemeClr val="tx1"/>
+          </a:solidFill>
+          <a:ln w="25400"/>
+          <a:effectLst>
+            <a:outerShdw blurRad="50800" dist="63500" dir="2700000" algn="tl" rotWithShape="0">
+              <a:schemeClr val="bg1">
+                <a:alpha val="40000"/>
+              </a:schemeClr>
+            </a:outerShdw>
+          </a:effectLst>
+        </p:spPr>
+        <p:style>
+          <a:lnRef idx="2">
+            <a:schemeClr val="accent1">
+              <a:shade val="50000"/>
+            </a:schemeClr>
+          </a:lnRef>
+          <a:fillRef idx="1">
+            <a:schemeClr val="accent1"/>
+          </a:fillRef>
+          <a:effectRef idx="0">
+            <a:schemeClr val="accent1"/>
+          </a:effectRef>
+          <a:fontRef idx="minor">
+            <a:schemeClr val="lt1"/>
+          </a:fontRef>
+        </p:style>
+        <p:txBody>
+          <a:bodyPr rtlCol="0" anchor="ctr"/>
+          <a:lstStyle/>
+          <a:p>
+            <a:pPr marL="0" marR="0" lvl="0" indent="0" algn="ctr" defTabSz="914400" rtl="0" eaLnBrk="1" fontAlgn="auto" latinLnBrk="0" hangingPunct="1">
+              <a:lnSpc>
+                <a:spcPct val="100000"/>
+              </a:lnSpc>
+              <a:spcBef>
+                <a:spcPts val="0"/>
+              </a:spcBef>
+              <a:spcAft>
+                <a:spcPts val="0"/>
+              </a:spcAft>
+              <a:buClrTx/>
+              <a:buSzTx/>
+              <a:buFontTx/>
+              <a:buNone/>
+              <a:tabLst/>
+              <a:defRPr/>
+            </a:pPr>
+            <a:endParaRPr kumimoji="0" lang="pt-PT" sz="1800" b="0" i="0" u="none" strike="noStrike" kern="1200" cap="none" spc="0" normalizeH="0" baseline="0" noProof="0">
+              <a:ln>
+                <a:noFill/>
+              </a:ln>
+              <a:solidFill>
+                <a:prstClr val="white"/>
+              </a:solidFill>
+              <a:effectLst/>
+              <a:uLnTx/>
+              <a:uFillTx/>
+              <a:latin typeface="Calibri" panose="020F0502020204030204"/>
+              <a:ea typeface="+mn-ea"/>
+              <a:cs typeface="+mn-cs"/>
+            </a:endParaRPr>
+          </a:p>
+        </p:txBody>
+      </p:sp>
+      <p:grpSp>
+        <p:nvGrpSpPr>
+          <p:cNvPr id="3" name="Group 2">
+            <a:extLst>
+              <a:ext uri="{FF2B5EF4-FFF2-40B4-BE49-F238E27FC236}">
+                <a16:creationId xmlns:a16="http://schemas.microsoft.com/office/drawing/2014/main" id="{888D4C14-D1D8-0464-1E23-A245D92763B8}"/>
+              </a:ext>
+            </a:extLst>
+          </p:cNvPr>
+          <p:cNvGrpSpPr/>
+          <p:nvPr/>
+        </p:nvGrpSpPr>
+        <p:grpSpPr>
+          <a:xfrm>
+            <a:off x="302081" y="1037236"/>
+            <a:ext cx="2456513" cy="299662"/>
+            <a:chOff x="1643297" y="4045816"/>
+            <a:chExt cx="2456513" cy="299662"/>
+          </a:xfrm>
+        </p:grpSpPr>
+        <p:sp>
+          <p:nvSpPr>
+            <p:cNvPr id="4" name="CaixaDeTexto 17">
+              <a:hlinkClick r:id="rId2" action="ppaction://program"/>
+              <a:extLst>
+                <a:ext uri="{FF2B5EF4-FFF2-40B4-BE49-F238E27FC236}">
+                  <a16:creationId xmlns:a16="http://schemas.microsoft.com/office/drawing/2014/main" id="{7A5472B2-23D3-A2EC-A6BA-FF1770C4226F}"/>
+                </a:ext>
+              </a:extLst>
+            </p:cNvPr>
+            <p:cNvSpPr txBox="1"/>
+            <p:nvPr/>
+          </p:nvSpPr>
+          <p:spPr>
+            <a:xfrm>
+              <a:off x="1980063" y="4103314"/>
+              <a:ext cx="2119747" cy="184666"/>
+            </a:xfrm>
+            <a:prstGeom prst="rect">
+              <a:avLst/>
+            </a:prstGeom>
+            <a:noFill/>
+            <a:effectLst>
+              <a:outerShdw blurRad="50800" dist="76200" dir="2700000" algn="tl" rotWithShape="0">
+                <a:prstClr val="black">
+                  <a:alpha val="40000"/>
+                </a:prstClr>
+              </a:outerShdw>
+            </a:effectLst>
+          </p:spPr>
+          <p:txBody>
+            <a:bodyPr wrap="none" lIns="0" tIns="0" rIns="0" bIns="0" rtlCol="0">
+              <a:spAutoFit/>
+            </a:bodyPr>
+            <a:lstStyle/>
+            <a:p>
+              <a:pPr defTabSz="914369">
+                <a:defRPr/>
+              </a:pPr>
+              <a:r>
+                <a:rPr lang="en-US" sz="1200" u="sng" dirty="0">
+                  <a:solidFill>
+                    <a:srgbClr val="4472C4">
+                      <a:lumMod val="50000"/>
+                    </a:srgbClr>
+                  </a:solidFill>
+                  <a:latin typeface="Calibri Light" panose="020F0302020204030204"/>
+                  <a:hlinkClick r:id="rId3" action="ppaction://hlinkfile"/>
+                </a:rPr>
+                <a:t>_resources\PythonCheatSheet.pdf</a:t>
+              </a:r>
+              <a:endParaRPr lang="en-US" sz="1200" u="sng" dirty="0">
+                <a:solidFill>
+                  <a:srgbClr val="4472C4">
+                    <a:lumMod val="50000"/>
+                  </a:srgbClr>
+                </a:solidFill>
+                <a:latin typeface="Calibri Light" panose="020F0302020204030204"/>
+              </a:endParaRPr>
+            </a:p>
+          </p:txBody>
+        </p:sp>
+        <p:pic>
+          <p:nvPicPr>
+            <p:cNvPr id="6" name="Imagem 18">
+              <a:hlinkClick r:id="rId2" action="ppaction://program"/>
+              <a:extLst>
+                <a:ext uri="{FF2B5EF4-FFF2-40B4-BE49-F238E27FC236}">
+                  <a16:creationId xmlns:a16="http://schemas.microsoft.com/office/drawing/2014/main" id="{9B9438B4-9379-E954-1421-61806DE45771}"/>
+                </a:ext>
+              </a:extLst>
+            </p:cNvPr>
+            <p:cNvPicPr>
+              <a:picLocks noChangeAspect="1"/>
+            </p:cNvPicPr>
+            <p:nvPr/>
+          </p:nvPicPr>
+          <p:blipFill>
+            <a:blip r:embed="rId4" cstate="print">
+              <a:extLst>
+                <a:ext uri="{28A0092B-C50C-407E-A947-70E740481C1C}">
+                  <a14:useLocalDpi xmlns:a14="http://schemas.microsoft.com/office/drawing/2010/main" val="0"/>
+                </a:ext>
+              </a:extLst>
+            </a:blip>
+            <a:stretch>
+              <a:fillRect/>
+            </a:stretch>
+          </p:blipFill>
+          <p:spPr>
+            <a:xfrm>
+              <a:off x="1643297" y="4045816"/>
+              <a:ext cx="295651" cy="299662"/>
+            </a:xfrm>
+            <a:prstGeom prst="rect">
+              <a:avLst/>
+            </a:prstGeom>
+          </p:spPr>
+        </p:pic>
+      </p:grpSp>
+      <p:grpSp>
+        <p:nvGrpSpPr>
+          <p:cNvPr id="7" name="Group 6">
+            <a:extLst>
+              <a:ext uri="{FF2B5EF4-FFF2-40B4-BE49-F238E27FC236}">
+                <a16:creationId xmlns:a16="http://schemas.microsoft.com/office/drawing/2014/main" id="{082FB170-6654-F07B-E4E4-36DB86B4811E}"/>
+              </a:ext>
+            </a:extLst>
+          </p:cNvPr>
+          <p:cNvGrpSpPr/>
+          <p:nvPr/>
+        </p:nvGrpSpPr>
+        <p:grpSpPr>
+          <a:xfrm>
+            <a:off x="302081" y="1336898"/>
+            <a:ext cx="3623691" cy="299662"/>
+            <a:chOff x="1643297" y="4045816"/>
+            <a:chExt cx="3623691" cy="299662"/>
+          </a:xfrm>
+        </p:grpSpPr>
+        <p:sp>
+          <p:nvSpPr>
+            <p:cNvPr id="37" name="CaixaDeTexto 17">
+              <a:hlinkClick r:id="rId2" action="ppaction://program"/>
+              <a:extLst>
+                <a:ext uri="{FF2B5EF4-FFF2-40B4-BE49-F238E27FC236}">
+                  <a16:creationId xmlns:a16="http://schemas.microsoft.com/office/drawing/2014/main" id="{A6F8C508-59C9-E3A6-9791-A25BB1BFFF38}"/>
+                </a:ext>
+              </a:extLst>
+            </p:cNvPr>
+            <p:cNvSpPr txBox="1"/>
+            <p:nvPr/>
+          </p:nvSpPr>
+          <p:spPr>
+            <a:xfrm>
+              <a:off x="1980063" y="4103314"/>
+              <a:ext cx="3286925" cy="184666"/>
+            </a:xfrm>
+            <a:prstGeom prst="rect">
+              <a:avLst/>
+            </a:prstGeom>
+            <a:noFill/>
+            <a:effectLst>
+              <a:outerShdw blurRad="50800" dist="76200" dir="2700000" algn="tl" rotWithShape="0">
+                <a:prstClr val="black">
+                  <a:alpha val="40000"/>
+                </a:prstClr>
+              </a:outerShdw>
+            </a:effectLst>
+          </p:spPr>
+          <p:txBody>
+            <a:bodyPr wrap="none" lIns="0" tIns="0" rIns="0" bIns="0" rtlCol="0">
+              <a:spAutoFit/>
+            </a:bodyPr>
+            <a:lstStyle/>
+            <a:p>
+              <a:pPr defTabSz="914369">
+                <a:defRPr/>
+              </a:pPr>
+              <a:r>
+                <a:rPr lang="en-US" sz="1200" u="sng" dirty="0">
+                  <a:solidFill>
+                    <a:srgbClr val="4472C4">
+                      <a:lumMod val="50000"/>
+                    </a:srgbClr>
+                  </a:solidFill>
+                  <a:latin typeface="Calibri Light" panose="020F0302020204030204"/>
+                  <a:hlinkClick r:id="rId5" action="ppaction://hlinkfile"/>
+                </a:rPr>
+                <a:t>_resources\PythonCheatSheetComplexDataTypes.pdf</a:t>
+              </a:r>
+              <a:endParaRPr lang="en-US" sz="1200" u="sng" dirty="0">
+                <a:solidFill>
+                  <a:srgbClr val="4472C4">
+                    <a:lumMod val="50000"/>
+                  </a:srgbClr>
+                </a:solidFill>
+                <a:latin typeface="Calibri Light" panose="020F0302020204030204"/>
+              </a:endParaRPr>
+            </a:p>
+          </p:txBody>
+        </p:sp>
+        <p:pic>
+          <p:nvPicPr>
+            <p:cNvPr id="38" name="Imagem 18">
+              <a:hlinkClick r:id="rId2" action="ppaction://program"/>
+              <a:extLst>
+                <a:ext uri="{FF2B5EF4-FFF2-40B4-BE49-F238E27FC236}">
+                  <a16:creationId xmlns:a16="http://schemas.microsoft.com/office/drawing/2014/main" id="{11760607-177D-AC4E-B056-82F9C9E8B0B8}"/>
+                </a:ext>
+              </a:extLst>
+            </p:cNvPr>
+            <p:cNvPicPr>
+              <a:picLocks noChangeAspect="1"/>
+            </p:cNvPicPr>
+            <p:nvPr/>
+          </p:nvPicPr>
+          <p:blipFill>
+            <a:blip r:embed="rId4" cstate="print">
+              <a:extLst>
+                <a:ext uri="{28A0092B-C50C-407E-A947-70E740481C1C}">
+                  <a14:useLocalDpi xmlns:a14="http://schemas.microsoft.com/office/drawing/2010/main" val="0"/>
+                </a:ext>
+              </a:extLst>
+            </a:blip>
+            <a:stretch>
+              <a:fillRect/>
+            </a:stretch>
+          </p:blipFill>
+          <p:spPr>
+            <a:xfrm>
+              <a:off x="1643297" y="4045816"/>
+              <a:ext cx="295651" cy="299662"/>
+            </a:xfrm>
+            <a:prstGeom prst="rect">
+              <a:avLst/>
+            </a:prstGeom>
+          </p:spPr>
+        </p:pic>
+      </p:grpSp>
+      <p:grpSp>
+        <p:nvGrpSpPr>
+          <p:cNvPr id="39" name="Group 38">
+            <a:extLst>
+              <a:ext uri="{FF2B5EF4-FFF2-40B4-BE49-F238E27FC236}">
+                <a16:creationId xmlns:a16="http://schemas.microsoft.com/office/drawing/2014/main" id="{21F25EA1-CA8B-F8B4-95A5-EFE698993A76}"/>
+              </a:ext>
+            </a:extLst>
+          </p:cNvPr>
+          <p:cNvGrpSpPr/>
+          <p:nvPr/>
+        </p:nvGrpSpPr>
+        <p:grpSpPr>
+          <a:xfrm>
+            <a:off x="302081" y="1636560"/>
+            <a:ext cx="3623691" cy="299662"/>
+            <a:chOff x="1643297" y="4045816"/>
+            <a:chExt cx="3623691" cy="299662"/>
+          </a:xfrm>
+        </p:grpSpPr>
+        <p:sp>
+          <p:nvSpPr>
+            <p:cNvPr id="40" name="CaixaDeTexto 17">
+              <a:hlinkClick r:id="rId2" action="ppaction://program"/>
+              <a:extLst>
+                <a:ext uri="{FF2B5EF4-FFF2-40B4-BE49-F238E27FC236}">
+                  <a16:creationId xmlns:a16="http://schemas.microsoft.com/office/drawing/2014/main" id="{80931B30-676B-4E6E-71D7-2A7305F9969B}"/>
+                </a:ext>
+              </a:extLst>
+            </p:cNvPr>
+            <p:cNvSpPr txBox="1"/>
+            <p:nvPr/>
+          </p:nvSpPr>
+          <p:spPr>
+            <a:xfrm>
+              <a:off x="1980063" y="4103314"/>
+              <a:ext cx="3286925" cy="184666"/>
+            </a:xfrm>
+            <a:prstGeom prst="rect">
+              <a:avLst/>
+            </a:prstGeom>
+            <a:noFill/>
+            <a:effectLst>
+              <a:outerShdw blurRad="50800" dist="76200" dir="2700000" algn="tl" rotWithShape="0">
+                <a:prstClr val="black">
+                  <a:alpha val="40000"/>
+                </a:prstClr>
+              </a:outerShdw>
+            </a:effectLst>
+          </p:spPr>
+          <p:txBody>
+            <a:bodyPr wrap="none" lIns="0" tIns="0" rIns="0" bIns="0" rtlCol="0">
+              <a:spAutoFit/>
+            </a:bodyPr>
+            <a:lstStyle/>
+            <a:p>
+              <a:pPr defTabSz="914369">
+                <a:defRPr/>
+              </a:pPr>
+              <a:r>
+                <a:rPr lang="en-US" sz="1200" u="sng" dirty="0">
+                  <a:solidFill>
+                    <a:srgbClr val="4472C4">
+                      <a:lumMod val="50000"/>
+                    </a:srgbClr>
+                  </a:solidFill>
+                  <a:latin typeface="Calibri Light" panose="020F0302020204030204"/>
+                  <a:hlinkClick r:id="rId6" action="ppaction://hlinkfile"/>
+                </a:rPr>
+                <a:t>_resources\PythonCheatSheetFunctionsAndTricks.pdf</a:t>
+              </a:r>
+              <a:endParaRPr lang="en-US" sz="1200" u="sng" dirty="0">
+                <a:solidFill>
+                  <a:srgbClr val="4472C4">
+                    <a:lumMod val="50000"/>
+                  </a:srgbClr>
+                </a:solidFill>
+                <a:latin typeface="Calibri Light" panose="020F0302020204030204"/>
+              </a:endParaRPr>
+            </a:p>
+          </p:txBody>
+        </p:sp>
+        <p:pic>
+          <p:nvPicPr>
+            <p:cNvPr id="41" name="Imagem 18">
+              <a:hlinkClick r:id="rId2" action="ppaction://program"/>
+              <a:extLst>
+                <a:ext uri="{FF2B5EF4-FFF2-40B4-BE49-F238E27FC236}">
+                  <a16:creationId xmlns:a16="http://schemas.microsoft.com/office/drawing/2014/main" id="{BBAEE228-71B8-1334-E708-11D7DD7FE503}"/>
+                </a:ext>
+              </a:extLst>
+            </p:cNvPr>
+            <p:cNvPicPr>
+              <a:picLocks noChangeAspect="1"/>
+            </p:cNvPicPr>
+            <p:nvPr/>
+          </p:nvPicPr>
+          <p:blipFill>
+            <a:blip r:embed="rId4" cstate="print">
+              <a:extLst>
+                <a:ext uri="{28A0092B-C50C-407E-A947-70E740481C1C}">
+                  <a14:useLocalDpi xmlns:a14="http://schemas.microsoft.com/office/drawing/2010/main" val="0"/>
+                </a:ext>
+              </a:extLst>
+            </a:blip>
+            <a:stretch>
+              <a:fillRect/>
+            </a:stretch>
+          </p:blipFill>
+          <p:spPr>
+            <a:xfrm>
+              <a:off x="1643297" y="4045816"/>
+              <a:ext cx="295651" cy="299662"/>
+            </a:xfrm>
+            <a:prstGeom prst="rect">
+              <a:avLst/>
+            </a:prstGeom>
+          </p:spPr>
+        </p:pic>
+      </p:grpSp>
+      <p:grpSp>
+        <p:nvGrpSpPr>
+          <p:cNvPr id="42" name="Group 41">
+            <a:extLst>
+              <a:ext uri="{FF2B5EF4-FFF2-40B4-BE49-F238E27FC236}">
+                <a16:creationId xmlns:a16="http://schemas.microsoft.com/office/drawing/2014/main" id="{49E022EB-246E-1374-A2F4-2CF192FBE89E}"/>
+              </a:ext>
+            </a:extLst>
+          </p:cNvPr>
+          <p:cNvGrpSpPr/>
+          <p:nvPr/>
+        </p:nvGrpSpPr>
+        <p:grpSpPr>
+          <a:xfrm>
+            <a:off x="302081" y="1936222"/>
+            <a:ext cx="2207086" cy="299662"/>
+            <a:chOff x="1643297" y="4045816"/>
+            <a:chExt cx="2207086" cy="299662"/>
+          </a:xfrm>
+        </p:grpSpPr>
+        <p:sp>
+          <p:nvSpPr>
+            <p:cNvPr id="43" name="CaixaDeTexto 17">
+              <a:hlinkClick r:id="rId2" action="ppaction://program"/>
+              <a:extLst>
+                <a:ext uri="{FF2B5EF4-FFF2-40B4-BE49-F238E27FC236}">
+                  <a16:creationId xmlns:a16="http://schemas.microsoft.com/office/drawing/2014/main" id="{DA9B091E-431C-A0F5-7577-5188BE46B49A}"/>
+                </a:ext>
+              </a:extLst>
+            </p:cNvPr>
+            <p:cNvSpPr txBox="1"/>
+            <p:nvPr/>
+          </p:nvSpPr>
+          <p:spPr>
+            <a:xfrm>
+              <a:off x="1980063" y="4103314"/>
+              <a:ext cx="1870320" cy="184666"/>
+            </a:xfrm>
+            <a:prstGeom prst="rect">
+              <a:avLst/>
+            </a:prstGeom>
+            <a:noFill/>
+            <a:effectLst>
+              <a:outerShdw blurRad="50800" dist="76200" dir="2700000" algn="tl" rotWithShape="0">
+                <a:prstClr val="black">
+                  <a:alpha val="40000"/>
+                </a:prstClr>
+              </a:outerShdw>
+            </a:effectLst>
+          </p:spPr>
+          <p:txBody>
+            <a:bodyPr wrap="none" lIns="0" tIns="0" rIns="0" bIns="0" rtlCol="0">
+              <a:spAutoFit/>
+            </a:bodyPr>
+            <a:lstStyle/>
+            <a:p>
+              <a:pPr defTabSz="914369">
+                <a:defRPr/>
+              </a:pPr>
+              <a:r>
+                <a:rPr lang="en-US" sz="1200" u="sng" dirty="0">
+                  <a:solidFill>
+                    <a:srgbClr val="4472C4">
+                      <a:lumMod val="50000"/>
+                    </a:srgbClr>
+                  </a:solidFill>
+                  <a:latin typeface="Calibri Light" panose="020F0302020204030204"/>
+                  <a:hlinkClick r:id="rId7" action="ppaction://hlinkfile"/>
+                </a:rPr>
+                <a:t>_resources\PythonOpenAI.pdf</a:t>
+              </a:r>
+              <a:endParaRPr lang="en-US" sz="1200" u="sng" dirty="0">
+                <a:solidFill>
+                  <a:srgbClr val="4472C4">
+                    <a:lumMod val="50000"/>
+                  </a:srgbClr>
+                </a:solidFill>
+                <a:latin typeface="Calibri Light" panose="020F0302020204030204"/>
+              </a:endParaRPr>
+            </a:p>
+          </p:txBody>
+        </p:sp>
+        <p:pic>
+          <p:nvPicPr>
+            <p:cNvPr id="44" name="Imagem 18">
+              <a:hlinkClick r:id="rId2" action="ppaction://program"/>
+              <a:extLst>
+                <a:ext uri="{FF2B5EF4-FFF2-40B4-BE49-F238E27FC236}">
+                  <a16:creationId xmlns:a16="http://schemas.microsoft.com/office/drawing/2014/main" id="{B58BDC06-89A3-51AA-79F2-3AE6D249008F}"/>
+                </a:ext>
+              </a:extLst>
+            </p:cNvPr>
+            <p:cNvPicPr>
+              <a:picLocks noChangeAspect="1"/>
+            </p:cNvPicPr>
+            <p:nvPr/>
+          </p:nvPicPr>
+          <p:blipFill>
+            <a:blip r:embed="rId4" cstate="print">
+              <a:extLst>
+                <a:ext uri="{28A0092B-C50C-407E-A947-70E740481C1C}">
+                  <a14:useLocalDpi xmlns:a14="http://schemas.microsoft.com/office/drawing/2010/main" val="0"/>
+                </a:ext>
+              </a:extLst>
+            </a:blip>
+            <a:stretch>
+              <a:fillRect/>
+            </a:stretch>
+          </p:blipFill>
+          <p:spPr>
+            <a:xfrm>
+              <a:off x="1643297" y="4045816"/>
+              <a:ext cx="295651" cy="299662"/>
+            </a:xfrm>
+            <a:prstGeom prst="rect">
+              <a:avLst/>
+            </a:prstGeom>
+          </p:spPr>
+        </p:pic>
+      </p:grpSp>
+    </p:spTree>
+    <p:extLst>
+      <p:ext uri="{BB962C8B-B14F-4D97-AF65-F5344CB8AC3E}">
+        <p14:creationId xmlns:p14="http://schemas.microsoft.com/office/powerpoint/2010/main" val="3610040838"/>
+      </p:ext>
+    </p:extLst>
+  </p:cSld>
+  <p:clrMapOvr>
+    <a:masterClrMapping/>
+  </p:clrMapOvr>
+</p:sld>
+</file>
+
+<file path=ppt/slides/slide4.xml><?xml version="1.0" encoding="utf-8"?>
 <p:sld xmlns:a="http://schemas.openxmlformats.org/drawingml/2006/main" xmlns:r="http://schemas.openxmlformats.org/officeDocument/2006/relationships" xmlns:p="http://schemas.openxmlformats.org/presentationml/2006/main">
   <p:cSld>
     <p:bg>

--- a/python/python.pptx
+++ b/python/python.pptx
@@ -11,7 +11,7 @@
   <p:sldIdLst>
     <p:sldId id="259" r:id="rId3"/>
     <p:sldId id="399" r:id="rId4"/>
-    <p:sldId id="400" r:id="rId5"/>
+    <p:sldId id="401" r:id="rId5"/>
     <p:sldId id="377" r:id="rId6"/>
   </p:sldIdLst>
   <p:sldSz cx="12192000" cy="6858000"/>
@@ -204,7 +204,7 @@
           <a:p>
             <a:fld id="{013D7D23-95FE-4191-B08D-3CBB1E1CEEFE}" type="datetimeFigureOut">
               <a:rPr lang="pt-PT" smtClean="0"/>
-              <a:t>21/05/2024</a:t>
+              <a:t>24/07/2024</a:t>
             </a:fld>
             <a:endParaRPr lang="pt-PT" dirty="0"/>
           </a:p>
@@ -603,7 +603,7 @@
           <a:p>
             <a:fld id="{5C0ED97C-8255-4BAC-9D42-1F6A6651E287}" type="datetime1">
               <a:rPr lang="pt-PT" smtClean="0"/>
-              <a:t>21/05/2024</a:t>
+              <a:t>24/07/2024</a:t>
             </a:fld>
             <a:endParaRPr lang="pt-PT" dirty="0"/>
           </a:p>
@@ -773,7 +773,7 @@
           <a:p>
             <a:fld id="{4FCC8996-E467-4FE1-B165-4002860D0AC7}" type="datetime1">
               <a:rPr lang="pt-PT" smtClean="0"/>
-              <a:t>21/05/2024</a:t>
+              <a:t>24/07/2024</a:t>
             </a:fld>
             <a:endParaRPr lang="pt-PT" dirty="0"/>
           </a:p>
@@ -953,7 +953,7 @@
           <a:p>
             <a:fld id="{C104532E-E792-4BF5-B399-9E5E16070233}" type="datetime1">
               <a:rPr lang="pt-PT" smtClean="0"/>
-              <a:t>21/05/2024</a:t>
+              <a:t>24/07/2024</a:t>
             </a:fld>
             <a:endParaRPr lang="pt-PT" dirty="0"/>
           </a:p>
@@ -1163,7 +1163,7 @@
           <a:p>
             <a:fld id="{FF4AF87E-A15D-4480-B791-15D75F8AF848}" type="datetimeFigureOut">
               <a:rPr lang="pt-PT" smtClean="0"/>
-              <a:t>21/05/2024</a:t>
+              <a:t>24/07/2024</a:t>
             </a:fld>
             <a:endParaRPr lang="pt-PT"/>
           </a:p>
@@ -1363,7 +1363,7 @@
           <a:p>
             <a:fld id="{FF4AF87E-A15D-4480-B791-15D75F8AF848}" type="datetimeFigureOut">
               <a:rPr lang="pt-PT" smtClean="0"/>
-              <a:t>21/05/2024</a:t>
+              <a:t>24/07/2024</a:t>
             </a:fld>
             <a:endParaRPr lang="pt-PT"/>
           </a:p>
@@ -1639,7 +1639,7 @@
           <a:p>
             <a:fld id="{FF4AF87E-A15D-4480-B791-15D75F8AF848}" type="datetimeFigureOut">
               <a:rPr lang="pt-PT" smtClean="0"/>
-              <a:t>21/05/2024</a:t>
+              <a:t>24/07/2024</a:t>
             </a:fld>
             <a:endParaRPr lang="pt-PT"/>
           </a:p>
@@ -1907,7 +1907,7 @@
           <a:p>
             <a:fld id="{FF4AF87E-A15D-4480-B791-15D75F8AF848}" type="datetimeFigureOut">
               <a:rPr lang="pt-PT" smtClean="0"/>
-              <a:t>21/05/2024</a:t>
+              <a:t>24/07/2024</a:t>
             </a:fld>
             <a:endParaRPr lang="pt-PT"/>
           </a:p>
@@ -2322,7 +2322,7 @@
           <a:p>
             <a:fld id="{FF4AF87E-A15D-4480-B791-15D75F8AF848}" type="datetimeFigureOut">
               <a:rPr lang="pt-PT" smtClean="0"/>
-              <a:t>21/05/2024</a:t>
+              <a:t>24/07/2024</a:t>
             </a:fld>
             <a:endParaRPr lang="pt-PT"/>
           </a:p>
@@ -2464,7 +2464,7 @@
           <a:p>
             <a:fld id="{FF4AF87E-A15D-4480-B791-15D75F8AF848}" type="datetimeFigureOut">
               <a:rPr lang="pt-PT" smtClean="0"/>
-              <a:t>21/05/2024</a:t>
+              <a:t>24/07/2024</a:t>
             </a:fld>
             <a:endParaRPr lang="pt-PT"/>
           </a:p>
@@ -2577,7 +2577,7 @@
           <a:p>
             <a:fld id="{FF4AF87E-A15D-4480-B791-15D75F8AF848}" type="datetimeFigureOut">
               <a:rPr lang="pt-PT" smtClean="0"/>
-              <a:t>21/05/2024</a:t>
+              <a:t>24/07/2024</a:t>
             </a:fld>
             <a:endParaRPr lang="pt-PT"/>
           </a:p>
@@ -2890,7 +2890,7 @@
           <a:p>
             <a:fld id="{FF4AF87E-A15D-4480-B791-15D75F8AF848}" type="datetimeFigureOut">
               <a:rPr lang="pt-PT" smtClean="0"/>
-              <a:t>21/05/2024</a:t>
+              <a:t>24/07/2024</a:t>
             </a:fld>
             <a:endParaRPr lang="pt-PT"/>
           </a:p>
@@ -3072,7 +3072,7 @@
           <a:p>
             <a:fld id="{5FC36660-F7C2-4C37-BD61-E2E985519A54}" type="datetime1">
               <a:rPr lang="pt-PT" smtClean="0"/>
-              <a:t>21/05/2024</a:t>
+              <a:t>24/07/2024</a:t>
             </a:fld>
             <a:endParaRPr lang="pt-PT" dirty="0"/>
           </a:p>
@@ -3349,7 +3349,7 @@
           <a:p>
             <a:fld id="{FF4AF87E-A15D-4480-B791-15D75F8AF848}" type="datetimeFigureOut">
               <a:rPr lang="pt-PT" smtClean="0"/>
-              <a:t>21/05/2024</a:t>
+              <a:t>24/07/2024</a:t>
             </a:fld>
             <a:endParaRPr lang="pt-PT"/>
           </a:p>
@@ -3549,7 +3549,7 @@
           <a:p>
             <a:fld id="{FF4AF87E-A15D-4480-B791-15D75F8AF848}" type="datetimeFigureOut">
               <a:rPr lang="pt-PT" smtClean="0"/>
-              <a:t>21/05/2024</a:t>
+              <a:t>24/07/2024</a:t>
             </a:fld>
             <a:endParaRPr lang="pt-PT"/>
           </a:p>
@@ -3759,7 +3759,7 @@
           <a:p>
             <a:fld id="{FF4AF87E-A15D-4480-B791-15D75F8AF848}" type="datetimeFigureOut">
               <a:rPr lang="pt-PT" smtClean="0"/>
-              <a:t>21/05/2024</a:t>
+              <a:t>24/07/2024</a:t>
             </a:fld>
             <a:endParaRPr lang="pt-PT"/>
           </a:p>
@@ -4017,7 +4017,7 @@
           <a:p>
             <a:fld id="{EC1C553A-1723-4842-A3DB-E76BD21F5C6D}" type="datetime1">
               <a:rPr lang="pt-PT" smtClean="0"/>
-              <a:t>21/05/2024</a:t>
+              <a:t>24/07/2024</a:t>
             </a:fld>
             <a:endParaRPr lang="pt-PT" dirty="0"/>
           </a:p>
@@ -4249,7 +4249,7 @@
           <a:p>
             <a:fld id="{CE9B351E-3840-4886-B007-BC84D7C14686}" type="datetime1">
               <a:rPr lang="pt-PT" smtClean="0"/>
-              <a:t>21/05/2024</a:t>
+              <a:t>24/07/2024</a:t>
             </a:fld>
             <a:endParaRPr lang="pt-PT" dirty="0"/>
           </a:p>
@@ -4616,7 +4616,7 @@
           <a:p>
             <a:fld id="{C8686839-F4ED-436E-9AC9-AC7A0A0CD179}" type="datetime1">
               <a:rPr lang="pt-PT" smtClean="0"/>
-              <a:t>21/05/2024</a:t>
+              <a:t>24/07/2024</a:t>
             </a:fld>
             <a:endParaRPr lang="pt-PT" dirty="0"/>
           </a:p>
@@ -4734,7 +4734,7 @@
           <a:p>
             <a:fld id="{2AB82247-1A7C-4F98-8F33-5E4D07EFBF12}" type="datetime1">
               <a:rPr lang="pt-PT" smtClean="0"/>
-              <a:t>21/05/2024</a:t>
+              <a:t>24/07/2024</a:t>
             </a:fld>
             <a:endParaRPr lang="pt-PT" dirty="0"/>
           </a:p>
@@ -4829,7 +4829,7 @@
           <a:p>
             <a:fld id="{AFE320DE-3391-4A27-9653-F2BD505B9A08}" type="datetime1">
               <a:rPr lang="pt-PT" smtClean="0"/>
-              <a:t>21/05/2024</a:t>
+              <a:t>24/07/2024</a:t>
             </a:fld>
             <a:endParaRPr lang="pt-PT" dirty="0"/>
           </a:p>
@@ -5106,7 +5106,7 @@
           <a:p>
             <a:fld id="{E69250C8-88B2-4209-BD56-05813AC521DC}" type="datetime1">
               <a:rPr lang="pt-PT" smtClean="0"/>
-              <a:t>21/05/2024</a:t>
+              <a:t>24/07/2024</a:t>
             </a:fld>
             <a:endParaRPr lang="pt-PT" dirty="0"/>
           </a:p>
@@ -5359,7 +5359,7 @@
           <a:p>
             <a:fld id="{0B847055-2F12-42A4-9432-334276564B1D}" type="datetime1">
               <a:rPr lang="pt-PT" smtClean="0"/>
-              <a:t>21/05/2024</a:t>
+              <a:t>24/07/2024</a:t>
             </a:fld>
             <a:endParaRPr lang="pt-PT" dirty="0"/>
           </a:p>
@@ -5572,7 +5572,7 @@
           <a:p>
             <a:fld id="{B0883CD8-EC5B-4369-8F97-BE1E84F10887}" type="datetime1">
               <a:rPr lang="pt-PT" smtClean="0"/>
-              <a:t>21/05/2024</a:t>
+              <a:t>24/07/2024</a:t>
             </a:fld>
             <a:endParaRPr lang="pt-PT" dirty="0"/>
           </a:p>
@@ -6131,7 +6131,7 @@
           <a:p>
             <a:fld id="{FF4AF87E-A15D-4480-B791-15D75F8AF848}" type="datetimeFigureOut">
               <a:rPr lang="pt-PT" smtClean="0"/>
-              <a:t>21/05/2024</a:t>
+              <a:t>24/07/2024</a:t>
             </a:fld>
             <a:endParaRPr lang="pt-PT"/>
           </a:p>
@@ -7029,6 +7029,92 @@
       </p:grpSpPr>
       <p:sp>
         <p:nvSpPr>
+          <p:cNvPr id="52" name="Rectangle 51">
+            <a:extLst>
+              <a:ext uri="{FF2B5EF4-FFF2-40B4-BE49-F238E27FC236}">
+                <a16:creationId xmlns:a16="http://schemas.microsoft.com/office/drawing/2014/main" id="{B502B326-0CAC-1079-85D4-7AF65B71DB32}"/>
+              </a:ext>
+            </a:extLst>
+          </p:cNvPr>
+          <p:cNvSpPr/>
+          <p:nvPr/>
+        </p:nvSpPr>
+        <p:spPr>
+          <a:xfrm>
+            <a:off x="2313895" y="633528"/>
+            <a:ext cx="207692" cy="6048000"/>
+          </a:xfrm>
+          <a:prstGeom prst="rect">
+            <a:avLst/>
+          </a:prstGeom>
+          <a:solidFill>
+            <a:schemeClr val="tx1"/>
+          </a:solidFill>
+          <a:ln w="25400"/>
+          <a:effectLst>
+            <a:outerShdw blurRad="50800" dist="63500" dir="2700000" algn="tl" rotWithShape="0">
+              <a:schemeClr val="bg1">
+                <a:alpha val="40000"/>
+              </a:schemeClr>
+            </a:outerShdw>
+          </a:effectLst>
+        </p:spPr>
+        <p:style>
+          <a:lnRef idx="2">
+            <a:schemeClr val="accent1">
+              <a:shade val="50000"/>
+            </a:schemeClr>
+          </a:lnRef>
+          <a:fillRef idx="1">
+            <a:schemeClr val="accent1"/>
+          </a:fillRef>
+          <a:effectRef idx="0">
+            <a:schemeClr val="accent1"/>
+          </a:effectRef>
+          <a:fontRef idx="minor">
+            <a:schemeClr val="lt1"/>
+          </a:fontRef>
+        </p:style>
+        <p:txBody>
+          <a:bodyPr rtlCol="0" anchor="ctr"/>
+          <a:lstStyle/>
+          <a:p>
+            <a:pPr marL="0" marR="0" lvl="0" indent="0" algn="ctr" defTabSz="914400" rtl="0" eaLnBrk="1" fontAlgn="auto" latinLnBrk="0" hangingPunct="1">
+              <a:lnSpc>
+                <a:spcPct val="100000"/>
+              </a:lnSpc>
+              <a:spcBef>
+                <a:spcPts val="0"/>
+              </a:spcBef>
+              <a:spcAft>
+                <a:spcPts val="0"/>
+              </a:spcAft>
+              <a:buClrTx/>
+              <a:buSzTx/>
+              <a:buFontTx/>
+              <a:buNone/>
+              <a:tabLst/>
+              <a:defRPr/>
+            </a:pPr>
+            <a:endParaRPr kumimoji="0" lang="pt-PT" sz="1800" b="0" i="0" u="none" strike="noStrike" kern="1200" cap="none" spc="0" normalizeH="0" baseline="0" noProof="0">
+              <a:ln>
+                <a:noFill/>
+              </a:ln>
+              <a:solidFill>
+                <a:prstClr val="white"/>
+              </a:solidFill>
+              <a:effectLst/>
+              <a:uLnTx/>
+              <a:uFillTx/>
+              <a:latin typeface="Calibri" panose="020F0502020204030204"/>
+              <a:ea typeface="+mn-ea"/>
+              <a:cs typeface="+mn-cs"/>
+            </a:endParaRPr>
+          </a:p>
+        </p:txBody>
+      </p:sp>
+      <p:sp>
+        <p:nvSpPr>
           <p:cNvPr id="2" name="Title 1">
             <a:extLst>
               <a:ext uri="{FF2B5EF4-FFF2-40B4-BE49-F238E27FC236}">
@@ -7211,7 +7297,7 @@
         </p:nvGrpSpPr>
         <p:grpSpPr>
           <a:xfrm>
-            <a:off x="187509" y="714677"/>
+            <a:off x="2400021" y="2505500"/>
             <a:ext cx="1488354" cy="283293"/>
             <a:chOff x="5611636" y="5954426"/>
             <a:chExt cx="1488355" cy="283293"/>
@@ -7341,7 +7427,7 @@
         </p:nvGrpSpPr>
         <p:grpSpPr>
           <a:xfrm>
-            <a:off x="187509" y="1747101"/>
+            <a:off x="2400021" y="3975700"/>
             <a:ext cx="1244698" cy="283293"/>
             <a:chOff x="5611636" y="5954426"/>
             <a:chExt cx="1244699" cy="283293"/>
@@ -7459,266 +7545,6 @@
       </p:grpSp>
       <p:grpSp>
         <p:nvGrpSpPr>
-          <p:cNvPr id="14" name="Group 13">
-            <a:extLst>
-              <a:ext uri="{FF2B5EF4-FFF2-40B4-BE49-F238E27FC236}">
-                <a16:creationId xmlns:a16="http://schemas.microsoft.com/office/drawing/2014/main" id="{220A32F8-C43C-4E72-BC46-8158B0456CE2}"/>
-              </a:ext>
-            </a:extLst>
-          </p:cNvPr>
-          <p:cNvGrpSpPr/>
-          <p:nvPr/>
-        </p:nvGrpSpPr>
-        <p:grpSpPr>
-          <a:xfrm>
-            <a:off x="187509" y="2263313"/>
-            <a:ext cx="789444" cy="283293"/>
-            <a:chOff x="5611636" y="5954426"/>
-            <a:chExt cx="789445" cy="283293"/>
-          </a:xfrm>
-        </p:grpSpPr>
-        <p:pic>
-          <p:nvPicPr>
-            <p:cNvPr id="15" name="Picture 14" descr="Icon&#10;&#10;Description automatically generated">
-              <a:extLst>
-                <a:ext uri="{FF2B5EF4-FFF2-40B4-BE49-F238E27FC236}">
-                  <a16:creationId xmlns:a16="http://schemas.microsoft.com/office/drawing/2014/main" id="{C5E216D7-9E65-4819-92E4-6DBFFBE69889}"/>
-                </a:ext>
-              </a:extLst>
-            </p:cNvPr>
-            <p:cNvPicPr>
-              <a:picLocks noChangeAspect="1"/>
-            </p:cNvPicPr>
-            <p:nvPr/>
-          </p:nvPicPr>
-          <p:blipFill>
-            <a:blip r:embed="rId2" cstate="print">
-              <a:extLst>
-                <a:ext uri="{28A0092B-C50C-407E-A947-70E740481C1C}">
-                  <a14:useLocalDpi xmlns:a14="http://schemas.microsoft.com/office/drawing/2010/main" val="0"/>
-                </a:ext>
-              </a:extLst>
-            </a:blip>
-            <a:stretch>
-              <a:fillRect/>
-            </a:stretch>
-          </p:blipFill>
-          <p:spPr>
-            <a:xfrm flipH="1">
-              <a:off x="5611636" y="5973306"/>
-              <a:ext cx="495775" cy="264413"/>
-            </a:xfrm>
-            <a:prstGeom prst="rect">
-              <a:avLst/>
-            </a:prstGeom>
-          </p:spPr>
-        </p:pic>
-        <p:sp>
-          <p:nvSpPr>
-            <p:cNvPr id="16" name="Retângulo 5">
-              <a:extLst>
-                <a:ext uri="{FF2B5EF4-FFF2-40B4-BE49-F238E27FC236}">
-                  <a16:creationId xmlns:a16="http://schemas.microsoft.com/office/drawing/2014/main" id="{533691D9-14A6-43A0-97C5-1A1F659A2944}"/>
-                </a:ext>
-              </a:extLst>
-            </p:cNvPr>
-            <p:cNvSpPr/>
-            <p:nvPr/>
-          </p:nvSpPr>
-          <p:spPr>
-            <a:xfrm>
-              <a:off x="6107411" y="5954426"/>
-              <a:ext cx="293670" cy="276999"/>
-            </a:xfrm>
-            <a:prstGeom prst="rect">
-              <a:avLst/>
-            </a:prstGeom>
-          </p:spPr>
-          <p:txBody>
-            <a:bodyPr wrap="none">
-              <a:spAutoFit/>
-            </a:bodyPr>
-            <a:lstStyle/>
-            <a:p>
-              <a:pPr marL="0" marR="0" lvl="0" indent="0" defTabSz="914369" eaLnBrk="1" fontAlgn="auto" latinLnBrk="0" hangingPunct="1">
-                <a:lnSpc>
-                  <a:spcPct val="100000"/>
-                </a:lnSpc>
-                <a:spcBef>
-                  <a:spcPts val="0"/>
-                </a:spcBef>
-                <a:spcAft>
-                  <a:spcPts val="0"/>
-                </a:spcAft>
-                <a:buClrTx/>
-                <a:buSzTx/>
-                <a:buFontTx/>
-                <a:buNone/>
-                <a:tabLst/>
-                <a:defRPr/>
-              </a:pPr>
-              <a:r>
-                <a:rPr kumimoji="0" lang="en-US" sz="1200" b="0" i="0" u="none" strike="noStrike" kern="0" cap="none" spc="0" normalizeH="0" baseline="0" noProof="0" dirty="0">
-                  <a:ln>
-                    <a:noFill/>
-                  </a:ln>
-                  <a:solidFill>
-                    <a:prstClr val="black"/>
-                  </a:solidFill>
-                  <a:effectLst/>
-                  <a:uLnTx/>
-                  <a:uFillTx/>
-                  <a:hlinkClick r:id="rId5" action="ppaction://hlinkpres?slideindex=1&amp;slidetitle="/>
-                </a:rPr>
-                <a:t>ai</a:t>
-              </a:r>
-              <a:endParaRPr kumimoji="0" lang="en-US" sz="1200" b="0" i="0" u="none" strike="noStrike" kern="0" cap="none" spc="0" normalizeH="0" baseline="0" noProof="0" dirty="0">
-                <a:ln>
-                  <a:noFill/>
-                </a:ln>
-                <a:solidFill>
-                  <a:prstClr val="black"/>
-                </a:solidFill>
-                <a:effectLst/>
-                <a:uLnTx/>
-                <a:uFillTx/>
-              </a:endParaRPr>
-            </a:p>
-          </p:txBody>
-        </p:sp>
-      </p:grpSp>
-      <p:grpSp>
-        <p:nvGrpSpPr>
-          <p:cNvPr id="17" name="Group 16">
-            <a:extLst>
-              <a:ext uri="{FF2B5EF4-FFF2-40B4-BE49-F238E27FC236}">
-                <a16:creationId xmlns:a16="http://schemas.microsoft.com/office/drawing/2014/main" id="{786BC05E-7D1F-42CA-BA8B-8A612DAF5A3A}"/>
-              </a:ext>
-            </a:extLst>
-          </p:cNvPr>
-          <p:cNvGrpSpPr/>
-          <p:nvPr/>
-        </p:nvGrpSpPr>
-        <p:grpSpPr>
-          <a:xfrm>
-            <a:off x="187509" y="2779525"/>
-            <a:ext cx="876006" cy="283293"/>
-            <a:chOff x="5611636" y="5954426"/>
-            <a:chExt cx="876007" cy="283293"/>
-          </a:xfrm>
-        </p:grpSpPr>
-        <p:pic>
-          <p:nvPicPr>
-            <p:cNvPr id="18" name="Picture 17" descr="Icon&#10;&#10;Description automatically generated">
-              <a:extLst>
-                <a:ext uri="{FF2B5EF4-FFF2-40B4-BE49-F238E27FC236}">
-                  <a16:creationId xmlns:a16="http://schemas.microsoft.com/office/drawing/2014/main" id="{8765A00E-302F-4C5D-BF69-541F986FC29A}"/>
-                </a:ext>
-              </a:extLst>
-            </p:cNvPr>
-            <p:cNvPicPr>
-              <a:picLocks noChangeAspect="1"/>
-            </p:cNvPicPr>
-            <p:nvPr/>
-          </p:nvPicPr>
-          <p:blipFill>
-            <a:blip r:embed="rId2" cstate="print">
-              <a:extLst>
-                <a:ext uri="{28A0092B-C50C-407E-A947-70E740481C1C}">
-                  <a14:useLocalDpi xmlns:a14="http://schemas.microsoft.com/office/drawing/2010/main" val="0"/>
-                </a:ext>
-              </a:extLst>
-            </a:blip>
-            <a:stretch>
-              <a:fillRect/>
-            </a:stretch>
-          </p:blipFill>
-          <p:spPr>
-            <a:xfrm flipH="1">
-              <a:off x="5611636" y="5973306"/>
-              <a:ext cx="495775" cy="264413"/>
-            </a:xfrm>
-            <a:prstGeom prst="rect">
-              <a:avLst/>
-            </a:prstGeom>
-          </p:spPr>
-        </p:pic>
-        <p:sp>
-          <p:nvSpPr>
-            <p:cNvPr id="19" name="Retângulo 5">
-              <a:extLst>
-                <a:ext uri="{FF2B5EF4-FFF2-40B4-BE49-F238E27FC236}">
-                  <a16:creationId xmlns:a16="http://schemas.microsoft.com/office/drawing/2014/main" id="{4EED16B8-2BBC-40D9-B89F-40C891627E6E}"/>
-                </a:ext>
-              </a:extLst>
-            </p:cNvPr>
-            <p:cNvSpPr/>
-            <p:nvPr/>
-          </p:nvSpPr>
-          <p:spPr>
-            <a:xfrm>
-              <a:off x="6107411" y="5954426"/>
-              <a:ext cx="380232" cy="276999"/>
-            </a:xfrm>
-            <a:prstGeom prst="rect">
-              <a:avLst/>
-            </a:prstGeom>
-          </p:spPr>
-          <p:txBody>
-            <a:bodyPr wrap="none">
-              <a:spAutoFit/>
-            </a:bodyPr>
-            <a:lstStyle/>
-            <a:p>
-              <a:pPr marL="0" marR="0" lvl="0" indent="0" defTabSz="914369" eaLnBrk="1" fontAlgn="auto" latinLnBrk="0" hangingPunct="1">
-                <a:lnSpc>
-                  <a:spcPct val="100000"/>
-                </a:lnSpc>
-                <a:spcBef>
-                  <a:spcPts val="0"/>
-                </a:spcBef>
-                <a:spcAft>
-                  <a:spcPts val="0"/>
-                </a:spcAft>
-                <a:buClrTx/>
-                <a:buSzTx/>
-                <a:buFontTx/>
-                <a:buNone/>
-                <a:tabLst/>
-                <a:defRPr/>
-              </a:pPr>
-              <a:r>
-                <a:rPr kumimoji="0" lang="en-US" sz="1200" b="0" i="0" u="none" strike="noStrike" kern="0" cap="none" spc="0" normalizeH="0" baseline="0" noProof="0" dirty="0">
-                  <a:ln>
-                    <a:noFill/>
-                  </a:ln>
-                  <a:solidFill>
-                    <a:prstClr val="black"/>
-                  </a:solidFill>
-                  <a:effectLst/>
-                  <a:uLnTx/>
-                  <a:uFillTx/>
-                  <a:hlinkClick r:id="rId6" action="ppaction://hlinkpres?slideindex=1&amp;slidetitle="/>
-                </a:rPr>
-                <a:t>pip</a:t>
-              </a:r>
-              <a:endParaRPr kumimoji="0" lang="en-US" sz="1200" b="0" i="0" u="none" strike="noStrike" kern="0" cap="none" spc="0" normalizeH="0" baseline="0" noProof="0" dirty="0">
-                <a:ln>
-                  <a:noFill/>
-                </a:ln>
-                <a:solidFill>
-                  <a:prstClr val="black"/>
-                </a:solidFill>
-                <a:effectLst/>
-                <a:uLnTx/>
-                <a:uFillTx/>
-              </a:endParaRPr>
-            </a:p>
-          </p:txBody>
-        </p:sp>
-      </p:grpSp>
-      <p:grpSp>
-        <p:nvGrpSpPr>
           <p:cNvPr id="34" name="Group 33">
             <a:extLst>
               <a:ext uri="{FF2B5EF4-FFF2-40B4-BE49-F238E27FC236}">
@@ -7731,7 +7557,7 @@
         </p:nvGrpSpPr>
         <p:grpSpPr>
           <a:xfrm>
-            <a:off x="187509" y="1230889"/>
+            <a:off x="2400021" y="1402850"/>
             <a:ext cx="1308818" cy="283293"/>
             <a:chOff x="5611636" y="5954426"/>
             <a:chExt cx="1308819" cy="283293"/>
@@ -7828,7 +7654,7 @@
                   <a:effectLst/>
                   <a:uLnTx/>
                   <a:uFillTx/>
-                  <a:hlinkClick r:id="rId7" action="ppaction://hlinkpres?slideindex=1&amp;slidetitle="/>
+                  <a:hlinkClick r:id="rId5" action="ppaction://hlinkpres?slideindex=1&amp;slidetitle="/>
                 </a:rPr>
                 <a:t>command</a:t>
               </a:r>
@@ -7861,10 +7687,10 @@
         </p:nvGrpSpPr>
         <p:grpSpPr>
           <a:xfrm>
-            <a:off x="187509" y="3295737"/>
-            <a:ext cx="1701553" cy="283293"/>
+            <a:off x="2400021" y="3240600"/>
+            <a:ext cx="1743231" cy="283293"/>
             <a:chOff x="5611636" y="5954426"/>
-            <a:chExt cx="1701555" cy="283293"/>
+            <a:chExt cx="1743233" cy="283293"/>
           </a:xfrm>
         </p:grpSpPr>
         <p:pic>
@@ -7918,7 +7744,7 @@
           <p:spPr>
             <a:xfrm>
               <a:off x="6107411" y="5954426"/>
-              <a:ext cx="1205780" cy="276999"/>
+              <a:ext cx="1247458" cy="276999"/>
             </a:xfrm>
             <a:prstGeom prst="rect">
               <a:avLst/>
@@ -7958,139 +7784,9 @@
                   <a:effectLst/>
                   <a:uLnTx/>
                   <a:uFillTx/>
-                  <a:hlinkClick r:id="rId8" action="ppaction://hlinkpres?slideindex=1&amp;slidetitle="/>
+                  <a:hlinkClick r:id="rId6" action="ppaction://hlinkpres?slideindex=1&amp;slidetitle="/>
                 </a:rPr>
-                <a:t>code generation</a:t>
-              </a:r>
-              <a:endParaRPr kumimoji="0" lang="en-US" sz="1200" b="0" i="0" u="none" strike="noStrike" kern="0" cap="none" spc="0" normalizeH="0" baseline="0" noProof="0" dirty="0">
-                <a:ln>
-                  <a:noFill/>
-                </a:ln>
-                <a:solidFill>
-                  <a:prstClr val="black"/>
-                </a:solidFill>
-                <a:effectLst/>
-                <a:uLnTx/>
-                <a:uFillTx/>
-              </a:endParaRPr>
-            </a:p>
-          </p:txBody>
-        </p:sp>
-      </p:grpSp>
-      <p:grpSp>
-        <p:nvGrpSpPr>
-          <p:cNvPr id="7" name="Group 6">
-            <a:extLst>
-              <a:ext uri="{FF2B5EF4-FFF2-40B4-BE49-F238E27FC236}">
-                <a16:creationId xmlns:a16="http://schemas.microsoft.com/office/drawing/2014/main" id="{885FA155-162A-C065-9281-3990781FFE83}"/>
-              </a:ext>
-            </a:extLst>
-          </p:cNvPr>
-          <p:cNvGrpSpPr/>
-          <p:nvPr/>
-        </p:nvGrpSpPr>
-        <p:grpSpPr>
-          <a:xfrm>
-            <a:off x="187509" y="3811949"/>
-            <a:ext cx="1810559" cy="283293"/>
-            <a:chOff x="5611636" y="5954426"/>
-            <a:chExt cx="1810561" cy="283293"/>
-          </a:xfrm>
-        </p:grpSpPr>
-        <p:pic>
-          <p:nvPicPr>
-            <p:cNvPr id="20" name="Picture 19" descr="Icon&#10;&#10;Description automatically generated">
-              <a:extLst>
-                <a:ext uri="{FF2B5EF4-FFF2-40B4-BE49-F238E27FC236}">
-                  <a16:creationId xmlns:a16="http://schemas.microsoft.com/office/drawing/2014/main" id="{2BB961AC-5978-BC4F-B84B-01E09811A954}"/>
-                </a:ext>
-              </a:extLst>
-            </p:cNvPr>
-            <p:cNvPicPr>
-              <a:picLocks noChangeAspect="1"/>
-            </p:cNvPicPr>
-            <p:nvPr/>
-          </p:nvPicPr>
-          <p:blipFill>
-            <a:blip r:embed="rId2" cstate="print">
-              <a:extLst>
-                <a:ext uri="{28A0092B-C50C-407E-A947-70E740481C1C}">
-                  <a14:useLocalDpi xmlns:a14="http://schemas.microsoft.com/office/drawing/2010/main" val="0"/>
-                </a:ext>
-              </a:extLst>
-            </a:blip>
-            <a:stretch>
-              <a:fillRect/>
-            </a:stretch>
-          </p:blipFill>
-          <p:spPr>
-            <a:xfrm flipH="1">
-              <a:off x="5611636" y="5973306"/>
-              <a:ext cx="495775" cy="264413"/>
-            </a:xfrm>
-            <a:prstGeom prst="rect">
-              <a:avLst/>
-            </a:prstGeom>
-          </p:spPr>
-        </p:pic>
-        <p:sp>
-          <p:nvSpPr>
-            <p:cNvPr id="21" name="Retângulo 5">
-              <a:extLst>
-                <a:ext uri="{FF2B5EF4-FFF2-40B4-BE49-F238E27FC236}">
-                  <a16:creationId xmlns:a16="http://schemas.microsoft.com/office/drawing/2014/main" id="{A178EDA7-16B5-6C6A-10C1-8FA2427EC02A}"/>
-                </a:ext>
-              </a:extLst>
-            </p:cNvPr>
-            <p:cNvSpPr/>
-            <p:nvPr/>
-          </p:nvSpPr>
-          <p:spPr>
-            <a:xfrm>
-              <a:off x="6107411" y="5954426"/>
-              <a:ext cx="1314786" cy="276999"/>
-            </a:xfrm>
-            <a:prstGeom prst="rect">
-              <a:avLst/>
-            </a:prstGeom>
-          </p:spPr>
-          <p:txBody>
-            <a:bodyPr wrap="none">
-              <a:spAutoFit/>
-            </a:bodyPr>
-            <a:lstStyle/>
-            <a:p>
-              <a:pPr marL="0" marR="0" lvl="0" indent="0" defTabSz="914369" eaLnBrk="1" fontAlgn="auto" latinLnBrk="0" hangingPunct="1">
-                <a:lnSpc>
-                  <a:spcPct val="100000"/>
-                </a:lnSpc>
-                <a:spcBef>
-                  <a:spcPts val="0"/>
-                </a:spcBef>
-                <a:spcAft>
-                  <a:spcPts val="0"/>
-                </a:spcAft>
-                <a:buClrTx/>
-                <a:buSzTx/>
-                <a:buFontTx/>
-                <a:buNone/>
-                <a:tabLst/>
-                <a:defRPr/>
-              </a:pPr>
-              <a:r>
-                <a:rPr kumimoji="0" lang="en-US" sz="1200" b="0" i="0" u="none" strike="noStrike" kern="0" cap="none" spc="0" normalizeH="0" baseline="0" noProof="0" dirty="0">
-                  <a:ln>
-                    <a:noFill/>
-                  </a:ln>
-                  <a:solidFill>
-                    <a:prstClr val="black"/>
-                  </a:solidFill>
-                  <a:effectLst/>
-                  <a:uLnTx/>
-                  <a:uFillTx/>
-                  <a:hlinkClick r:id="rId9" action="ppaction://hlinkpres?slideindex=1&amp;slidetitle="/>
-                </a:rPr>
-                <a:t>clean architecture</a:t>
+                <a:t>generation: code</a:t>
               </a:r>
               <a:endParaRPr kumimoji="0" lang="en-US" sz="1200" b="0" i="0" u="none" strike="noStrike" kern="0" cap="none" spc="0" normalizeH="0" baseline="0" noProof="0" dirty="0">
                 <a:ln>
@@ -8121,7 +7817,7 @@
         </p:nvGrpSpPr>
         <p:grpSpPr>
           <a:xfrm>
-            <a:off x="187509" y="4328158"/>
+            <a:off x="2400021" y="667750"/>
             <a:ext cx="1201417" cy="283293"/>
             <a:chOff x="5611636" y="5954426"/>
             <a:chExt cx="1201418" cy="283293"/>
@@ -8218,9 +7914,1579 @@
                   <a:effectLst/>
                   <a:uLnTx/>
                   <a:uFillTx/>
-                  <a:hlinkClick r:id="rId10" action="ppaction://hlinkpres?slideindex=1&amp;slidetitle="/>
+                  <a:hlinkClick r:id="rId7" action="ppaction://hlinkpres?slideindex=1&amp;slidetitle="/>
                 </a:rPr>
                 <a:t>blocking</a:t>
+              </a:r>
+              <a:endParaRPr kumimoji="0" lang="en-US" sz="1200" b="0" i="0" u="none" strike="noStrike" kern="0" cap="none" spc="0" normalizeH="0" baseline="0" noProof="0" dirty="0">
+                <a:ln>
+                  <a:noFill/>
+                </a:ln>
+                <a:solidFill>
+                  <a:prstClr val="black"/>
+                </a:solidFill>
+                <a:effectLst/>
+                <a:uLnTx/>
+                <a:uFillTx/>
+              </a:endParaRPr>
+            </a:p>
+          </p:txBody>
+        </p:sp>
+      </p:grpSp>
+      <p:grpSp>
+        <p:nvGrpSpPr>
+          <p:cNvPr id="25" name="Group 24">
+            <a:extLst>
+              <a:ext uri="{FF2B5EF4-FFF2-40B4-BE49-F238E27FC236}">
+                <a16:creationId xmlns:a16="http://schemas.microsoft.com/office/drawing/2014/main" id="{CE759EF6-8B99-7FE3-22D2-B0513A0D34D9}"/>
+              </a:ext>
+            </a:extLst>
+          </p:cNvPr>
+          <p:cNvGrpSpPr/>
+          <p:nvPr/>
+        </p:nvGrpSpPr>
+        <p:grpSpPr>
+          <a:xfrm>
+            <a:off x="234661" y="760366"/>
+            <a:ext cx="910834" cy="299662"/>
+            <a:chOff x="1643297" y="4045816"/>
+            <a:chExt cx="910834" cy="299662"/>
+          </a:xfrm>
+        </p:grpSpPr>
+        <p:sp>
+          <p:nvSpPr>
+            <p:cNvPr id="26" name="CaixaDeTexto 17">
+              <a:hlinkClick r:id="rId8" action="ppaction://program"/>
+              <a:extLst>
+                <a:ext uri="{FF2B5EF4-FFF2-40B4-BE49-F238E27FC236}">
+                  <a16:creationId xmlns:a16="http://schemas.microsoft.com/office/drawing/2014/main" id="{A6C776A0-5D7E-3E71-FD92-BE3F3394885A}"/>
+                </a:ext>
+              </a:extLst>
+            </p:cNvPr>
+            <p:cNvSpPr txBox="1"/>
+            <p:nvPr/>
+          </p:nvSpPr>
+          <p:spPr>
+            <a:xfrm>
+              <a:off x="1980063" y="4103314"/>
+              <a:ext cx="574068" cy="184666"/>
+            </a:xfrm>
+            <a:prstGeom prst="rect">
+              <a:avLst/>
+            </a:prstGeom>
+            <a:noFill/>
+            <a:effectLst>
+              <a:outerShdw blurRad="50800" dist="76200" dir="2700000" algn="tl" rotWithShape="0">
+                <a:prstClr val="black">
+                  <a:alpha val="40000"/>
+                </a:prstClr>
+              </a:outerShdw>
+            </a:effectLst>
+          </p:spPr>
+          <p:txBody>
+            <a:bodyPr wrap="none" lIns="0" tIns="0" rIns="0" bIns="0" rtlCol="0">
+              <a:spAutoFit/>
+            </a:bodyPr>
+            <a:lstStyle/>
+            <a:p>
+              <a:pPr defTabSz="914369">
+                <a:defRPr/>
+              </a:pPr>
+              <a:r>
+                <a:rPr lang="en-US" sz="1200" u="sng" dirty="0">
+                  <a:solidFill>
+                    <a:srgbClr val="4472C4">
+                      <a:lumMod val="50000"/>
+                    </a:srgbClr>
+                  </a:solidFill>
+                  <a:latin typeface="Calibri Light" panose="020F0302020204030204"/>
+                  <a:hlinkClick r:id="rId9" action="ppaction://hlinkfile"/>
+                </a:rPr>
+                <a:t>_projects</a:t>
+              </a:r>
+              <a:endParaRPr lang="en-US" sz="1200" u="sng" dirty="0">
+                <a:solidFill>
+                  <a:srgbClr val="4472C4">
+                    <a:lumMod val="50000"/>
+                  </a:srgbClr>
+                </a:solidFill>
+                <a:latin typeface="Calibri Light" panose="020F0302020204030204"/>
+              </a:endParaRPr>
+            </a:p>
+          </p:txBody>
+        </p:sp>
+        <p:pic>
+          <p:nvPicPr>
+            <p:cNvPr id="27" name="Imagem 18">
+              <a:hlinkClick r:id="rId8" action="ppaction://program"/>
+              <a:extLst>
+                <a:ext uri="{FF2B5EF4-FFF2-40B4-BE49-F238E27FC236}">
+                  <a16:creationId xmlns:a16="http://schemas.microsoft.com/office/drawing/2014/main" id="{3CD82C2B-D649-7E2E-529F-CF88456565E8}"/>
+                </a:ext>
+              </a:extLst>
+            </p:cNvPr>
+            <p:cNvPicPr>
+              <a:picLocks noChangeAspect="1"/>
+            </p:cNvPicPr>
+            <p:nvPr/>
+          </p:nvPicPr>
+          <p:blipFill>
+            <a:blip r:embed="rId10" cstate="print">
+              <a:extLst>
+                <a:ext uri="{28A0092B-C50C-407E-A947-70E740481C1C}">
+                  <a14:useLocalDpi xmlns:a14="http://schemas.microsoft.com/office/drawing/2010/main" val="0"/>
+                </a:ext>
+              </a:extLst>
+            </a:blip>
+            <a:stretch>
+              <a:fillRect/>
+            </a:stretch>
+          </p:blipFill>
+          <p:spPr>
+            <a:xfrm>
+              <a:off x="1643297" y="4045816"/>
+              <a:ext cx="295651" cy="299662"/>
+            </a:xfrm>
+            <a:prstGeom prst="rect">
+              <a:avLst/>
+            </a:prstGeom>
+          </p:spPr>
+        </p:pic>
+      </p:grpSp>
+      <p:grpSp>
+        <p:nvGrpSpPr>
+          <p:cNvPr id="31" name="Group 30">
+            <a:extLst>
+              <a:ext uri="{FF2B5EF4-FFF2-40B4-BE49-F238E27FC236}">
+                <a16:creationId xmlns:a16="http://schemas.microsoft.com/office/drawing/2014/main" id="{04AC83DF-FFED-8FE3-C939-111465333993}"/>
+              </a:ext>
+            </a:extLst>
+          </p:cNvPr>
+          <p:cNvGrpSpPr/>
+          <p:nvPr/>
+        </p:nvGrpSpPr>
+        <p:grpSpPr>
+          <a:xfrm>
+            <a:off x="261143" y="1151277"/>
+            <a:ext cx="884352" cy="299662"/>
+            <a:chOff x="1643297" y="4045816"/>
+            <a:chExt cx="884352" cy="299662"/>
+          </a:xfrm>
+        </p:grpSpPr>
+        <p:sp>
+          <p:nvSpPr>
+            <p:cNvPr id="32" name="CaixaDeTexto 17">
+              <a:hlinkClick r:id="rId8" action="ppaction://program"/>
+              <a:extLst>
+                <a:ext uri="{FF2B5EF4-FFF2-40B4-BE49-F238E27FC236}">
+                  <a16:creationId xmlns:a16="http://schemas.microsoft.com/office/drawing/2014/main" id="{AA2EB6FA-B17D-05BE-3833-6A77E663C69E}"/>
+                </a:ext>
+              </a:extLst>
+            </p:cNvPr>
+            <p:cNvSpPr txBox="1"/>
+            <p:nvPr/>
+          </p:nvSpPr>
+          <p:spPr>
+            <a:xfrm>
+              <a:off x="1980063" y="4103314"/>
+              <a:ext cx="547586" cy="184666"/>
+            </a:xfrm>
+            <a:prstGeom prst="rect">
+              <a:avLst/>
+            </a:prstGeom>
+            <a:noFill/>
+            <a:effectLst>
+              <a:outerShdw blurRad="50800" dist="76200" dir="2700000" algn="tl" rotWithShape="0">
+                <a:prstClr val="black">
+                  <a:alpha val="40000"/>
+                </a:prstClr>
+              </a:outerShdw>
+            </a:effectLst>
+          </p:spPr>
+          <p:txBody>
+            <a:bodyPr wrap="none" lIns="0" tIns="0" rIns="0" bIns="0" rtlCol="0">
+              <a:spAutoFit/>
+            </a:bodyPr>
+            <a:lstStyle/>
+            <a:p>
+              <a:pPr defTabSz="914369">
+                <a:defRPr/>
+              </a:pPr>
+              <a:r>
+                <a:rPr lang="en-US" sz="1200" u="sng" dirty="0">
+                  <a:solidFill>
+                    <a:srgbClr val="4472C4">
+                      <a:lumMod val="50000"/>
+                    </a:srgbClr>
+                  </a:solidFill>
+                  <a:latin typeface="Calibri Light" panose="020F0302020204030204"/>
+                  <a:hlinkClick r:id="rId11" action="ppaction://hlinkfile"/>
+                </a:rPr>
+                <a:t>_sources</a:t>
+              </a:r>
+              <a:endParaRPr lang="en-US" sz="1200" u="sng" dirty="0">
+                <a:solidFill>
+                  <a:srgbClr val="4472C4">
+                    <a:lumMod val="50000"/>
+                  </a:srgbClr>
+                </a:solidFill>
+                <a:latin typeface="Calibri Light" panose="020F0302020204030204"/>
+              </a:endParaRPr>
+            </a:p>
+          </p:txBody>
+        </p:sp>
+        <p:pic>
+          <p:nvPicPr>
+            <p:cNvPr id="33" name="Imagem 18">
+              <a:hlinkClick r:id="rId8" action="ppaction://program"/>
+              <a:extLst>
+                <a:ext uri="{FF2B5EF4-FFF2-40B4-BE49-F238E27FC236}">
+                  <a16:creationId xmlns:a16="http://schemas.microsoft.com/office/drawing/2014/main" id="{E726F33C-FC75-5721-B3B8-A8FD974BBD2F}"/>
+                </a:ext>
+              </a:extLst>
+            </p:cNvPr>
+            <p:cNvPicPr>
+              <a:picLocks noChangeAspect="1"/>
+            </p:cNvPicPr>
+            <p:nvPr/>
+          </p:nvPicPr>
+          <p:blipFill>
+            <a:blip r:embed="rId10" cstate="print">
+              <a:extLst>
+                <a:ext uri="{28A0092B-C50C-407E-A947-70E740481C1C}">
+                  <a14:useLocalDpi xmlns:a14="http://schemas.microsoft.com/office/drawing/2010/main" val="0"/>
+                </a:ext>
+              </a:extLst>
+            </a:blip>
+            <a:stretch>
+              <a:fillRect/>
+            </a:stretch>
+          </p:blipFill>
+          <p:spPr>
+            <a:xfrm>
+              <a:off x="1643297" y="4045816"/>
+              <a:ext cx="295651" cy="299662"/>
+            </a:xfrm>
+            <a:prstGeom prst="rect">
+              <a:avLst/>
+            </a:prstGeom>
+          </p:spPr>
+        </p:pic>
+      </p:grpSp>
+      <p:grpSp>
+        <p:nvGrpSpPr>
+          <p:cNvPr id="37" name="Group 36">
+            <a:extLst>
+              <a:ext uri="{FF2B5EF4-FFF2-40B4-BE49-F238E27FC236}">
+                <a16:creationId xmlns:a16="http://schemas.microsoft.com/office/drawing/2014/main" id="{92CEDDE5-7C5D-A925-AE07-F75B07D7ED87}"/>
+              </a:ext>
+            </a:extLst>
+          </p:cNvPr>
+          <p:cNvGrpSpPr/>
+          <p:nvPr/>
+        </p:nvGrpSpPr>
+        <p:grpSpPr>
+          <a:xfrm>
+            <a:off x="2400021" y="4343250"/>
+            <a:ext cx="1183784" cy="283293"/>
+            <a:chOff x="5611636" y="5954426"/>
+            <a:chExt cx="1183785" cy="283293"/>
+          </a:xfrm>
+        </p:grpSpPr>
+        <p:pic>
+          <p:nvPicPr>
+            <p:cNvPr id="38" name="Picture 37" descr="Icon&#10;&#10;Description automatically generated">
+              <a:extLst>
+                <a:ext uri="{FF2B5EF4-FFF2-40B4-BE49-F238E27FC236}">
+                  <a16:creationId xmlns:a16="http://schemas.microsoft.com/office/drawing/2014/main" id="{B1DC30E9-7BA0-B1FF-76BB-92FC8F0C5B0D}"/>
+                </a:ext>
+              </a:extLst>
+            </p:cNvPr>
+            <p:cNvPicPr>
+              <a:picLocks noChangeAspect="1"/>
+            </p:cNvPicPr>
+            <p:nvPr/>
+          </p:nvPicPr>
+          <p:blipFill>
+            <a:blip r:embed="rId2" cstate="print">
+              <a:extLst>
+                <a:ext uri="{28A0092B-C50C-407E-A947-70E740481C1C}">
+                  <a14:useLocalDpi xmlns:a14="http://schemas.microsoft.com/office/drawing/2010/main" val="0"/>
+                </a:ext>
+              </a:extLst>
+            </a:blip>
+            <a:stretch>
+              <a:fillRect/>
+            </a:stretch>
+          </p:blipFill>
+          <p:spPr>
+            <a:xfrm flipH="1">
+              <a:off x="5611636" y="5973306"/>
+              <a:ext cx="495775" cy="264413"/>
+            </a:xfrm>
+            <a:prstGeom prst="rect">
+              <a:avLst/>
+            </a:prstGeom>
+          </p:spPr>
+        </p:pic>
+        <p:sp>
+          <p:nvSpPr>
+            <p:cNvPr id="39" name="Retângulo 5">
+              <a:extLst>
+                <a:ext uri="{FF2B5EF4-FFF2-40B4-BE49-F238E27FC236}">
+                  <a16:creationId xmlns:a16="http://schemas.microsoft.com/office/drawing/2014/main" id="{73489230-A931-0002-CF07-DB350802D7BB}"/>
+                </a:ext>
+              </a:extLst>
+            </p:cNvPr>
+            <p:cNvSpPr/>
+            <p:nvPr/>
+          </p:nvSpPr>
+          <p:spPr>
+            <a:xfrm>
+              <a:off x="6107411" y="5954426"/>
+              <a:ext cx="688010" cy="276999"/>
+            </a:xfrm>
+            <a:prstGeom prst="rect">
+              <a:avLst/>
+            </a:prstGeom>
+          </p:spPr>
+          <p:txBody>
+            <a:bodyPr wrap="none">
+              <a:spAutoFit/>
+            </a:bodyPr>
+            <a:lstStyle/>
+            <a:p>
+              <a:pPr marL="0" marR="0" lvl="0" indent="0" defTabSz="914369" eaLnBrk="1" fontAlgn="auto" latinLnBrk="0" hangingPunct="1">
+                <a:lnSpc>
+                  <a:spcPct val="100000"/>
+                </a:lnSpc>
+                <a:spcBef>
+                  <a:spcPts val="0"/>
+                </a:spcBef>
+                <a:spcAft>
+                  <a:spcPts val="0"/>
+                </a:spcAft>
+                <a:buClrTx/>
+                <a:buSzTx/>
+                <a:buFontTx/>
+                <a:buNone/>
+                <a:tabLst/>
+                <a:defRPr/>
+              </a:pPr>
+              <a:r>
+                <a:rPr kumimoji="0" lang="en-US" sz="1200" b="0" i="0" u="none" strike="noStrike" kern="0" cap="none" spc="0" normalizeH="0" baseline="0" noProof="0" dirty="0">
+                  <a:ln>
+                    <a:noFill/>
+                  </a:ln>
+                  <a:solidFill>
+                    <a:prstClr val="black"/>
+                  </a:solidFill>
+                  <a:effectLst/>
+                  <a:uLnTx/>
+                  <a:uFillTx/>
+                  <a:hlinkClick r:id="rId12" action="ppaction://hlinkpres?slideindex=1&amp;slidetitle="/>
+                </a:rPr>
+                <a:t>libraries</a:t>
+              </a:r>
+              <a:endParaRPr kumimoji="0" lang="en-US" sz="1200" b="0" i="0" u="none" strike="noStrike" kern="0" cap="none" spc="0" normalizeH="0" baseline="0" noProof="0" dirty="0">
+                <a:ln>
+                  <a:noFill/>
+                </a:ln>
+                <a:solidFill>
+                  <a:prstClr val="black"/>
+                </a:solidFill>
+                <a:effectLst/>
+                <a:uLnTx/>
+                <a:uFillTx/>
+              </a:endParaRPr>
+            </a:p>
+          </p:txBody>
+        </p:sp>
+      </p:grpSp>
+      <p:grpSp>
+        <p:nvGrpSpPr>
+          <p:cNvPr id="40" name="Group 39">
+            <a:extLst>
+              <a:ext uri="{FF2B5EF4-FFF2-40B4-BE49-F238E27FC236}">
+                <a16:creationId xmlns:a16="http://schemas.microsoft.com/office/drawing/2014/main" id="{56A82F38-8A11-F43D-970A-F03D4D112E51}"/>
+              </a:ext>
+            </a:extLst>
+          </p:cNvPr>
+          <p:cNvGrpSpPr/>
+          <p:nvPr/>
+        </p:nvGrpSpPr>
+        <p:grpSpPr>
+          <a:xfrm>
+            <a:off x="2414448" y="5454572"/>
+            <a:ext cx="1169357" cy="283293"/>
+            <a:chOff x="5611636" y="5954426"/>
+            <a:chExt cx="1169358" cy="283293"/>
+          </a:xfrm>
+        </p:grpSpPr>
+        <p:pic>
+          <p:nvPicPr>
+            <p:cNvPr id="41" name="Picture 40" descr="Icon&#10;&#10;Description automatically generated">
+              <a:extLst>
+                <a:ext uri="{FF2B5EF4-FFF2-40B4-BE49-F238E27FC236}">
+                  <a16:creationId xmlns:a16="http://schemas.microsoft.com/office/drawing/2014/main" id="{EB94CC5C-40D4-18E0-8198-6764D352B87A}"/>
+                </a:ext>
+              </a:extLst>
+            </p:cNvPr>
+            <p:cNvPicPr>
+              <a:picLocks noChangeAspect="1"/>
+            </p:cNvPicPr>
+            <p:nvPr/>
+          </p:nvPicPr>
+          <p:blipFill>
+            <a:blip r:embed="rId2" cstate="print">
+              <a:extLst>
+                <a:ext uri="{28A0092B-C50C-407E-A947-70E740481C1C}">
+                  <a14:useLocalDpi xmlns:a14="http://schemas.microsoft.com/office/drawing/2010/main" val="0"/>
+                </a:ext>
+              </a:extLst>
+            </a:blip>
+            <a:stretch>
+              <a:fillRect/>
+            </a:stretch>
+          </p:blipFill>
+          <p:spPr>
+            <a:xfrm flipH="1">
+              <a:off x="5611636" y="5973306"/>
+              <a:ext cx="495775" cy="264413"/>
+            </a:xfrm>
+            <a:prstGeom prst="rect">
+              <a:avLst/>
+            </a:prstGeom>
+          </p:spPr>
+        </p:pic>
+        <p:sp>
+          <p:nvSpPr>
+            <p:cNvPr id="42" name="Retângulo 5">
+              <a:extLst>
+                <a:ext uri="{FF2B5EF4-FFF2-40B4-BE49-F238E27FC236}">
+                  <a16:creationId xmlns:a16="http://schemas.microsoft.com/office/drawing/2014/main" id="{C5FB67A1-DC0E-91EC-F3B7-FEDEDB081ABF}"/>
+                </a:ext>
+              </a:extLst>
+            </p:cNvPr>
+            <p:cNvSpPr/>
+            <p:nvPr/>
+          </p:nvSpPr>
+          <p:spPr>
+            <a:xfrm>
+              <a:off x="6107411" y="5954426"/>
+              <a:ext cx="673583" cy="276999"/>
+            </a:xfrm>
+            <a:prstGeom prst="rect">
+              <a:avLst/>
+            </a:prstGeom>
+          </p:spPr>
+          <p:txBody>
+            <a:bodyPr wrap="none">
+              <a:spAutoFit/>
+            </a:bodyPr>
+            <a:lstStyle/>
+            <a:p>
+              <a:pPr marL="0" marR="0" lvl="0" indent="0" defTabSz="914369" eaLnBrk="1" fontAlgn="auto" latinLnBrk="0" hangingPunct="1">
+                <a:lnSpc>
+                  <a:spcPct val="100000"/>
+                </a:lnSpc>
+                <a:spcBef>
+                  <a:spcPts val="0"/>
+                </a:spcBef>
+                <a:spcAft>
+                  <a:spcPts val="0"/>
+                </a:spcAft>
+                <a:buClrTx/>
+                <a:buSzTx/>
+                <a:buFontTx/>
+                <a:buNone/>
+                <a:tabLst/>
+                <a:defRPr/>
+              </a:pPr>
+              <a:r>
+                <a:rPr kumimoji="0" lang="en-US" sz="1200" b="0" i="0" u="none" strike="noStrike" kern="0" cap="none" spc="0" normalizeH="0" baseline="0" noProof="0" dirty="0">
+                  <a:ln>
+                    <a:noFill/>
+                  </a:ln>
+                  <a:solidFill>
+                    <a:prstClr val="black"/>
+                  </a:solidFill>
+                  <a:effectLst/>
+                  <a:uLnTx/>
+                  <a:uFillTx/>
+                  <a:hlinkClick r:id="rId13" action="ppaction://hlinkpres?slideindex=1&amp;slidetitle="/>
+                </a:rPr>
+                <a:t>settings</a:t>
+              </a:r>
+              <a:endParaRPr kumimoji="0" lang="en-US" sz="1200" b="0" i="0" u="none" strike="noStrike" kern="0" cap="none" spc="0" normalizeH="0" baseline="0" noProof="0" dirty="0">
+                <a:ln>
+                  <a:noFill/>
+                </a:ln>
+                <a:solidFill>
+                  <a:prstClr val="black"/>
+                </a:solidFill>
+                <a:effectLst/>
+                <a:uLnTx/>
+                <a:uFillTx/>
+              </a:endParaRPr>
+            </a:p>
+          </p:txBody>
+        </p:sp>
+      </p:grpSp>
+      <p:grpSp>
+        <p:nvGrpSpPr>
+          <p:cNvPr id="43" name="Group 42">
+            <a:extLst>
+              <a:ext uri="{FF2B5EF4-FFF2-40B4-BE49-F238E27FC236}">
+                <a16:creationId xmlns:a16="http://schemas.microsoft.com/office/drawing/2014/main" id="{EA1D75AF-B353-CFC0-A773-A43D2A966901}"/>
+              </a:ext>
+            </a:extLst>
+          </p:cNvPr>
+          <p:cNvGrpSpPr/>
+          <p:nvPr/>
+        </p:nvGrpSpPr>
+        <p:grpSpPr>
+          <a:xfrm>
+            <a:off x="2400021" y="5813450"/>
+            <a:ext cx="981805" cy="283293"/>
+            <a:chOff x="5611636" y="5954426"/>
+            <a:chExt cx="981806" cy="283293"/>
+          </a:xfrm>
+        </p:grpSpPr>
+        <p:pic>
+          <p:nvPicPr>
+            <p:cNvPr id="44" name="Picture 43" descr="Icon&#10;&#10;Description automatically generated">
+              <a:extLst>
+                <a:ext uri="{FF2B5EF4-FFF2-40B4-BE49-F238E27FC236}">
+                  <a16:creationId xmlns:a16="http://schemas.microsoft.com/office/drawing/2014/main" id="{5F631538-3E5A-305D-C66F-438FC2A33127}"/>
+                </a:ext>
+              </a:extLst>
+            </p:cNvPr>
+            <p:cNvPicPr>
+              <a:picLocks noChangeAspect="1"/>
+            </p:cNvPicPr>
+            <p:nvPr/>
+          </p:nvPicPr>
+          <p:blipFill>
+            <a:blip r:embed="rId2" cstate="print">
+              <a:extLst>
+                <a:ext uri="{28A0092B-C50C-407E-A947-70E740481C1C}">
+                  <a14:useLocalDpi xmlns:a14="http://schemas.microsoft.com/office/drawing/2010/main" val="0"/>
+                </a:ext>
+              </a:extLst>
+            </a:blip>
+            <a:stretch>
+              <a:fillRect/>
+            </a:stretch>
+          </p:blipFill>
+          <p:spPr>
+            <a:xfrm flipH="1">
+              <a:off x="5611636" y="5973306"/>
+              <a:ext cx="495775" cy="264413"/>
+            </a:xfrm>
+            <a:prstGeom prst="rect">
+              <a:avLst/>
+            </a:prstGeom>
+          </p:spPr>
+        </p:pic>
+        <p:sp>
+          <p:nvSpPr>
+            <p:cNvPr id="45" name="Retângulo 5">
+              <a:extLst>
+                <a:ext uri="{FF2B5EF4-FFF2-40B4-BE49-F238E27FC236}">
+                  <a16:creationId xmlns:a16="http://schemas.microsoft.com/office/drawing/2014/main" id="{488FF6A5-CDE2-55B9-F247-916AD08A05EA}"/>
+                </a:ext>
+              </a:extLst>
+            </p:cNvPr>
+            <p:cNvSpPr/>
+            <p:nvPr/>
+          </p:nvSpPr>
+          <p:spPr>
+            <a:xfrm>
+              <a:off x="6107411" y="5954426"/>
+              <a:ext cx="486031" cy="276999"/>
+            </a:xfrm>
+            <a:prstGeom prst="rect">
+              <a:avLst/>
+            </a:prstGeom>
+          </p:spPr>
+          <p:txBody>
+            <a:bodyPr wrap="none">
+              <a:spAutoFit/>
+            </a:bodyPr>
+            <a:lstStyle/>
+            <a:p>
+              <a:pPr marL="0" marR="0" lvl="0" indent="0" defTabSz="914369" eaLnBrk="1" fontAlgn="auto" latinLnBrk="0" hangingPunct="1">
+                <a:lnSpc>
+                  <a:spcPct val="100000"/>
+                </a:lnSpc>
+                <a:spcBef>
+                  <a:spcPts val="0"/>
+                </a:spcBef>
+                <a:spcAft>
+                  <a:spcPts val="0"/>
+                </a:spcAft>
+                <a:buClrTx/>
+                <a:buSzTx/>
+                <a:buFontTx/>
+                <a:buNone/>
+                <a:tabLst/>
+                <a:defRPr/>
+              </a:pPr>
+              <a:r>
+                <a:rPr kumimoji="0" lang="en-US" sz="1200" b="0" i="0" u="none" strike="noStrike" kern="0" cap="none" spc="0" normalizeH="0" baseline="0" noProof="0" dirty="0">
+                  <a:ln>
+                    <a:noFill/>
+                  </a:ln>
+                  <a:solidFill>
+                    <a:prstClr val="black"/>
+                  </a:solidFill>
+                  <a:effectLst/>
+                  <a:uLnTx/>
+                  <a:uFillTx/>
+                  <a:hlinkClick r:id="rId14" action="ppaction://hlinkpres?slideindex=1&amp;slidetitle="/>
+                </a:rPr>
+                <a:t>tests</a:t>
+              </a:r>
+              <a:endParaRPr kumimoji="0" lang="en-US" sz="1200" b="0" i="0" u="none" strike="noStrike" kern="0" cap="none" spc="0" normalizeH="0" baseline="0" noProof="0" dirty="0">
+                <a:ln>
+                  <a:noFill/>
+                </a:ln>
+                <a:solidFill>
+                  <a:prstClr val="black"/>
+                </a:solidFill>
+                <a:effectLst/>
+                <a:uLnTx/>
+                <a:uFillTx/>
+              </a:endParaRPr>
+            </a:p>
+          </p:txBody>
+        </p:sp>
+      </p:grpSp>
+      <p:grpSp>
+        <p:nvGrpSpPr>
+          <p:cNvPr id="46" name="Group 45">
+            <a:extLst>
+              <a:ext uri="{FF2B5EF4-FFF2-40B4-BE49-F238E27FC236}">
+                <a16:creationId xmlns:a16="http://schemas.microsoft.com/office/drawing/2014/main" id="{95A19EA7-314B-7DE9-1EA9-790E231503F7}"/>
+              </a:ext>
+            </a:extLst>
+          </p:cNvPr>
+          <p:cNvGrpSpPr/>
+          <p:nvPr/>
+        </p:nvGrpSpPr>
+        <p:grpSpPr>
+          <a:xfrm>
+            <a:off x="2400021" y="1770400"/>
+            <a:ext cx="1162945" cy="283293"/>
+            <a:chOff x="5611636" y="5954426"/>
+            <a:chExt cx="1162946" cy="283293"/>
+          </a:xfrm>
+        </p:grpSpPr>
+        <p:pic>
+          <p:nvPicPr>
+            <p:cNvPr id="47" name="Picture 46" descr="Icon&#10;&#10;Description automatically generated">
+              <a:extLst>
+                <a:ext uri="{FF2B5EF4-FFF2-40B4-BE49-F238E27FC236}">
+                  <a16:creationId xmlns:a16="http://schemas.microsoft.com/office/drawing/2014/main" id="{0FC74837-C1BA-4688-B540-86DDF4A64BC5}"/>
+                </a:ext>
+              </a:extLst>
+            </p:cNvPr>
+            <p:cNvPicPr>
+              <a:picLocks noChangeAspect="1"/>
+            </p:cNvPicPr>
+            <p:nvPr/>
+          </p:nvPicPr>
+          <p:blipFill>
+            <a:blip r:embed="rId2" cstate="print">
+              <a:extLst>
+                <a:ext uri="{28A0092B-C50C-407E-A947-70E740481C1C}">
+                  <a14:useLocalDpi xmlns:a14="http://schemas.microsoft.com/office/drawing/2010/main" val="0"/>
+                </a:ext>
+              </a:extLst>
+            </a:blip>
+            <a:stretch>
+              <a:fillRect/>
+            </a:stretch>
+          </p:blipFill>
+          <p:spPr>
+            <a:xfrm flipH="1">
+              <a:off x="5611636" y="5973306"/>
+              <a:ext cx="495775" cy="264413"/>
+            </a:xfrm>
+            <a:prstGeom prst="rect">
+              <a:avLst/>
+            </a:prstGeom>
+          </p:spPr>
+        </p:pic>
+        <p:sp>
+          <p:nvSpPr>
+            <p:cNvPr id="48" name="Retângulo 5">
+              <a:extLst>
+                <a:ext uri="{FF2B5EF4-FFF2-40B4-BE49-F238E27FC236}">
+                  <a16:creationId xmlns:a16="http://schemas.microsoft.com/office/drawing/2014/main" id="{FFB2DE9F-CFD0-21A1-8B6C-295DD8DC95C2}"/>
+                </a:ext>
+              </a:extLst>
+            </p:cNvPr>
+            <p:cNvSpPr/>
+            <p:nvPr/>
+          </p:nvSpPr>
+          <p:spPr>
+            <a:xfrm>
+              <a:off x="6107411" y="5954426"/>
+              <a:ext cx="667171" cy="276999"/>
+            </a:xfrm>
+            <a:prstGeom prst="rect">
+              <a:avLst/>
+            </a:prstGeom>
+          </p:spPr>
+          <p:txBody>
+            <a:bodyPr wrap="none">
+              <a:spAutoFit/>
+            </a:bodyPr>
+            <a:lstStyle/>
+            <a:p>
+              <a:pPr marL="0" marR="0" lvl="0" indent="0" defTabSz="914369" eaLnBrk="1" fontAlgn="auto" latinLnBrk="0" hangingPunct="1">
+                <a:lnSpc>
+                  <a:spcPct val="100000"/>
+                </a:lnSpc>
+                <a:spcBef>
+                  <a:spcPts val="0"/>
+                </a:spcBef>
+                <a:spcAft>
+                  <a:spcPts val="0"/>
+                </a:spcAft>
+                <a:buClrTx/>
+                <a:buSzTx/>
+                <a:buFontTx/>
+                <a:buNone/>
+                <a:tabLst/>
+                <a:defRPr/>
+              </a:pPr>
+              <a:r>
+                <a:rPr kumimoji="0" lang="en-US" sz="1200" b="0" i="0" u="none" strike="noStrike" kern="0" cap="none" spc="0" normalizeH="0" baseline="0" noProof="0" dirty="0">
+                  <a:ln>
+                    <a:noFill/>
+                  </a:ln>
+                  <a:solidFill>
+                    <a:prstClr val="black"/>
+                  </a:solidFill>
+                  <a:effectLst/>
+                  <a:uLnTx/>
+                  <a:uFillTx/>
+                  <a:hlinkClick r:id="rId15" action="ppaction://hlinkpres?slideindex=1&amp;slidetitle="/>
+                </a:rPr>
+                <a:t>console</a:t>
+              </a:r>
+              <a:endParaRPr kumimoji="0" lang="en-US" sz="1200" b="0" i="0" u="none" strike="noStrike" kern="0" cap="none" spc="0" normalizeH="0" baseline="0" noProof="0" dirty="0">
+                <a:ln>
+                  <a:noFill/>
+                </a:ln>
+                <a:solidFill>
+                  <a:prstClr val="black"/>
+                </a:solidFill>
+                <a:effectLst/>
+                <a:uLnTx/>
+                <a:uFillTx/>
+              </a:endParaRPr>
+            </a:p>
+          </p:txBody>
+        </p:sp>
+      </p:grpSp>
+      <p:grpSp>
+        <p:nvGrpSpPr>
+          <p:cNvPr id="49" name="Group 48">
+            <a:extLst>
+              <a:ext uri="{FF2B5EF4-FFF2-40B4-BE49-F238E27FC236}">
+                <a16:creationId xmlns:a16="http://schemas.microsoft.com/office/drawing/2014/main" id="{9D9EFC6C-F152-0A17-2684-A30219BFC50C}"/>
+              </a:ext>
+            </a:extLst>
+          </p:cNvPr>
+          <p:cNvGrpSpPr/>
+          <p:nvPr/>
+        </p:nvGrpSpPr>
+        <p:grpSpPr>
+          <a:xfrm>
+            <a:off x="2400021" y="6181004"/>
+            <a:ext cx="1018674" cy="283293"/>
+            <a:chOff x="5611636" y="5954426"/>
+            <a:chExt cx="1018675" cy="283293"/>
+          </a:xfrm>
+        </p:grpSpPr>
+        <p:pic>
+          <p:nvPicPr>
+            <p:cNvPr id="50" name="Picture 49" descr="Icon&#10;&#10;Description automatically generated">
+              <a:extLst>
+                <a:ext uri="{FF2B5EF4-FFF2-40B4-BE49-F238E27FC236}">
+                  <a16:creationId xmlns:a16="http://schemas.microsoft.com/office/drawing/2014/main" id="{94E76616-C4D9-3EEA-C907-F06A0B54C64D}"/>
+                </a:ext>
+              </a:extLst>
+            </p:cNvPr>
+            <p:cNvPicPr>
+              <a:picLocks noChangeAspect="1"/>
+            </p:cNvPicPr>
+            <p:nvPr/>
+          </p:nvPicPr>
+          <p:blipFill>
+            <a:blip r:embed="rId2" cstate="print">
+              <a:extLst>
+                <a:ext uri="{28A0092B-C50C-407E-A947-70E740481C1C}">
+                  <a14:useLocalDpi xmlns:a14="http://schemas.microsoft.com/office/drawing/2010/main" val="0"/>
+                </a:ext>
+              </a:extLst>
+            </a:blip>
+            <a:stretch>
+              <a:fillRect/>
+            </a:stretch>
+          </p:blipFill>
+          <p:spPr>
+            <a:xfrm flipH="1">
+              <a:off x="5611636" y="5973306"/>
+              <a:ext cx="495775" cy="264413"/>
+            </a:xfrm>
+            <a:prstGeom prst="rect">
+              <a:avLst/>
+            </a:prstGeom>
+          </p:spPr>
+        </p:pic>
+        <p:sp>
+          <p:nvSpPr>
+            <p:cNvPr id="51" name="Retângulo 5">
+              <a:extLst>
+                <a:ext uri="{FF2B5EF4-FFF2-40B4-BE49-F238E27FC236}">
+                  <a16:creationId xmlns:a16="http://schemas.microsoft.com/office/drawing/2014/main" id="{031DE681-4C51-66F5-E996-5C96E68046D9}"/>
+                </a:ext>
+              </a:extLst>
+            </p:cNvPr>
+            <p:cNvSpPr/>
+            <p:nvPr/>
+          </p:nvSpPr>
+          <p:spPr>
+            <a:xfrm>
+              <a:off x="6107411" y="5954426"/>
+              <a:ext cx="522900" cy="276999"/>
+            </a:xfrm>
+            <a:prstGeom prst="rect">
+              <a:avLst/>
+            </a:prstGeom>
+          </p:spPr>
+          <p:txBody>
+            <a:bodyPr wrap="none">
+              <a:spAutoFit/>
+            </a:bodyPr>
+            <a:lstStyle/>
+            <a:p>
+              <a:pPr marL="0" marR="0" lvl="0" indent="0" defTabSz="914369" eaLnBrk="1" fontAlgn="auto" latinLnBrk="0" hangingPunct="1">
+                <a:lnSpc>
+                  <a:spcPct val="100000"/>
+                </a:lnSpc>
+                <a:spcBef>
+                  <a:spcPts val="0"/>
+                </a:spcBef>
+                <a:spcAft>
+                  <a:spcPts val="0"/>
+                </a:spcAft>
+                <a:buClrTx/>
+                <a:buSzTx/>
+                <a:buFontTx/>
+                <a:buNone/>
+                <a:tabLst/>
+                <a:defRPr/>
+              </a:pPr>
+              <a:r>
+                <a:rPr kumimoji="0" lang="en-US" sz="1200" b="0" i="0" u="none" strike="noStrike" kern="0" cap="none" spc="0" normalizeH="0" baseline="0" noProof="0" dirty="0">
+                  <a:ln>
+                    <a:noFill/>
+                  </a:ln>
+                  <a:solidFill>
+                    <a:prstClr val="black"/>
+                  </a:solidFill>
+                  <a:effectLst/>
+                  <a:uLnTx/>
+                  <a:uFillTx/>
+                  <a:hlinkClick r:id="rId16" action="ppaction://hlinkpres?slideindex=1&amp;slidetitle="/>
+                </a:rPr>
+                <a:t>types</a:t>
+              </a:r>
+              <a:endParaRPr kumimoji="0" lang="en-US" sz="1200" b="0" i="0" u="none" strike="noStrike" kern="0" cap="none" spc="0" normalizeH="0" baseline="0" noProof="0" dirty="0">
+                <a:ln>
+                  <a:noFill/>
+                </a:ln>
+                <a:solidFill>
+                  <a:prstClr val="black"/>
+                </a:solidFill>
+                <a:effectLst/>
+                <a:uLnTx/>
+                <a:uFillTx/>
+              </a:endParaRPr>
+            </a:p>
+          </p:txBody>
+        </p:sp>
+      </p:grpSp>
+      <p:grpSp>
+        <p:nvGrpSpPr>
+          <p:cNvPr id="56" name="Group 55">
+            <a:extLst>
+              <a:ext uri="{FF2B5EF4-FFF2-40B4-BE49-F238E27FC236}">
+                <a16:creationId xmlns:a16="http://schemas.microsoft.com/office/drawing/2014/main" id="{0E0213B8-4533-FA86-C41B-F81A52EBFA62}"/>
+              </a:ext>
+            </a:extLst>
+          </p:cNvPr>
+          <p:cNvGrpSpPr/>
+          <p:nvPr/>
+        </p:nvGrpSpPr>
+        <p:grpSpPr>
+          <a:xfrm>
+            <a:off x="2400021" y="4710800"/>
+            <a:ext cx="1129282" cy="283293"/>
+            <a:chOff x="5611636" y="5954426"/>
+            <a:chExt cx="1129283" cy="283293"/>
+          </a:xfrm>
+        </p:grpSpPr>
+        <p:pic>
+          <p:nvPicPr>
+            <p:cNvPr id="57" name="Picture 56" descr="Icon&#10;&#10;Description automatically generated">
+              <a:extLst>
+                <a:ext uri="{FF2B5EF4-FFF2-40B4-BE49-F238E27FC236}">
+                  <a16:creationId xmlns:a16="http://schemas.microsoft.com/office/drawing/2014/main" id="{80497356-F9FB-DA2A-33EE-2F871B805B67}"/>
+                </a:ext>
+              </a:extLst>
+            </p:cNvPr>
+            <p:cNvPicPr>
+              <a:picLocks noChangeAspect="1"/>
+            </p:cNvPicPr>
+            <p:nvPr/>
+          </p:nvPicPr>
+          <p:blipFill>
+            <a:blip r:embed="rId2" cstate="print">
+              <a:extLst>
+                <a:ext uri="{28A0092B-C50C-407E-A947-70E740481C1C}">
+                  <a14:useLocalDpi xmlns:a14="http://schemas.microsoft.com/office/drawing/2010/main" val="0"/>
+                </a:ext>
+              </a:extLst>
+            </a:blip>
+            <a:stretch>
+              <a:fillRect/>
+            </a:stretch>
+          </p:blipFill>
+          <p:spPr>
+            <a:xfrm flipH="1">
+              <a:off x="5611636" y="5973306"/>
+              <a:ext cx="495775" cy="264413"/>
+            </a:xfrm>
+            <a:prstGeom prst="rect">
+              <a:avLst/>
+            </a:prstGeom>
+          </p:spPr>
+        </p:pic>
+        <p:sp>
+          <p:nvSpPr>
+            <p:cNvPr id="58" name="Retângulo 5">
+              <a:extLst>
+                <a:ext uri="{FF2B5EF4-FFF2-40B4-BE49-F238E27FC236}">
+                  <a16:creationId xmlns:a16="http://schemas.microsoft.com/office/drawing/2014/main" id="{14A4D8A2-0A13-8418-D649-E549D976A6AB}"/>
+                </a:ext>
+              </a:extLst>
+            </p:cNvPr>
+            <p:cNvSpPr/>
+            <p:nvPr/>
+          </p:nvSpPr>
+          <p:spPr>
+            <a:xfrm>
+              <a:off x="6107411" y="5954426"/>
+              <a:ext cx="633508" cy="276999"/>
+            </a:xfrm>
+            <a:prstGeom prst="rect">
+              <a:avLst/>
+            </a:prstGeom>
+          </p:spPr>
+          <p:txBody>
+            <a:bodyPr wrap="none">
+              <a:spAutoFit/>
+            </a:bodyPr>
+            <a:lstStyle/>
+            <a:p>
+              <a:pPr marL="0" marR="0" lvl="0" indent="0" defTabSz="914369" eaLnBrk="1" fontAlgn="auto" latinLnBrk="0" hangingPunct="1">
+                <a:lnSpc>
+                  <a:spcPct val="100000"/>
+                </a:lnSpc>
+                <a:spcBef>
+                  <a:spcPts val="0"/>
+                </a:spcBef>
+                <a:spcAft>
+                  <a:spcPts val="0"/>
+                </a:spcAft>
+                <a:buClrTx/>
+                <a:buSzTx/>
+                <a:buFontTx/>
+                <a:buNone/>
+                <a:tabLst/>
+                <a:defRPr/>
+              </a:pPr>
+              <a:r>
+                <a:rPr kumimoji="0" lang="en-US" sz="1200" b="0" i="0" u="none" strike="noStrike" kern="0" cap="none" spc="0" normalizeH="0" baseline="0" noProof="0" dirty="0">
+                  <a:ln>
+                    <a:noFill/>
+                  </a:ln>
+                  <a:solidFill>
+                    <a:prstClr val="black"/>
+                  </a:solidFill>
+                  <a:effectLst/>
+                  <a:uLnTx/>
+                  <a:uFillTx/>
+                  <a:hlinkClick r:id="rId17" action="ppaction://hlinkpres?slideindex=1&amp;slidetitle="/>
+                </a:rPr>
+                <a:t>logging</a:t>
+              </a:r>
+              <a:endParaRPr kumimoji="0" lang="en-US" sz="1200" b="0" i="0" u="none" strike="noStrike" kern="0" cap="none" spc="0" normalizeH="0" baseline="0" noProof="0" dirty="0">
+                <a:ln>
+                  <a:noFill/>
+                </a:ln>
+                <a:solidFill>
+                  <a:prstClr val="black"/>
+                </a:solidFill>
+                <a:effectLst/>
+                <a:uLnTx/>
+                <a:uFillTx/>
+              </a:endParaRPr>
+            </a:p>
+          </p:txBody>
+        </p:sp>
+      </p:grpSp>
+      <p:grpSp>
+        <p:nvGrpSpPr>
+          <p:cNvPr id="14" name="Group 13">
+            <a:extLst>
+              <a:ext uri="{FF2B5EF4-FFF2-40B4-BE49-F238E27FC236}">
+                <a16:creationId xmlns:a16="http://schemas.microsoft.com/office/drawing/2014/main" id="{691B245A-B5F7-4F8A-EA90-E16D0CE08646}"/>
+              </a:ext>
+            </a:extLst>
+          </p:cNvPr>
+          <p:cNvGrpSpPr/>
+          <p:nvPr/>
+        </p:nvGrpSpPr>
+        <p:grpSpPr>
+          <a:xfrm>
+            <a:off x="2400021" y="3608150"/>
+            <a:ext cx="1111648" cy="283293"/>
+            <a:chOff x="5611636" y="5954426"/>
+            <a:chExt cx="1111649" cy="283293"/>
+          </a:xfrm>
+        </p:grpSpPr>
+        <p:pic>
+          <p:nvPicPr>
+            <p:cNvPr id="15" name="Picture 14" descr="Icon&#10;&#10;Description automatically generated">
+              <a:extLst>
+                <a:ext uri="{FF2B5EF4-FFF2-40B4-BE49-F238E27FC236}">
+                  <a16:creationId xmlns:a16="http://schemas.microsoft.com/office/drawing/2014/main" id="{CED1016A-F7D4-307F-D64C-808070F8CB10}"/>
+                </a:ext>
+              </a:extLst>
+            </p:cNvPr>
+            <p:cNvPicPr>
+              <a:picLocks noChangeAspect="1"/>
+            </p:cNvPicPr>
+            <p:nvPr/>
+          </p:nvPicPr>
+          <p:blipFill>
+            <a:blip r:embed="rId2" cstate="print">
+              <a:extLst>
+                <a:ext uri="{28A0092B-C50C-407E-A947-70E740481C1C}">
+                  <a14:useLocalDpi xmlns:a14="http://schemas.microsoft.com/office/drawing/2010/main" val="0"/>
+                </a:ext>
+              </a:extLst>
+            </a:blip>
+            <a:stretch>
+              <a:fillRect/>
+            </a:stretch>
+          </p:blipFill>
+          <p:spPr>
+            <a:xfrm flipH="1">
+              <a:off x="5611636" y="5973306"/>
+              <a:ext cx="495775" cy="264413"/>
+            </a:xfrm>
+            <a:prstGeom prst="rect">
+              <a:avLst/>
+            </a:prstGeom>
+          </p:spPr>
+        </p:pic>
+        <p:sp>
+          <p:nvSpPr>
+            <p:cNvPr id="16" name="Retângulo 5">
+              <a:extLst>
+                <a:ext uri="{FF2B5EF4-FFF2-40B4-BE49-F238E27FC236}">
+                  <a16:creationId xmlns:a16="http://schemas.microsoft.com/office/drawing/2014/main" id="{4343DDF5-B992-9450-F984-98C0B8058A6A}"/>
+                </a:ext>
+              </a:extLst>
+            </p:cNvPr>
+            <p:cNvSpPr/>
+            <p:nvPr/>
+          </p:nvSpPr>
+          <p:spPr>
+            <a:xfrm>
+              <a:off x="6107411" y="5954426"/>
+              <a:ext cx="615874" cy="276999"/>
+            </a:xfrm>
+            <a:prstGeom prst="rect">
+              <a:avLst/>
+            </a:prstGeom>
+          </p:spPr>
+          <p:txBody>
+            <a:bodyPr wrap="none">
+              <a:spAutoFit/>
+            </a:bodyPr>
+            <a:lstStyle/>
+            <a:p>
+              <a:pPr marL="0" marR="0" lvl="0" indent="0" defTabSz="914369" eaLnBrk="1" fontAlgn="auto" latinLnBrk="0" hangingPunct="1">
+                <a:lnSpc>
+                  <a:spcPct val="100000"/>
+                </a:lnSpc>
+                <a:spcBef>
+                  <a:spcPts val="0"/>
+                </a:spcBef>
+                <a:spcAft>
+                  <a:spcPts val="0"/>
+                </a:spcAft>
+                <a:buClrTx/>
+                <a:buSzTx/>
+                <a:buFontTx/>
+                <a:buNone/>
+                <a:tabLst/>
+                <a:defRPr/>
+              </a:pPr>
+              <a:r>
+                <a:rPr kumimoji="0" lang="en-US" sz="1200" b="0" i="0" u="none" strike="noStrike" kern="0" cap="none" spc="0" normalizeH="0" baseline="0" noProof="0" dirty="0">
+                  <a:ln>
+                    <a:noFill/>
+                  </a:ln>
+                  <a:solidFill>
+                    <a:prstClr val="black"/>
+                  </a:solidFill>
+                  <a:effectLst/>
+                  <a:uLnTx/>
+                  <a:uFillTx/>
+                  <a:hlinkClick r:id="rId18" action="ppaction://hlinkpres?slideindex=1&amp;slidetitle="/>
+                </a:rPr>
+                <a:t>history</a:t>
+              </a:r>
+              <a:endParaRPr kumimoji="0" lang="en-US" sz="1200" b="0" i="0" u="none" strike="noStrike" kern="0" cap="none" spc="0" normalizeH="0" baseline="0" noProof="0" dirty="0">
+                <a:ln>
+                  <a:noFill/>
+                </a:ln>
+                <a:solidFill>
+                  <a:prstClr val="black"/>
+                </a:solidFill>
+                <a:effectLst/>
+                <a:uLnTx/>
+                <a:uFillTx/>
+              </a:endParaRPr>
+            </a:p>
+          </p:txBody>
+        </p:sp>
+      </p:grpSp>
+      <p:grpSp>
+        <p:nvGrpSpPr>
+          <p:cNvPr id="17" name="Group 16">
+            <a:extLst>
+              <a:ext uri="{FF2B5EF4-FFF2-40B4-BE49-F238E27FC236}">
+                <a16:creationId xmlns:a16="http://schemas.microsoft.com/office/drawing/2014/main" id="{3F03A1AF-C99C-7D45-73B3-E3DFE0C2D512}"/>
+              </a:ext>
+            </a:extLst>
+          </p:cNvPr>
+          <p:cNvGrpSpPr/>
+          <p:nvPr/>
+        </p:nvGrpSpPr>
+        <p:grpSpPr>
+          <a:xfrm>
+            <a:off x="2400021" y="2137950"/>
+            <a:ext cx="1358513" cy="283293"/>
+            <a:chOff x="5611636" y="5954426"/>
+            <a:chExt cx="1358514" cy="283293"/>
+          </a:xfrm>
+        </p:grpSpPr>
+        <p:pic>
+          <p:nvPicPr>
+            <p:cNvPr id="18" name="Picture 17" descr="Icon&#10;&#10;Description automatically generated">
+              <a:extLst>
+                <a:ext uri="{FF2B5EF4-FFF2-40B4-BE49-F238E27FC236}">
+                  <a16:creationId xmlns:a16="http://schemas.microsoft.com/office/drawing/2014/main" id="{FBE5F32F-F3B2-FAD8-C455-1C447263DBD8}"/>
+                </a:ext>
+              </a:extLst>
+            </p:cNvPr>
+            <p:cNvPicPr>
+              <a:picLocks noChangeAspect="1"/>
+            </p:cNvPicPr>
+            <p:nvPr/>
+          </p:nvPicPr>
+          <p:blipFill>
+            <a:blip r:embed="rId2" cstate="print">
+              <a:extLst>
+                <a:ext uri="{28A0092B-C50C-407E-A947-70E740481C1C}">
+                  <a14:useLocalDpi xmlns:a14="http://schemas.microsoft.com/office/drawing/2010/main" val="0"/>
+                </a:ext>
+              </a:extLst>
+            </a:blip>
+            <a:stretch>
+              <a:fillRect/>
+            </a:stretch>
+          </p:blipFill>
+          <p:spPr>
+            <a:xfrm flipH="1">
+              <a:off x="5611636" y="5973306"/>
+              <a:ext cx="495775" cy="264413"/>
+            </a:xfrm>
+            <a:prstGeom prst="rect">
+              <a:avLst/>
+            </a:prstGeom>
+          </p:spPr>
+        </p:pic>
+        <p:sp>
+          <p:nvSpPr>
+            <p:cNvPr id="19" name="Retângulo 5">
+              <a:extLst>
+                <a:ext uri="{FF2B5EF4-FFF2-40B4-BE49-F238E27FC236}">
+                  <a16:creationId xmlns:a16="http://schemas.microsoft.com/office/drawing/2014/main" id="{D9D4E4DF-3DAC-A3AE-2D0B-D431603B02E1}"/>
+                </a:ext>
+              </a:extLst>
+            </p:cNvPr>
+            <p:cNvSpPr/>
+            <p:nvPr/>
+          </p:nvSpPr>
+          <p:spPr>
+            <a:xfrm>
+              <a:off x="6107412" y="5954426"/>
+              <a:ext cx="862738" cy="276999"/>
+            </a:xfrm>
+            <a:prstGeom prst="rect">
+              <a:avLst/>
+            </a:prstGeom>
+          </p:spPr>
+          <p:txBody>
+            <a:bodyPr wrap="none">
+              <a:spAutoFit/>
+            </a:bodyPr>
+            <a:lstStyle/>
+            <a:p>
+              <a:pPr marL="0" marR="0" lvl="0" indent="0" defTabSz="914369" eaLnBrk="1" fontAlgn="auto" latinLnBrk="0" hangingPunct="1">
+                <a:lnSpc>
+                  <a:spcPct val="100000"/>
+                </a:lnSpc>
+                <a:spcBef>
+                  <a:spcPts val="0"/>
+                </a:spcBef>
+                <a:spcAft>
+                  <a:spcPts val="0"/>
+                </a:spcAft>
+                <a:buClrTx/>
+                <a:buSzTx/>
+                <a:buFontTx/>
+                <a:buNone/>
+                <a:tabLst/>
+                <a:defRPr/>
+              </a:pPr>
+              <a:r>
+                <a:rPr kumimoji="0" lang="en-US" sz="1200" b="0" i="0" u="none" strike="noStrike" kern="0" cap="none" spc="0" normalizeH="0" baseline="0" noProof="0" dirty="0">
+                  <a:ln>
+                    <a:noFill/>
+                  </a:ln>
+                  <a:solidFill>
+                    <a:prstClr val="black"/>
+                  </a:solidFill>
+                  <a:effectLst/>
+                  <a:uLnTx/>
+                  <a:uFillTx/>
+                  <a:hlinkClick r:id="rId19" action="ppaction://hlinkpres?slideindex=1&amp;slidetitle="/>
+                </a:rPr>
+                <a:t>decorators</a:t>
+              </a:r>
+              <a:endParaRPr kumimoji="0" lang="en-US" sz="1200" b="0" i="0" u="none" strike="noStrike" kern="0" cap="none" spc="0" normalizeH="0" baseline="0" noProof="0" dirty="0">
+                <a:ln>
+                  <a:noFill/>
+                </a:ln>
+                <a:solidFill>
+                  <a:prstClr val="black"/>
+                </a:solidFill>
+                <a:effectLst/>
+                <a:uLnTx/>
+                <a:uFillTx/>
+              </a:endParaRPr>
+            </a:p>
+          </p:txBody>
+        </p:sp>
+      </p:grpSp>
+      <p:grpSp>
+        <p:nvGrpSpPr>
+          <p:cNvPr id="28" name="Group 27">
+            <a:extLst>
+              <a:ext uri="{FF2B5EF4-FFF2-40B4-BE49-F238E27FC236}">
+                <a16:creationId xmlns:a16="http://schemas.microsoft.com/office/drawing/2014/main" id="{B719C699-455B-3A02-212A-5519E044762D}"/>
+              </a:ext>
+            </a:extLst>
+          </p:cNvPr>
+          <p:cNvGrpSpPr/>
+          <p:nvPr/>
+        </p:nvGrpSpPr>
+        <p:grpSpPr>
+          <a:xfrm>
+            <a:off x="2400021" y="1035300"/>
+            <a:ext cx="1715981" cy="283293"/>
+            <a:chOff x="5611636" y="5954426"/>
+            <a:chExt cx="1715982" cy="283293"/>
+          </a:xfrm>
+        </p:grpSpPr>
+        <p:pic>
+          <p:nvPicPr>
+            <p:cNvPr id="29" name="Picture 28" descr="Icon&#10;&#10;Description automatically generated">
+              <a:extLst>
+                <a:ext uri="{FF2B5EF4-FFF2-40B4-BE49-F238E27FC236}">
+                  <a16:creationId xmlns:a16="http://schemas.microsoft.com/office/drawing/2014/main" id="{EB10A568-9EA6-3273-8BA8-082D23FA3D17}"/>
+                </a:ext>
+              </a:extLst>
+            </p:cNvPr>
+            <p:cNvPicPr>
+              <a:picLocks noChangeAspect="1"/>
+            </p:cNvPicPr>
+            <p:nvPr/>
+          </p:nvPicPr>
+          <p:blipFill>
+            <a:blip r:embed="rId2" cstate="print">
+              <a:extLst>
+                <a:ext uri="{28A0092B-C50C-407E-A947-70E740481C1C}">
+                  <a14:useLocalDpi xmlns:a14="http://schemas.microsoft.com/office/drawing/2010/main" val="0"/>
+                </a:ext>
+              </a:extLst>
+            </a:blip>
+            <a:stretch>
+              <a:fillRect/>
+            </a:stretch>
+          </p:blipFill>
+          <p:spPr>
+            <a:xfrm flipH="1">
+              <a:off x="5611636" y="5973306"/>
+              <a:ext cx="495775" cy="264413"/>
+            </a:xfrm>
+            <a:prstGeom prst="rect">
+              <a:avLst/>
+            </a:prstGeom>
+          </p:spPr>
+        </p:pic>
+        <p:sp>
+          <p:nvSpPr>
+            <p:cNvPr id="30" name="Retângulo 5">
+              <a:extLst>
+                <a:ext uri="{FF2B5EF4-FFF2-40B4-BE49-F238E27FC236}">
+                  <a16:creationId xmlns:a16="http://schemas.microsoft.com/office/drawing/2014/main" id="{DE2173F0-0EB0-2DD5-E9F2-6CA708347B57}"/>
+                </a:ext>
+              </a:extLst>
+            </p:cNvPr>
+            <p:cNvSpPr/>
+            <p:nvPr/>
+          </p:nvSpPr>
+          <p:spPr>
+            <a:xfrm>
+              <a:off x="6107411" y="5954426"/>
+              <a:ext cx="1220207" cy="276999"/>
+            </a:xfrm>
+            <a:prstGeom prst="rect">
+              <a:avLst/>
+            </a:prstGeom>
+          </p:spPr>
+          <p:txBody>
+            <a:bodyPr wrap="none">
+              <a:spAutoFit/>
+            </a:bodyPr>
+            <a:lstStyle/>
+            <a:p>
+              <a:pPr marL="0" marR="0" lvl="0" indent="0" defTabSz="914369" eaLnBrk="1" fontAlgn="auto" latinLnBrk="0" hangingPunct="1">
+                <a:lnSpc>
+                  <a:spcPct val="100000"/>
+                </a:lnSpc>
+                <a:spcBef>
+                  <a:spcPts val="0"/>
+                </a:spcBef>
+                <a:spcAft>
+                  <a:spcPts val="0"/>
+                </a:spcAft>
+                <a:buClrTx/>
+                <a:buSzTx/>
+                <a:buFontTx/>
+                <a:buNone/>
+                <a:tabLst/>
+                <a:defRPr/>
+              </a:pPr>
+              <a:r>
+                <a:rPr kumimoji="0" lang="en-US" sz="1200" b="0" i="0" u="none" strike="noStrike" kern="0" cap="none" spc="0" normalizeH="0" baseline="0" noProof="0" dirty="0">
+                  <a:ln>
+                    <a:noFill/>
+                  </a:ln>
+                  <a:solidFill>
+                    <a:prstClr val="black"/>
+                  </a:solidFill>
+                  <a:effectLst/>
+                  <a:uLnTx/>
+                  <a:uFillTx/>
+                  <a:hlinkClick r:id="rId20" action="ppaction://hlinkpres?slideindex=1&amp;slidetitle="/>
+                </a:rPr>
+                <a:t>build</a:t>
+              </a:r>
+              <a:r>
+                <a:rPr kumimoji="0" lang="en-US" sz="1200" b="0" i="0" u="none" strike="noStrike" kern="0" cap="none" spc="0" normalizeH="0" noProof="0" dirty="0">
+                  <a:ln>
+                    <a:noFill/>
+                  </a:ln>
+                  <a:solidFill>
+                    <a:prstClr val="black"/>
+                  </a:solidFill>
+                  <a:effectLst/>
+                  <a:uLnTx/>
+                  <a:uFillTx/>
+                  <a:hlinkClick r:id="rId20" action="ppaction://hlinkpres?slideindex=1&amp;slidetitle="/>
+                </a:rPr>
+                <a:t> </a:t>
+              </a:r>
+              <a:r>
+                <a:rPr kumimoji="0" lang="en-US" sz="1200" b="0" i="0" u="none" strike="noStrike" kern="0" cap="none" spc="0" normalizeH="0" baseline="0" noProof="0" dirty="0">
+                  <a:ln>
+                    <a:noFill/>
+                  </a:ln>
+                  <a:solidFill>
+                    <a:prstClr val="black"/>
+                  </a:solidFill>
+                  <a:effectLst/>
+                  <a:uLnTx/>
+                  <a:uFillTx/>
+                  <a:hlinkClick r:id="rId20" action="ppaction://hlinkpres?slideindex=1&amp;slidetitle="/>
+                </a:rPr>
+                <a:t>in modules</a:t>
+              </a:r>
+              <a:endParaRPr kumimoji="0" lang="en-US" sz="1200" b="0" i="0" u="none" strike="noStrike" kern="0" cap="none" spc="0" normalizeH="0" baseline="0" noProof="0" dirty="0">
+                <a:ln>
+                  <a:noFill/>
+                </a:ln>
+                <a:solidFill>
+                  <a:prstClr val="black"/>
+                </a:solidFill>
+                <a:effectLst/>
+                <a:uLnTx/>
+                <a:uFillTx/>
+              </a:endParaRPr>
+            </a:p>
+          </p:txBody>
+        </p:sp>
+      </p:grpSp>
+      <p:grpSp>
+        <p:nvGrpSpPr>
+          <p:cNvPr id="7" name="Group 6">
+            <a:extLst>
+              <a:ext uri="{FF2B5EF4-FFF2-40B4-BE49-F238E27FC236}">
+                <a16:creationId xmlns:a16="http://schemas.microsoft.com/office/drawing/2014/main" id="{886E543E-3B03-805A-2F9C-4A262595FE22}"/>
+              </a:ext>
+            </a:extLst>
+          </p:cNvPr>
+          <p:cNvGrpSpPr/>
+          <p:nvPr/>
+        </p:nvGrpSpPr>
+        <p:grpSpPr>
+          <a:xfrm>
+            <a:off x="2400021" y="5061844"/>
+            <a:ext cx="1089207" cy="283293"/>
+            <a:chOff x="5611636" y="5954426"/>
+            <a:chExt cx="1089208" cy="283293"/>
+          </a:xfrm>
+        </p:grpSpPr>
+        <p:pic>
+          <p:nvPicPr>
+            <p:cNvPr id="20" name="Picture 19" descr="Icon&#10;&#10;Description automatically generated">
+              <a:extLst>
+                <a:ext uri="{FF2B5EF4-FFF2-40B4-BE49-F238E27FC236}">
+                  <a16:creationId xmlns:a16="http://schemas.microsoft.com/office/drawing/2014/main" id="{24906A08-44D1-C7F2-0EDF-DFAD2F7FE73E}"/>
+                </a:ext>
+              </a:extLst>
+            </p:cNvPr>
+            <p:cNvPicPr>
+              <a:picLocks noChangeAspect="1"/>
+            </p:cNvPicPr>
+            <p:nvPr/>
+          </p:nvPicPr>
+          <p:blipFill>
+            <a:blip r:embed="rId2" cstate="print">
+              <a:extLst>
+                <a:ext uri="{28A0092B-C50C-407E-A947-70E740481C1C}">
+                  <a14:useLocalDpi xmlns:a14="http://schemas.microsoft.com/office/drawing/2010/main" val="0"/>
+                </a:ext>
+              </a:extLst>
+            </a:blip>
+            <a:stretch>
+              <a:fillRect/>
+            </a:stretch>
+          </p:blipFill>
+          <p:spPr>
+            <a:xfrm flipH="1">
+              <a:off x="5611636" y="5973306"/>
+              <a:ext cx="495775" cy="264413"/>
+            </a:xfrm>
+            <a:prstGeom prst="rect">
+              <a:avLst/>
+            </a:prstGeom>
+          </p:spPr>
+        </p:pic>
+        <p:sp>
+          <p:nvSpPr>
+            <p:cNvPr id="21" name="Retângulo 5">
+              <a:extLst>
+                <a:ext uri="{FF2B5EF4-FFF2-40B4-BE49-F238E27FC236}">
+                  <a16:creationId xmlns:a16="http://schemas.microsoft.com/office/drawing/2014/main" id="{DD5EE263-F1F8-3152-A0A1-EC3A028DF76A}"/>
+                </a:ext>
+              </a:extLst>
+            </p:cNvPr>
+            <p:cNvSpPr/>
+            <p:nvPr/>
+          </p:nvSpPr>
+          <p:spPr>
+            <a:xfrm>
+              <a:off x="6107411" y="5954426"/>
+              <a:ext cx="593433" cy="276999"/>
+            </a:xfrm>
+            <a:prstGeom prst="rect">
+              <a:avLst/>
+            </a:prstGeom>
+          </p:spPr>
+          <p:txBody>
+            <a:bodyPr wrap="none">
+              <a:spAutoFit/>
+            </a:bodyPr>
+            <a:lstStyle/>
+            <a:p>
+              <a:pPr marL="0" marR="0" lvl="0" indent="0" defTabSz="914369" eaLnBrk="1" fontAlgn="auto" latinLnBrk="0" hangingPunct="1">
+                <a:lnSpc>
+                  <a:spcPct val="100000"/>
+                </a:lnSpc>
+                <a:spcBef>
+                  <a:spcPts val="0"/>
+                </a:spcBef>
+                <a:spcAft>
+                  <a:spcPts val="0"/>
+                </a:spcAft>
+                <a:buClrTx/>
+                <a:buSzTx/>
+                <a:buFontTx/>
+                <a:buNone/>
+                <a:tabLst/>
+                <a:defRPr/>
+              </a:pPr>
+              <a:r>
+                <a:rPr kumimoji="0" lang="en-US" sz="1200" b="0" i="0" u="none" strike="noStrike" kern="0" cap="none" spc="0" normalizeH="0" baseline="0" noProof="0" dirty="0">
+                  <a:ln>
+                    <a:noFill/>
+                  </a:ln>
+                  <a:solidFill>
+                    <a:prstClr val="black"/>
+                  </a:solidFill>
+                  <a:effectLst/>
+                  <a:uLnTx/>
+                  <a:uFillTx/>
+                  <a:hlinkClick r:id="rId21" action="ppaction://hlinkpres?slideindex=1&amp;slidetitle="/>
+                </a:rPr>
+                <a:t>profile</a:t>
               </a:r>
               <a:endParaRPr kumimoji="0" lang="en-US" sz="1200" b="0" i="0" u="none" strike="noStrike" kern="0" cap="none" spc="0" normalizeH="0" baseline="0" noProof="0" dirty="0">
                 <a:ln>
@@ -8266,7 +9532,7 @@
         <p:cNvPr id="1" name="">
           <a:extLst>
             <a:ext uri="{FF2B5EF4-FFF2-40B4-BE49-F238E27FC236}">
-              <a16:creationId xmlns:a16="http://schemas.microsoft.com/office/drawing/2014/main" id="{7F241D5C-8DF3-7100-E3FF-419D2C4A5807}"/>
+              <a16:creationId xmlns:a16="http://schemas.microsoft.com/office/drawing/2014/main" id="{36B47854-2DDA-5797-C32D-D39C00609BC2}"/>
             </a:ext>
           </a:extLst>
         </p:cNvPr>
@@ -8286,7 +9552,7 @@
           <p:cNvPr id="2" name="Title 1">
             <a:extLst>
               <a:ext uri="{FF2B5EF4-FFF2-40B4-BE49-F238E27FC236}">
-                <a16:creationId xmlns:a16="http://schemas.microsoft.com/office/drawing/2014/main" id="{4BFB1966-CC23-AA42-0644-A42785B8D473}"/>
+                <a16:creationId xmlns:a16="http://schemas.microsoft.com/office/drawing/2014/main" id="{019418C4-3868-771E-3455-AABA04AB2CB2}"/>
               </a:ext>
             </a:extLst>
           </p:cNvPr>
@@ -8300,7 +9566,7 @@
         <p:spPr>
           <a:xfrm>
             <a:off x="145062" y="123804"/>
-            <a:ext cx="1560492" cy="369332"/>
+            <a:ext cx="1349472" cy="369332"/>
           </a:xfrm>
           <a:gradFill>
             <a:gsLst>
@@ -8353,7 +9619,7 @@
                 </a:solidFill>
                 <a:sym typeface="Wingdings" panose="05000000000000000000" pitchFamily="2" charset="2"/>
               </a:rPr>
-              <a:t>1.2 resources</a:t>
+              <a:t>1.2 sources</a:t>
             </a:r>
             <a:endParaRPr lang="en-US" sz="2000" dirty="0">
               <a:solidFill>
@@ -8370,7 +9636,7 @@
           <p:cNvPr id="5" name="Rectangle 4">
             <a:extLst>
               <a:ext uri="{FF2B5EF4-FFF2-40B4-BE49-F238E27FC236}">
-                <a16:creationId xmlns:a16="http://schemas.microsoft.com/office/drawing/2014/main" id="{E13F2E45-2621-F807-C969-808E4CC8C4DB}"/>
+                <a16:creationId xmlns:a16="http://schemas.microsoft.com/office/drawing/2014/main" id="{94B422C2-117E-B5EA-9469-596E98BB341A}"/>
               </a:ext>
             </a:extLst>
           </p:cNvPr>
@@ -8453,10 +9719,10 @@
       </p:sp>
       <p:grpSp>
         <p:nvGrpSpPr>
-          <p:cNvPr id="3" name="Group 2">
+          <p:cNvPr id="49" name="Group 48">
             <a:extLst>
               <a:ext uri="{FF2B5EF4-FFF2-40B4-BE49-F238E27FC236}">
-                <a16:creationId xmlns:a16="http://schemas.microsoft.com/office/drawing/2014/main" id="{888D4C14-D1D8-0464-1E23-A245D92763B8}"/>
+                <a16:creationId xmlns:a16="http://schemas.microsoft.com/office/drawing/2014/main" id="{11418E8C-221F-7A22-E3DE-C38FD713A128}"/>
               </a:ext>
             </a:extLst>
           </p:cNvPr>
@@ -8465,81 +9731,91 @@
         </p:nvGrpSpPr>
         <p:grpSpPr>
           <a:xfrm>
-            <a:off x="302081" y="1037236"/>
-            <a:ext cx="2456513" cy="299662"/>
-            <a:chOff x="1643297" y="4045816"/>
-            <a:chExt cx="2456513" cy="299662"/>
+            <a:off x="248908" y="642845"/>
+            <a:ext cx="1877774" cy="289586"/>
+            <a:chOff x="5881666" y="1590687"/>
+            <a:chExt cx="1877774" cy="289586"/>
           </a:xfrm>
         </p:grpSpPr>
         <p:sp>
           <p:nvSpPr>
-            <p:cNvPr id="4" name="CaixaDeTexto 17">
-              <a:hlinkClick r:id="rId2" action="ppaction://program"/>
+            <p:cNvPr id="50" name="Retângulo 5">
               <a:extLst>
                 <a:ext uri="{FF2B5EF4-FFF2-40B4-BE49-F238E27FC236}">
-                  <a16:creationId xmlns:a16="http://schemas.microsoft.com/office/drawing/2014/main" id="{7A5472B2-23D3-A2EC-A6BA-FF1770C4226F}"/>
+                  <a16:creationId xmlns:a16="http://schemas.microsoft.com/office/drawing/2014/main" id="{2413D962-2E13-B2B5-BE69-3358BF3F8623}"/>
                 </a:ext>
               </a:extLst>
             </p:cNvPr>
-            <p:cNvSpPr txBox="1"/>
+            <p:cNvSpPr/>
             <p:nvPr/>
           </p:nvSpPr>
           <p:spPr>
             <a:xfrm>
-              <a:off x="1980063" y="4103314"/>
-              <a:ext cx="2119747" cy="184666"/>
+              <a:off x="6081095" y="1603274"/>
+              <a:ext cx="1678345" cy="276999"/>
             </a:xfrm>
             <a:prstGeom prst="rect">
               <a:avLst/>
             </a:prstGeom>
-            <a:noFill/>
-            <a:effectLst>
-              <a:outerShdw blurRad="50800" dist="76200" dir="2700000" algn="tl" rotWithShape="0">
-                <a:prstClr val="black">
-                  <a:alpha val="40000"/>
-                </a:prstClr>
-              </a:outerShdw>
-            </a:effectLst>
           </p:spPr>
           <p:txBody>
-            <a:bodyPr wrap="none" lIns="0" tIns="0" rIns="0" bIns="0" rtlCol="0">
+            <a:bodyPr wrap="none">
               <a:spAutoFit/>
             </a:bodyPr>
             <a:lstStyle/>
             <a:p>
-              <a:pPr defTabSz="914369">
+              <a:pPr marL="0" marR="0" lvl="0" indent="0" defTabSz="914369" eaLnBrk="1" fontAlgn="auto" latinLnBrk="0" hangingPunct="1">
+                <a:lnSpc>
+                  <a:spcPct val="100000"/>
+                </a:lnSpc>
+                <a:spcBef>
+                  <a:spcPts val="0"/>
+                </a:spcBef>
+                <a:spcAft>
+                  <a:spcPts val="0"/>
+                </a:spcAft>
+                <a:buClrTx/>
+                <a:buSzTx/>
+                <a:buFontTx/>
+                <a:buNone/>
+                <a:tabLst/>
                 <a:defRPr/>
               </a:pPr>
               <a:r>
-                <a:rPr lang="en-US" sz="1200" u="sng" dirty="0">
+                <a:rPr kumimoji="0" lang="en-US" sz="1200" b="0" i="0" u="none" strike="noStrike" kern="0" cap="none" spc="0" normalizeH="0" baseline="0" noProof="0" dirty="0">
+                  <a:ln>
+                    <a:noFill/>
+                  </a:ln>
                   <a:solidFill>
-                    <a:srgbClr val="4472C4">
-                      <a:lumMod val="50000"/>
-                    </a:srgbClr>
+                    <a:prstClr val="black"/>
                   </a:solidFill>
-                  <a:latin typeface="Calibri Light" panose="020F0302020204030204"/>
-                  <a:hlinkClick r:id="rId3" action="ppaction://hlinkfile"/>
+                  <a:effectLst/>
+                  <a:uLnTx/>
+                  <a:uFillTx/>
+                  <a:hlinkClick r:id="rId2"/>
                 </a:rPr>
-                <a:t>_resources\PythonCheatSheet.pdf</a:t>
+                <a:t>programming-resources</a:t>
               </a:r>
-              <a:endParaRPr lang="en-US" sz="1200" u="sng" dirty="0">
+              <a:endParaRPr kumimoji="0" lang="en-US" sz="1200" b="0" i="0" u="none" strike="noStrike" kern="0" cap="none" spc="0" normalizeH="0" baseline="0" noProof="0" dirty="0">
+                <a:ln>
+                  <a:noFill/>
+                </a:ln>
                 <a:solidFill>
-                  <a:srgbClr val="4472C4">
-                    <a:lumMod val="50000"/>
-                  </a:srgbClr>
+                  <a:prstClr val="black"/>
                 </a:solidFill>
-                <a:latin typeface="Calibri Light" panose="020F0302020204030204"/>
+                <a:effectLst/>
+                <a:uLnTx/>
+                <a:uFillTx/>
               </a:endParaRPr>
             </a:p>
           </p:txBody>
         </p:sp>
         <p:pic>
           <p:nvPicPr>
-            <p:cNvPr id="6" name="Imagem 18">
-              <a:hlinkClick r:id="rId2" action="ppaction://program"/>
+            <p:cNvPr id="51" name="Picture 50" descr="Icon&#10;&#10;Description automatically generated">
               <a:extLst>
                 <a:ext uri="{FF2B5EF4-FFF2-40B4-BE49-F238E27FC236}">
-                  <a16:creationId xmlns:a16="http://schemas.microsoft.com/office/drawing/2014/main" id="{9B9438B4-9379-E954-1421-61806DE45771}"/>
+                  <a16:creationId xmlns:a16="http://schemas.microsoft.com/office/drawing/2014/main" id="{EDF91CE4-DE3E-3756-33F3-76C644D2B638}"/>
                 </a:ext>
               </a:extLst>
             </p:cNvPr>
@@ -8549,7 +9825,7 @@
             <p:nvPr/>
           </p:nvPicPr>
           <p:blipFill>
-            <a:blip r:embed="rId4" cstate="print">
+            <a:blip r:embed="rId3" cstate="print">
               <a:extLst>
                 <a:ext uri="{28A0092B-C50C-407E-A947-70E740481C1C}">
                   <a14:useLocalDpi xmlns:a14="http://schemas.microsoft.com/office/drawing/2010/main" val="0"/>
@@ -8562,8 +9838,8 @@
           </p:blipFill>
           <p:spPr>
             <a:xfrm>
-              <a:off x="1643297" y="4045816"/>
-              <a:ext cx="295651" cy="299662"/>
+              <a:off x="5881666" y="1590687"/>
+              <a:ext cx="277000" cy="277000"/>
             </a:xfrm>
             <a:prstGeom prst="rect">
               <a:avLst/>
@@ -8573,10 +9849,10 @@
       </p:grpSp>
       <p:grpSp>
         <p:nvGrpSpPr>
-          <p:cNvPr id="7" name="Group 6">
+          <p:cNvPr id="52" name="Group 51">
             <a:extLst>
               <a:ext uri="{FF2B5EF4-FFF2-40B4-BE49-F238E27FC236}">
-                <a16:creationId xmlns:a16="http://schemas.microsoft.com/office/drawing/2014/main" id="{082FB170-6654-F07B-E4E4-36DB86B4811E}"/>
+                <a16:creationId xmlns:a16="http://schemas.microsoft.com/office/drawing/2014/main" id="{728F4B03-7F9C-D8ED-5B4A-D701F22C6772}"/>
               </a:ext>
             </a:extLst>
           </p:cNvPr>
@@ -8585,81 +9861,68 @@
         </p:nvGrpSpPr>
         <p:grpSpPr>
           <a:xfrm>
-            <a:off x="302081" y="1336898"/>
-            <a:ext cx="3623691" cy="299662"/>
-            <a:chOff x="1643297" y="4045816"/>
-            <a:chExt cx="3623691" cy="299662"/>
+            <a:off x="248908" y="945610"/>
+            <a:ext cx="2327897" cy="289586"/>
+            <a:chOff x="5881666" y="1590687"/>
+            <a:chExt cx="2327897" cy="289586"/>
           </a:xfrm>
         </p:grpSpPr>
         <p:sp>
           <p:nvSpPr>
-            <p:cNvPr id="37" name="CaixaDeTexto 17">
-              <a:hlinkClick r:id="rId2" action="ppaction://program"/>
+            <p:cNvPr id="53" name="Retângulo 5">
               <a:extLst>
                 <a:ext uri="{FF2B5EF4-FFF2-40B4-BE49-F238E27FC236}">
-                  <a16:creationId xmlns:a16="http://schemas.microsoft.com/office/drawing/2014/main" id="{A6F8C508-59C9-E3A6-9791-A25BB1BFFF38}"/>
+                  <a16:creationId xmlns:a16="http://schemas.microsoft.com/office/drawing/2014/main" id="{55317524-15FA-EDAB-F7E2-18E7309EED34}"/>
                 </a:ext>
               </a:extLst>
             </p:cNvPr>
-            <p:cNvSpPr txBox="1"/>
+            <p:cNvSpPr/>
             <p:nvPr/>
           </p:nvSpPr>
           <p:spPr>
             <a:xfrm>
-              <a:off x="1980063" y="4103314"/>
-              <a:ext cx="3286925" cy="184666"/>
+              <a:off x="6081095" y="1603274"/>
+              <a:ext cx="2128468" cy="276999"/>
             </a:xfrm>
             <a:prstGeom prst="rect">
               <a:avLst/>
             </a:prstGeom>
-            <a:noFill/>
-            <a:effectLst>
-              <a:outerShdw blurRad="50800" dist="76200" dir="2700000" algn="tl" rotWithShape="0">
-                <a:prstClr val="black">
-                  <a:alpha val="40000"/>
-                </a:prstClr>
-              </a:outerShdw>
-            </a:effectLst>
           </p:spPr>
           <p:txBody>
-            <a:bodyPr wrap="none" lIns="0" tIns="0" rIns="0" bIns="0" rtlCol="0">
+            <a:bodyPr wrap="none">
               <a:spAutoFit/>
             </a:bodyPr>
             <a:lstStyle/>
             <a:p>
-              <a:pPr defTabSz="914369">
+              <a:pPr lvl="0" defTabSz="914369">
                 <a:defRPr/>
               </a:pPr>
               <a:r>
-                <a:rPr lang="en-US" sz="1200" u="sng" dirty="0">
-                  <a:solidFill>
-                    <a:srgbClr val="4472C4">
-                      <a:lumMod val="50000"/>
-                    </a:srgbClr>
-                  </a:solidFill>
-                  <a:latin typeface="Calibri Light" panose="020F0302020204030204"/>
-                  <a:hlinkClick r:id="rId5" action="ppaction://hlinkfile"/>
+                <a:rPr lang="en-US" sz="1200" dirty="0">
+                  <a:hlinkClick r:id="rId4"/>
                 </a:rPr>
-                <a:t>_resources\PythonCheatSheetComplexDataTypes.pdf</a:t>
+                <a:t>python inspect - Google Search</a:t>
               </a:r>
-              <a:endParaRPr lang="en-US" sz="1200" u="sng" dirty="0">
+              <a:endParaRPr kumimoji="0" lang="en-US" sz="1200" b="0" i="0" u="none" strike="noStrike" kern="0" cap="none" spc="0" normalizeH="0" baseline="0" dirty="0">
+                <a:ln>
+                  <a:noFill/>
+                </a:ln>
                 <a:solidFill>
-                  <a:srgbClr val="4472C4">
-                    <a:lumMod val="50000"/>
-                  </a:srgbClr>
+                  <a:prstClr val="black"/>
                 </a:solidFill>
-                <a:latin typeface="Calibri Light" panose="020F0302020204030204"/>
+                <a:effectLst/>
+                <a:uLnTx/>
+                <a:uFillTx/>
               </a:endParaRPr>
             </a:p>
           </p:txBody>
         </p:sp>
         <p:pic>
           <p:nvPicPr>
-            <p:cNvPr id="38" name="Imagem 18">
-              <a:hlinkClick r:id="rId2" action="ppaction://program"/>
+            <p:cNvPr id="54" name="Picture 53" descr="Icon&#10;&#10;Description automatically generated">
               <a:extLst>
                 <a:ext uri="{FF2B5EF4-FFF2-40B4-BE49-F238E27FC236}">
-                  <a16:creationId xmlns:a16="http://schemas.microsoft.com/office/drawing/2014/main" id="{11760607-177D-AC4E-B056-82F9C9E8B0B8}"/>
+                  <a16:creationId xmlns:a16="http://schemas.microsoft.com/office/drawing/2014/main" id="{D49EDE25-64D1-A538-8910-292AD46B3701}"/>
                 </a:ext>
               </a:extLst>
             </p:cNvPr>
@@ -8669,7 +9932,7 @@
             <p:nvPr/>
           </p:nvPicPr>
           <p:blipFill>
-            <a:blip r:embed="rId4" cstate="print">
+            <a:blip r:embed="rId3" cstate="print">
               <a:extLst>
                 <a:ext uri="{28A0092B-C50C-407E-A947-70E740481C1C}">
                   <a14:useLocalDpi xmlns:a14="http://schemas.microsoft.com/office/drawing/2010/main" val="0"/>
@@ -8682,248 +9945,8 @@
           </p:blipFill>
           <p:spPr>
             <a:xfrm>
-              <a:off x="1643297" y="4045816"/>
-              <a:ext cx="295651" cy="299662"/>
-            </a:xfrm>
-            <a:prstGeom prst="rect">
-              <a:avLst/>
-            </a:prstGeom>
-          </p:spPr>
-        </p:pic>
-      </p:grpSp>
-      <p:grpSp>
-        <p:nvGrpSpPr>
-          <p:cNvPr id="39" name="Group 38">
-            <a:extLst>
-              <a:ext uri="{FF2B5EF4-FFF2-40B4-BE49-F238E27FC236}">
-                <a16:creationId xmlns:a16="http://schemas.microsoft.com/office/drawing/2014/main" id="{21F25EA1-CA8B-F8B4-95A5-EFE698993A76}"/>
-              </a:ext>
-            </a:extLst>
-          </p:cNvPr>
-          <p:cNvGrpSpPr/>
-          <p:nvPr/>
-        </p:nvGrpSpPr>
-        <p:grpSpPr>
-          <a:xfrm>
-            <a:off x="302081" y="1636560"/>
-            <a:ext cx="3623691" cy="299662"/>
-            <a:chOff x="1643297" y="4045816"/>
-            <a:chExt cx="3623691" cy="299662"/>
-          </a:xfrm>
-        </p:grpSpPr>
-        <p:sp>
-          <p:nvSpPr>
-            <p:cNvPr id="40" name="CaixaDeTexto 17">
-              <a:hlinkClick r:id="rId2" action="ppaction://program"/>
-              <a:extLst>
-                <a:ext uri="{FF2B5EF4-FFF2-40B4-BE49-F238E27FC236}">
-                  <a16:creationId xmlns:a16="http://schemas.microsoft.com/office/drawing/2014/main" id="{80931B30-676B-4E6E-71D7-2A7305F9969B}"/>
-                </a:ext>
-              </a:extLst>
-            </p:cNvPr>
-            <p:cNvSpPr txBox="1"/>
-            <p:nvPr/>
-          </p:nvSpPr>
-          <p:spPr>
-            <a:xfrm>
-              <a:off x="1980063" y="4103314"/>
-              <a:ext cx="3286925" cy="184666"/>
-            </a:xfrm>
-            <a:prstGeom prst="rect">
-              <a:avLst/>
-            </a:prstGeom>
-            <a:noFill/>
-            <a:effectLst>
-              <a:outerShdw blurRad="50800" dist="76200" dir="2700000" algn="tl" rotWithShape="0">
-                <a:prstClr val="black">
-                  <a:alpha val="40000"/>
-                </a:prstClr>
-              </a:outerShdw>
-            </a:effectLst>
-          </p:spPr>
-          <p:txBody>
-            <a:bodyPr wrap="none" lIns="0" tIns="0" rIns="0" bIns="0" rtlCol="0">
-              <a:spAutoFit/>
-            </a:bodyPr>
-            <a:lstStyle/>
-            <a:p>
-              <a:pPr defTabSz="914369">
-                <a:defRPr/>
-              </a:pPr>
-              <a:r>
-                <a:rPr lang="en-US" sz="1200" u="sng" dirty="0">
-                  <a:solidFill>
-                    <a:srgbClr val="4472C4">
-                      <a:lumMod val="50000"/>
-                    </a:srgbClr>
-                  </a:solidFill>
-                  <a:latin typeface="Calibri Light" panose="020F0302020204030204"/>
-                  <a:hlinkClick r:id="rId6" action="ppaction://hlinkfile"/>
-                </a:rPr>
-                <a:t>_resources\PythonCheatSheetFunctionsAndTricks.pdf</a:t>
-              </a:r>
-              <a:endParaRPr lang="en-US" sz="1200" u="sng" dirty="0">
-                <a:solidFill>
-                  <a:srgbClr val="4472C4">
-                    <a:lumMod val="50000"/>
-                  </a:srgbClr>
-                </a:solidFill>
-                <a:latin typeface="Calibri Light" panose="020F0302020204030204"/>
-              </a:endParaRPr>
-            </a:p>
-          </p:txBody>
-        </p:sp>
-        <p:pic>
-          <p:nvPicPr>
-            <p:cNvPr id="41" name="Imagem 18">
-              <a:hlinkClick r:id="rId2" action="ppaction://program"/>
-              <a:extLst>
-                <a:ext uri="{FF2B5EF4-FFF2-40B4-BE49-F238E27FC236}">
-                  <a16:creationId xmlns:a16="http://schemas.microsoft.com/office/drawing/2014/main" id="{BBAEE228-71B8-1334-E708-11D7DD7FE503}"/>
-                </a:ext>
-              </a:extLst>
-            </p:cNvPr>
-            <p:cNvPicPr>
-              <a:picLocks noChangeAspect="1"/>
-            </p:cNvPicPr>
-            <p:nvPr/>
-          </p:nvPicPr>
-          <p:blipFill>
-            <a:blip r:embed="rId4" cstate="print">
-              <a:extLst>
-                <a:ext uri="{28A0092B-C50C-407E-A947-70E740481C1C}">
-                  <a14:useLocalDpi xmlns:a14="http://schemas.microsoft.com/office/drawing/2010/main" val="0"/>
-                </a:ext>
-              </a:extLst>
-            </a:blip>
-            <a:stretch>
-              <a:fillRect/>
-            </a:stretch>
-          </p:blipFill>
-          <p:spPr>
-            <a:xfrm>
-              <a:off x="1643297" y="4045816"/>
-              <a:ext cx="295651" cy="299662"/>
-            </a:xfrm>
-            <a:prstGeom prst="rect">
-              <a:avLst/>
-            </a:prstGeom>
-          </p:spPr>
-        </p:pic>
-      </p:grpSp>
-      <p:grpSp>
-        <p:nvGrpSpPr>
-          <p:cNvPr id="42" name="Group 41">
-            <a:extLst>
-              <a:ext uri="{FF2B5EF4-FFF2-40B4-BE49-F238E27FC236}">
-                <a16:creationId xmlns:a16="http://schemas.microsoft.com/office/drawing/2014/main" id="{49E022EB-246E-1374-A2F4-2CF192FBE89E}"/>
-              </a:ext>
-            </a:extLst>
-          </p:cNvPr>
-          <p:cNvGrpSpPr/>
-          <p:nvPr/>
-        </p:nvGrpSpPr>
-        <p:grpSpPr>
-          <a:xfrm>
-            <a:off x="302081" y="1936222"/>
-            <a:ext cx="2207086" cy="299662"/>
-            <a:chOff x="1643297" y="4045816"/>
-            <a:chExt cx="2207086" cy="299662"/>
-          </a:xfrm>
-        </p:grpSpPr>
-        <p:sp>
-          <p:nvSpPr>
-            <p:cNvPr id="43" name="CaixaDeTexto 17">
-              <a:hlinkClick r:id="rId2" action="ppaction://program"/>
-              <a:extLst>
-                <a:ext uri="{FF2B5EF4-FFF2-40B4-BE49-F238E27FC236}">
-                  <a16:creationId xmlns:a16="http://schemas.microsoft.com/office/drawing/2014/main" id="{DA9B091E-431C-A0F5-7577-5188BE46B49A}"/>
-                </a:ext>
-              </a:extLst>
-            </p:cNvPr>
-            <p:cNvSpPr txBox="1"/>
-            <p:nvPr/>
-          </p:nvSpPr>
-          <p:spPr>
-            <a:xfrm>
-              <a:off x="1980063" y="4103314"/>
-              <a:ext cx="1870320" cy="184666"/>
-            </a:xfrm>
-            <a:prstGeom prst="rect">
-              <a:avLst/>
-            </a:prstGeom>
-            <a:noFill/>
-            <a:effectLst>
-              <a:outerShdw blurRad="50800" dist="76200" dir="2700000" algn="tl" rotWithShape="0">
-                <a:prstClr val="black">
-                  <a:alpha val="40000"/>
-                </a:prstClr>
-              </a:outerShdw>
-            </a:effectLst>
-          </p:spPr>
-          <p:txBody>
-            <a:bodyPr wrap="none" lIns="0" tIns="0" rIns="0" bIns="0" rtlCol="0">
-              <a:spAutoFit/>
-            </a:bodyPr>
-            <a:lstStyle/>
-            <a:p>
-              <a:pPr defTabSz="914369">
-                <a:defRPr/>
-              </a:pPr>
-              <a:r>
-                <a:rPr lang="en-US" sz="1200" u="sng" dirty="0">
-                  <a:solidFill>
-                    <a:srgbClr val="4472C4">
-                      <a:lumMod val="50000"/>
-                    </a:srgbClr>
-                  </a:solidFill>
-                  <a:latin typeface="Calibri Light" panose="020F0302020204030204"/>
-                  <a:hlinkClick r:id="rId7" action="ppaction://hlinkfile"/>
-                </a:rPr>
-                <a:t>_resources\PythonOpenAI.pdf</a:t>
-              </a:r>
-              <a:endParaRPr lang="en-US" sz="1200" u="sng" dirty="0">
-                <a:solidFill>
-                  <a:srgbClr val="4472C4">
-                    <a:lumMod val="50000"/>
-                  </a:srgbClr>
-                </a:solidFill>
-                <a:latin typeface="Calibri Light" panose="020F0302020204030204"/>
-              </a:endParaRPr>
-            </a:p>
-          </p:txBody>
-        </p:sp>
-        <p:pic>
-          <p:nvPicPr>
-            <p:cNvPr id="44" name="Imagem 18">
-              <a:hlinkClick r:id="rId2" action="ppaction://program"/>
-              <a:extLst>
-                <a:ext uri="{FF2B5EF4-FFF2-40B4-BE49-F238E27FC236}">
-                  <a16:creationId xmlns:a16="http://schemas.microsoft.com/office/drawing/2014/main" id="{B58BDC06-89A3-51AA-79F2-3AE6D249008F}"/>
-                </a:ext>
-              </a:extLst>
-            </p:cNvPr>
-            <p:cNvPicPr>
-              <a:picLocks noChangeAspect="1"/>
-            </p:cNvPicPr>
-            <p:nvPr/>
-          </p:nvPicPr>
-          <p:blipFill>
-            <a:blip r:embed="rId4" cstate="print">
-              <a:extLst>
-                <a:ext uri="{28A0092B-C50C-407E-A947-70E740481C1C}">
-                  <a14:useLocalDpi xmlns:a14="http://schemas.microsoft.com/office/drawing/2010/main" val="0"/>
-                </a:ext>
-              </a:extLst>
-            </a:blip>
-            <a:stretch>
-              <a:fillRect/>
-            </a:stretch>
-          </p:blipFill>
-          <p:spPr>
-            <a:xfrm>
-              <a:off x="1643297" y="4045816"/>
-              <a:ext cx="295651" cy="299662"/>
+              <a:off x="5881666" y="1590687"/>
+              <a:ext cx="277000" cy="277000"/>
             </a:xfrm>
             <a:prstGeom prst="rect">
               <a:avLst/>
@@ -8934,7 +9957,7 @@
     </p:spTree>
     <p:extLst>
       <p:ext uri="{BB962C8B-B14F-4D97-AF65-F5344CB8AC3E}">
-        <p14:creationId xmlns:p14="http://schemas.microsoft.com/office/powerpoint/2010/main" val="3610040838"/>
+        <p14:creationId xmlns:p14="http://schemas.microsoft.com/office/powerpoint/2010/main" val="2075305735"/>
       </p:ext>
     </p:extLst>
   </p:cSld>
